--- a/crecomp_ws/picture.pptx
+++ b/crecomp_ws/picture.pptx
@@ -22,6 +22,7 @@
     <p:sldId id="269" r:id="rId16"/>
     <p:sldId id="270" r:id="rId17"/>
     <p:sldId id="271" r:id="rId18"/>
+    <p:sldId id="273" r:id="rId19"/>
   </p:sldIdLst>
   <p:sldSz cx="12192000" cy="6858000"/>
   <p:notesSz cx="6858000" cy="9144000"/>
@@ -4845,7 +4846,7 @@
         </p:blipFill>
         <p:spPr>
           <a:xfrm>
-            <a:off x="890481" y="1205310"/>
+            <a:off x="983078" y="858069"/>
             <a:ext cx="10665682" cy="4285335"/>
           </a:xfrm>
           <a:prstGeom prst="rect">
@@ -9419,6 +9420,4367 @@
     <p:extLst>
       <p:ext uri="{BB962C8B-B14F-4D97-AF65-F5344CB8AC3E}">
         <p14:creationId xmlns:p14="http://schemas.microsoft.com/office/powerpoint/2010/main" val="3142235428"/>
+      </p:ext>
+    </p:extLst>
+  </p:cSld>
+  <p:clrMapOvr>
+    <a:masterClrMapping/>
+  </p:clrMapOvr>
+</p:sld>
+</file>
+
+<file path=ppt/slides/slide18.xml><?xml version="1.0" encoding="utf-8"?>
+<p:sld xmlns:a="http://schemas.openxmlformats.org/drawingml/2006/main" xmlns:r="http://schemas.openxmlformats.org/officeDocument/2006/relationships" xmlns:p="http://schemas.openxmlformats.org/presentationml/2006/main">
+  <p:cSld>
+    <p:spTree>
+      <p:nvGrpSpPr>
+        <p:cNvPr id="1" name=""/>
+        <p:cNvGrpSpPr/>
+        <p:nvPr/>
+      </p:nvGrpSpPr>
+      <p:grpSpPr>
+        <a:xfrm>
+          <a:off x="0" y="0"/>
+          <a:ext cx="0" cy="0"/>
+          <a:chOff x="0" y="0"/>
+          <a:chExt cx="0" cy="0"/>
+        </a:xfrm>
+      </p:grpSpPr>
+      <p:grpSp>
+        <p:nvGrpSpPr>
+          <p:cNvPr id="2" name="グループ化 1"/>
+          <p:cNvGrpSpPr/>
+          <p:nvPr/>
+        </p:nvGrpSpPr>
+        <p:grpSpPr>
+          <a:xfrm>
+            <a:off x="291586" y="1117012"/>
+            <a:ext cx="8998779" cy="4455835"/>
+            <a:chOff x="73659" y="0"/>
+            <a:chExt cx="11865791" cy="5806201"/>
+          </a:xfrm>
+        </p:grpSpPr>
+        <p:sp>
+          <p:nvSpPr>
+            <p:cNvPr id="3" name="正方形/長方形 2"/>
+            <p:cNvSpPr/>
+            <p:nvPr/>
+          </p:nvSpPr>
+          <p:spPr>
+            <a:xfrm>
+              <a:off x="73659" y="0"/>
+              <a:ext cx="3251764" cy="5753099"/>
+            </a:xfrm>
+            <a:prstGeom prst="rect">
+              <a:avLst/>
+            </a:prstGeom>
+            <a:solidFill>
+              <a:schemeClr val="bg1"/>
+            </a:solidFill>
+            <a:ln w="3175">
+              <a:solidFill>
+                <a:schemeClr val="tx1"/>
+              </a:solidFill>
+            </a:ln>
+          </p:spPr>
+          <p:style>
+            <a:lnRef idx="2">
+              <a:schemeClr val="accent1">
+                <a:shade val="50000"/>
+              </a:schemeClr>
+            </a:lnRef>
+            <a:fillRef idx="1">
+              <a:schemeClr val="accent1"/>
+            </a:fillRef>
+            <a:effectRef idx="0">
+              <a:schemeClr val="accent1"/>
+            </a:effectRef>
+            <a:fontRef idx="minor">
+              <a:schemeClr val="lt1"/>
+            </a:fontRef>
+          </p:style>
+          <p:txBody>
+            <a:bodyPr rtlCol="0" anchor="t"/>
+            <a:lstStyle/>
+            <a:p>
+              <a:pPr>
+                <a:lnSpc>
+                  <a:spcPts val="1200"/>
+                </a:lnSpc>
+              </a:pPr>
+              <a:r>
+                <a:rPr lang="en-US" altLang="ja-JP" sz="1050" b="1" dirty="0" err="1">
+                  <a:solidFill>
+                    <a:schemeClr val="accent5"/>
+                  </a:solidFill>
+                  <a:latin typeface="Malgun Gothic" panose="020B0503020000020004" pitchFamily="34" charset="-127"/>
+                  <a:ea typeface="Malgun Gothic" panose="020B0503020000020004" pitchFamily="34" charset="-127"/>
+                </a:rPr>
+                <a:t>module_name</a:t>
+              </a:r>
+              <a:r>
+                <a:rPr lang="en-US" altLang="ja-JP" sz="1050" dirty="0">
+                  <a:solidFill>
+                    <a:schemeClr val="accent5"/>
+                  </a:solidFill>
+                  <a:latin typeface="Malgun Gothic" panose="020B0503020000020004" pitchFamily="34" charset="-127"/>
+                  <a:ea typeface="Malgun Gothic" panose="020B0503020000020004" pitchFamily="34" charset="-127"/>
+                </a:rPr>
+                <a:t> </a:t>
+              </a:r>
+              <a:r>
+                <a:rPr lang="en-US" altLang="ja-JP" sz="1050" dirty="0" err="1">
+                  <a:solidFill>
+                    <a:schemeClr val="tx1"/>
+                  </a:solidFill>
+                  <a:latin typeface="Malgun Gothic" panose="020B0503020000020004" pitchFamily="34" charset="-127"/>
+                  <a:ea typeface="Malgun Gothic" panose="020B0503020000020004" pitchFamily="34" charset="-127"/>
+                </a:rPr>
+                <a:t>sensor_ctl</a:t>
+              </a:r>
+              <a:endParaRPr lang="en-US" altLang="ja-JP" sz="1050" dirty="0">
+                <a:solidFill>
+                  <a:schemeClr val="tx1"/>
+                </a:solidFill>
+                <a:latin typeface="Malgun Gothic" panose="020B0503020000020004" pitchFamily="34" charset="-127"/>
+                <a:ea typeface="Malgun Gothic" panose="020B0503020000020004" pitchFamily="34" charset="-127"/>
+              </a:endParaRPr>
+            </a:p>
+            <a:p>
+              <a:pPr>
+                <a:lnSpc>
+                  <a:spcPts val="1200"/>
+                </a:lnSpc>
+              </a:pPr>
+              <a:r>
+                <a:rPr lang="en-US" altLang="ja-JP" sz="1050" b="1" dirty="0" err="1">
+                  <a:solidFill>
+                    <a:schemeClr val="accent5"/>
+                  </a:solidFill>
+                  <a:latin typeface="Malgun Gothic" panose="020B0503020000020004" pitchFamily="34" charset="-127"/>
+                  <a:ea typeface="Malgun Gothic" panose="020B0503020000020004" pitchFamily="34" charset="-127"/>
+                </a:rPr>
+                <a:t>option_port</a:t>
+              </a:r>
+              <a:r>
+                <a:rPr lang="en-US" altLang="ja-JP" sz="1050" dirty="0">
+                  <a:solidFill>
+                    <a:schemeClr val="tx1"/>
+                  </a:solidFill>
+                  <a:latin typeface="Malgun Gothic" panose="020B0503020000020004" pitchFamily="34" charset="-127"/>
+                  <a:ea typeface="Malgun Gothic" panose="020B0503020000020004" pitchFamily="34" charset="-127"/>
+                </a:rPr>
+                <a:t>{</a:t>
+              </a:r>
+            </a:p>
+            <a:p>
+              <a:pPr>
+                <a:lnSpc>
+                  <a:spcPts val="1200"/>
+                </a:lnSpc>
+              </a:pPr>
+              <a:r>
+                <a:rPr lang="en-US" altLang="ja-JP" sz="1050" dirty="0">
+                  <a:solidFill>
+                    <a:schemeClr val="tx1"/>
+                  </a:solidFill>
+                  <a:latin typeface="Malgun Gothic" panose="020B0503020000020004" pitchFamily="34" charset="-127"/>
+                  <a:ea typeface="Malgun Gothic" panose="020B0503020000020004" pitchFamily="34" charset="-127"/>
+                </a:rPr>
+                <a:t>	io,1,sig_out</a:t>
+              </a:r>
+            </a:p>
+            <a:p>
+              <a:pPr>
+                <a:lnSpc>
+                  <a:spcPts val="1200"/>
+                </a:lnSpc>
+              </a:pPr>
+              <a:r>
+                <a:rPr lang="en-US" altLang="ja-JP" sz="1050" dirty="0">
+                  <a:solidFill>
+                    <a:schemeClr val="tx1"/>
+                  </a:solidFill>
+                  <a:latin typeface="Malgun Gothic" panose="020B0503020000020004" pitchFamily="34" charset="-127"/>
+                  <a:ea typeface="Malgun Gothic" panose="020B0503020000020004" pitchFamily="34" charset="-127"/>
+                </a:rPr>
+                <a:t>}</a:t>
+              </a:r>
+            </a:p>
+            <a:p>
+              <a:pPr>
+                <a:lnSpc>
+                  <a:spcPts val="1200"/>
+                </a:lnSpc>
+              </a:pPr>
+              <a:r>
+                <a:rPr lang="en-US" altLang="ja-JP" sz="1050" b="1" dirty="0">
+                  <a:solidFill>
+                    <a:schemeClr val="accent5"/>
+                  </a:solidFill>
+                  <a:latin typeface="Malgun Gothic" panose="020B0503020000020004" pitchFamily="34" charset="-127"/>
+                  <a:ea typeface="Malgun Gothic" panose="020B0503020000020004" pitchFamily="34" charset="-127"/>
+                </a:rPr>
+                <a:t>use_fifo_32</a:t>
+              </a:r>
+            </a:p>
+            <a:p>
+              <a:pPr>
+                <a:lnSpc>
+                  <a:spcPts val="1200"/>
+                </a:lnSpc>
+              </a:pPr>
+              <a:r>
+                <a:rPr lang="en-US" altLang="ja-JP" sz="1050" b="1" dirty="0">
+                  <a:solidFill>
+                    <a:schemeClr val="accent5"/>
+                  </a:solidFill>
+                  <a:latin typeface="Malgun Gothic" panose="020B0503020000020004" pitchFamily="34" charset="-127"/>
+                  <a:ea typeface="Malgun Gothic" panose="020B0503020000020004" pitchFamily="34" charset="-127"/>
+                </a:rPr>
+                <a:t>make_32_alw</a:t>
+              </a:r>
+              <a:r>
+                <a:rPr lang="en-US" altLang="ja-JP" sz="1050" dirty="0">
+                  <a:solidFill>
+                    <a:schemeClr val="tx1"/>
+                  </a:solidFill>
+                  <a:latin typeface="Malgun Gothic" panose="020B0503020000020004" pitchFamily="34" charset="-127"/>
+                  <a:ea typeface="Malgun Gothic" panose="020B0503020000020004" pitchFamily="34" charset="-127"/>
+                </a:rPr>
+                <a:t>{</a:t>
+              </a:r>
+            </a:p>
+            <a:p>
+              <a:pPr>
+                <a:lnSpc>
+                  <a:spcPts val="1200"/>
+                </a:lnSpc>
+              </a:pPr>
+              <a:r>
+                <a:rPr lang="en-US" altLang="ja-JP" sz="1050" dirty="0">
+                  <a:solidFill>
+                    <a:schemeClr val="tx1"/>
+                  </a:solidFill>
+                  <a:latin typeface="Malgun Gothic" panose="020B0503020000020004" pitchFamily="34" charset="-127"/>
+                  <a:ea typeface="Malgun Gothic" panose="020B0503020000020004" pitchFamily="34" charset="-127"/>
+                </a:rPr>
+                <a:t>	r,32,req_in</a:t>
+              </a:r>
+            </a:p>
+            <a:p>
+              <a:pPr>
+                <a:lnSpc>
+                  <a:spcPts val="1200"/>
+                </a:lnSpc>
+              </a:pPr>
+              <a:r>
+                <a:rPr lang="en-US" altLang="ja-JP" sz="1050" dirty="0">
+                  <a:solidFill>
+                    <a:schemeClr val="tx1"/>
+                  </a:solidFill>
+                  <a:latin typeface="Malgun Gothic" panose="020B0503020000020004" pitchFamily="34" charset="-127"/>
+                  <a:ea typeface="Malgun Gothic" panose="020B0503020000020004" pitchFamily="34" charset="-127"/>
+                </a:rPr>
+                <a:t>	w,32,sensor_data</a:t>
+              </a:r>
+            </a:p>
+            <a:p>
+              <a:pPr>
+                <a:lnSpc>
+                  <a:spcPts val="1200"/>
+                </a:lnSpc>
+              </a:pPr>
+              <a:r>
+                <a:rPr lang="en-US" altLang="ja-JP" sz="1050" dirty="0">
+                  <a:solidFill>
+                    <a:schemeClr val="tx1"/>
+                  </a:solidFill>
+                  <a:latin typeface="Malgun Gothic" panose="020B0503020000020004" pitchFamily="34" charset="-127"/>
+                  <a:ea typeface="Malgun Gothic" panose="020B0503020000020004" pitchFamily="34" charset="-127"/>
+                </a:rPr>
+                <a:t>}</a:t>
+              </a:r>
+            </a:p>
+            <a:p>
+              <a:pPr>
+                <a:lnSpc>
+                  <a:spcPts val="1200"/>
+                </a:lnSpc>
+              </a:pPr>
+              <a:r>
+                <a:rPr lang="en-US" altLang="ja-JP" sz="1050" b="1" dirty="0">
+                  <a:solidFill>
+                    <a:schemeClr val="accent5"/>
+                  </a:solidFill>
+                  <a:latin typeface="Malgun Gothic" panose="020B0503020000020004" pitchFamily="34" charset="-127"/>
+                  <a:ea typeface="Malgun Gothic" panose="020B0503020000020004" pitchFamily="34" charset="-127"/>
+                </a:rPr>
+                <a:t>r_cycle_32</a:t>
+              </a:r>
+              <a:r>
+                <a:rPr lang="en-US" altLang="ja-JP" sz="1050" dirty="0">
+                  <a:solidFill>
+                    <a:schemeClr val="accent5"/>
+                  </a:solidFill>
+                  <a:latin typeface="Malgun Gothic" panose="020B0503020000020004" pitchFamily="34" charset="-127"/>
+                  <a:ea typeface="Malgun Gothic" panose="020B0503020000020004" pitchFamily="34" charset="-127"/>
+                </a:rPr>
+                <a:t> </a:t>
+              </a:r>
+              <a:r>
+                <a:rPr lang="en-US" altLang="ja-JP" sz="1050" dirty="0">
+                  <a:solidFill>
+                    <a:schemeClr val="tx1"/>
+                  </a:solidFill>
+                  <a:latin typeface="Malgun Gothic" panose="020B0503020000020004" pitchFamily="34" charset="-127"/>
+                  <a:ea typeface="Malgun Gothic" panose="020B0503020000020004" pitchFamily="34" charset="-127"/>
+                </a:rPr>
+                <a:t>1</a:t>
+              </a:r>
+            </a:p>
+            <a:p>
+              <a:pPr>
+                <a:lnSpc>
+                  <a:spcPts val="1200"/>
+                </a:lnSpc>
+              </a:pPr>
+              <a:r>
+                <a:rPr lang="en-US" altLang="ja-JP" sz="1050" b="1" dirty="0">
+                  <a:solidFill>
+                    <a:schemeClr val="accent5"/>
+                  </a:solidFill>
+                  <a:latin typeface="Malgun Gothic" panose="020B0503020000020004" pitchFamily="34" charset="-127"/>
+                  <a:ea typeface="Malgun Gothic" panose="020B0503020000020004" pitchFamily="34" charset="-127"/>
+                </a:rPr>
+                <a:t>rw_condition_32</a:t>
+              </a:r>
+              <a:r>
+                <a:rPr lang="en-US" altLang="ja-JP" sz="1050" dirty="0">
+                  <a:solidFill>
+                    <a:schemeClr val="tx1"/>
+                  </a:solidFill>
+                  <a:latin typeface="Malgun Gothic" panose="020B0503020000020004" pitchFamily="34" charset="-127"/>
+                  <a:ea typeface="Malgun Gothic" panose="020B0503020000020004" pitchFamily="34" charset="-127"/>
+                </a:rPr>
+                <a:t>{</a:t>
+              </a:r>
+            </a:p>
+            <a:p>
+              <a:pPr>
+                <a:lnSpc>
+                  <a:spcPts val="1200"/>
+                </a:lnSpc>
+              </a:pPr>
+              <a:r>
+                <a:rPr lang="en-US" altLang="ja-JP" sz="1050" dirty="0">
+                  <a:solidFill>
+                    <a:schemeClr val="tx1"/>
+                  </a:solidFill>
+                  <a:latin typeface="Malgun Gothic" panose="020B0503020000020004" pitchFamily="34" charset="-127"/>
+                  <a:ea typeface="Malgun Gothic" panose="020B0503020000020004" pitchFamily="34" charset="-127"/>
+                </a:rPr>
+                <a:t>if(</a:t>
+              </a:r>
+              <a:r>
+                <a:rPr lang="en-US" altLang="ja-JP" sz="1050" dirty="0" err="1">
+                  <a:solidFill>
+                    <a:schemeClr val="tx1"/>
+                  </a:solidFill>
+                  <a:latin typeface="Malgun Gothic" panose="020B0503020000020004" pitchFamily="34" charset="-127"/>
+                  <a:ea typeface="Malgun Gothic" panose="020B0503020000020004" pitchFamily="34" charset="-127"/>
+                </a:rPr>
+                <a:t>busy_flag</a:t>
+              </a:r>
+              <a:r>
+                <a:rPr lang="en-US" altLang="ja-JP" sz="1050" dirty="0">
+                  <a:solidFill>
+                    <a:schemeClr val="tx1"/>
+                  </a:solidFill>
+                  <a:latin typeface="Malgun Gothic" panose="020B0503020000020004" pitchFamily="34" charset="-127"/>
+                  <a:ea typeface="Malgun Gothic" panose="020B0503020000020004" pitchFamily="34" charset="-127"/>
+                </a:rPr>
+                <a:t> &amp;&amp; </a:t>
+              </a:r>
+              <a:r>
+                <a:rPr lang="en-US" altLang="ja-JP" sz="1050" dirty="0" err="1">
+                  <a:solidFill>
+                    <a:schemeClr val="tx1"/>
+                  </a:solidFill>
+                  <a:latin typeface="Malgun Gothic" panose="020B0503020000020004" pitchFamily="34" charset="-127"/>
+                  <a:ea typeface="Malgun Gothic" panose="020B0503020000020004" pitchFamily="34" charset="-127"/>
+                </a:rPr>
+                <a:t>finish_flag</a:t>
+              </a:r>
+              <a:r>
+                <a:rPr lang="en-US" altLang="ja-JP" sz="1050" dirty="0">
+                  <a:solidFill>
+                    <a:schemeClr val="tx1"/>
+                  </a:solidFill>
+                  <a:latin typeface="Malgun Gothic" panose="020B0503020000020004" pitchFamily="34" charset="-127"/>
+                  <a:ea typeface="Malgun Gothic" panose="020B0503020000020004" pitchFamily="34" charset="-127"/>
+                </a:rPr>
+                <a:t>)</a:t>
+              </a:r>
+            </a:p>
+            <a:p>
+              <a:pPr>
+                <a:lnSpc>
+                  <a:spcPts val="1200"/>
+                </a:lnSpc>
+              </a:pPr>
+              <a:r>
+                <a:rPr lang="en-US" altLang="ja-JP" sz="1050" dirty="0">
+                  <a:solidFill>
+                    <a:schemeClr val="tx1"/>
+                  </a:solidFill>
+                  <a:latin typeface="Malgun Gothic" panose="020B0503020000020004" pitchFamily="34" charset="-127"/>
+                  <a:ea typeface="Malgun Gothic" panose="020B0503020000020004" pitchFamily="34" charset="-127"/>
+                </a:rPr>
+                <a:t>}</a:t>
+              </a:r>
+            </a:p>
+            <a:p>
+              <a:pPr>
+                <a:lnSpc>
+                  <a:spcPts val="1200"/>
+                </a:lnSpc>
+              </a:pPr>
+              <a:r>
+                <a:rPr lang="en-US" altLang="ja-JP" sz="1050" b="1" dirty="0">
+                  <a:solidFill>
+                    <a:schemeClr val="accent5"/>
+                  </a:solidFill>
+                  <a:latin typeface="Malgun Gothic" panose="020B0503020000020004" pitchFamily="34" charset="-127"/>
+                  <a:ea typeface="Malgun Gothic" panose="020B0503020000020004" pitchFamily="34" charset="-127"/>
+                </a:rPr>
+                <a:t>w_cycle_32</a:t>
+              </a:r>
+              <a:r>
+                <a:rPr lang="en-US" altLang="ja-JP" sz="1050" dirty="0">
+                  <a:solidFill>
+                    <a:schemeClr val="accent5"/>
+                  </a:solidFill>
+                  <a:latin typeface="Malgun Gothic" panose="020B0503020000020004" pitchFamily="34" charset="-127"/>
+                  <a:ea typeface="Malgun Gothic" panose="020B0503020000020004" pitchFamily="34" charset="-127"/>
+                </a:rPr>
+                <a:t> </a:t>
+              </a:r>
+              <a:r>
+                <a:rPr lang="en-US" altLang="ja-JP" sz="1050" dirty="0">
+                  <a:solidFill>
+                    <a:schemeClr val="tx1"/>
+                  </a:solidFill>
+                  <a:latin typeface="Malgun Gothic" panose="020B0503020000020004" pitchFamily="34" charset="-127"/>
+                  <a:ea typeface="Malgun Gothic" panose="020B0503020000020004" pitchFamily="34" charset="-127"/>
+                </a:rPr>
+                <a:t>1</a:t>
+              </a:r>
+            </a:p>
+            <a:p>
+              <a:pPr>
+                <a:lnSpc>
+                  <a:spcPts val="1200"/>
+                </a:lnSpc>
+              </a:pPr>
+              <a:r>
+                <a:rPr lang="en-US" altLang="ja-JP" sz="1050" b="1" dirty="0" err="1">
+                  <a:solidFill>
+                    <a:schemeClr val="accent5"/>
+                  </a:solidFill>
+                  <a:latin typeface="Malgun Gothic" panose="020B0503020000020004" pitchFamily="34" charset="-127"/>
+                  <a:ea typeface="Malgun Gothic" panose="020B0503020000020004" pitchFamily="34" charset="-127"/>
+                </a:rPr>
+                <a:t>wire_list</a:t>
+              </a:r>
+              <a:r>
+                <a:rPr lang="en-US" altLang="ja-JP" sz="1050" dirty="0">
+                  <a:solidFill>
+                    <a:schemeClr val="tx1"/>
+                  </a:solidFill>
+                  <a:latin typeface="Malgun Gothic" panose="020B0503020000020004" pitchFamily="34" charset="-127"/>
+                  <a:ea typeface="Malgun Gothic" panose="020B0503020000020004" pitchFamily="34" charset="-127"/>
+                </a:rPr>
+                <a:t>{</a:t>
+              </a:r>
+            </a:p>
+            <a:p>
+              <a:pPr>
+                <a:lnSpc>
+                  <a:spcPts val="1200"/>
+                </a:lnSpc>
+              </a:pPr>
+              <a:r>
+                <a:rPr lang="en-US" altLang="ja-JP" sz="1050" dirty="0">
+                  <a:solidFill>
+                    <a:schemeClr val="tx1"/>
+                  </a:solidFill>
+                  <a:latin typeface="Malgun Gothic" panose="020B0503020000020004" pitchFamily="34" charset="-127"/>
+                  <a:ea typeface="Malgun Gothic" panose="020B0503020000020004" pitchFamily="34" charset="-127"/>
+                </a:rPr>
+                <a:t>	</a:t>
+              </a:r>
+              <a:r>
+                <a:rPr lang="en-US" altLang="ja-JP" sz="1050" dirty="0" smtClean="0">
+                  <a:solidFill>
+                    <a:schemeClr val="tx1"/>
+                  </a:solidFill>
+                  <a:latin typeface="Malgun Gothic" panose="020B0503020000020004" pitchFamily="34" charset="-127"/>
+                  <a:ea typeface="Malgun Gothic" panose="020B0503020000020004" pitchFamily="34" charset="-127"/>
+                </a:rPr>
+                <a:t>1,busy_flag</a:t>
+              </a:r>
+              <a:endParaRPr lang="en-US" altLang="ja-JP" sz="1050" dirty="0">
+                <a:solidFill>
+                  <a:schemeClr val="tx1"/>
+                </a:solidFill>
+                <a:latin typeface="Malgun Gothic" panose="020B0503020000020004" pitchFamily="34" charset="-127"/>
+                <a:ea typeface="Malgun Gothic" panose="020B0503020000020004" pitchFamily="34" charset="-127"/>
+              </a:endParaRPr>
+            </a:p>
+            <a:p>
+              <a:pPr>
+                <a:lnSpc>
+                  <a:spcPts val="1200"/>
+                </a:lnSpc>
+              </a:pPr>
+              <a:r>
+                <a:rPr lang="en-US" altLang="ja-JP" sz="1050" dirty="0">
+                  <a:solidFill>
+                    <a:schemeClr val="tx1"/>
+                  </a:solidFill>
+                  <a:latin typeface="Malgun Gothic" panose="020B0503020000020004" pitchFamily="34" charset="-127"/>
+                  <a:ea typeface="Malgun Gothic" panose="020B0503020000020004" pitchFamily="34" charset="-127"/>
+                </a:rPr>
+                <a:t>	</a:t>
+              </a:r>
+              <a:r>
+                <a:rPr lang="en-US" altLang="ja-JP" sz="1050" dirty="0" smtClean="0">
+                  <a:solidFill>
+                    <a:schemeClr val="tx1"/>
+                  </a:solidFill>
+                  <a:latin typeface="Malgun Gothic" panose="020B0503020000020004" pitchFamily="34" charset="-127"/>
+                  <a:ea typeface="Malgun Gothic" panose="020B0503020000020004" pitchFamily="34" charset="-127"/>
+                </a:rPr>
+                <a:t>1,finish_flag</a:t>
+              </a:r>
+              <a:endParaRPr lang="en-US" altLang="ja-JP" sz="1050" dirty="0">
+                <a:solidFill>
+                  <a:schemeClr val="tx1"/>
+                </a:solidFill>
+                <a:latin typeface="Malgun Gothic" panose="020B0503020000020004" pitchFamily="34" charset="-127"/>
+                <a:ea typeface="Malgun Gothic" panose="020B0503020000020004" pitchFamily="34" charset="-127"/>
+              </a:endParaRPr>
+            </a:p>
+            <a:p>
+              <a:pPr>
+                <a:lnSpc>
+                  <a:spcPts val="1200"/>
+                </a:lnSpc>
+              </a:pPr>
+              <a:r>
+                <a:rPr lang="en-US" altLang="ja-JP" sz="1050" dirty="0">
+                  <a:solidFill>
+                    <a:schemeClr val="tx1"/>
+                  </a:solidFill>
+                  <a:latin typeface="Malgun Gothic" panose="020B0503020000020004" pitchFamily="34" charset="-127"/>
+                  <a:ea typeface="Malgun Gothic" panose="020B0503020000020004" pitchFamily="34" charset="-127"/>
+                </a:rPr>
+                <a:t>}</a:t>
+              </a:r>
+            </a:p>
+            <a:p>
+              <a:pPr>
+                <a:lnSpc>
+                  <a:spcPts val="1200"/>
+                </a:lnSpc>
+              </a:pPr>
+              <a:r>
+                <a:rPr lang="en-US" altLang="ja-JP" sz="1050" b="1" dirty="0" err="1">
+                  <a:solidFill>
+                    <a:schemeClr val="accent5"/>
+                  </a:solidFill>
+                  <a:latin typeface="Malgun Gothic" panose="020B0503020000020004" pitchFamily="34" charset="-127"/>
+                  <a:ea typeface="Malgun Gothic" panose="020B0503020000020004" pitchFamily="34" charset="-127"/>
+                </a:rPr>
+                <a:t>sub_module_name</a:t>
+              </a:r>
+              <a:r>
+                <a:rPr lang="en-US" altLang="ja-JP" sz="1050" dirty="0">
+                  <a:solidFill>
+                    <a:schemeClr val="accent5"/>
+                  </a:solidFill>
+                  <a:latin typeface="Malgun Gothic" panose="020B0503020000020004" pitchFamily="34" charset="-127"/>
+                  <a:ea typeface="Malgun Gothic" panose="020B0503020000020004" pitchFamily="34" charset="-127"/>
+                </a:rPr>
+                <a:t> </a:t>
+              </a:r>
+              <a:r>
+                <a:rPr lang="en-US" altLang="ja-JP" sz="1050" dirty="0" err="1">
+                  <a:solidFill>
+                    <a:schemeClr val="tx1"/>
+                  </a:solidFill>
+                  <a:latin typeface="Malgun Gothic" panose="020B0503020000020004" pitchFamily="34" charset="-127"/>
+                  <a:ea typeface="Malgun Gothic" panose="020B0503020000020004" pitchFamily="34" charset="-127"/>
+                </a:rPr>
+                <a:t>sonic_sensor</a:t>
+              </a:r>
+              <a:r>
+                <a:rPr lang="en-US" altLang="ja-JP" sz="1050" dirty="0">
+                  <a:solidFill>
+                    <a:schemeClr val="tx1"/>
+                  </a:solidFill>
+                  <a:latin typeface="Malgun Gothic" panose="020B0503020000020004" pitchFamily="34" charset="-127"/>
+                  <a:ea typeface="Malgun Gothic" panose="020B0503020000020004" pitchFamily="34" charset="-127"/>
+                </a:rPr>
+                <a:t> </a:t>
+              </a:r>
+              <a:r>
+                <a:rPr lang="en-US" altLang="ja-JP" sz="1050" dirty="0" err="1">
+                  <a:solidFill>
+                    <a:schemeClr val="tx1"/>
+                  </a:solidFill>
+                  <a:latin typeface="Malgun Gothic" panose="020B0503020000020004" pitchFamily="34" charset="-127"/>
+                  <a:ea typeface="Malgun Gothic" panose="020B0503020000020004" pitchFamily="34" charset="-127"/>
+                </a:rPr>
+                <a:t>uut</a:t>
+              </a:r>
+              <a:endParaRPr lang="en-US" altLang="ja-JP" sz="1050" dirty="0">
+                <a:solidFill>
+                  <a:schemeClr val="tx1"/>
+                </a:solidFill>
+                <a:latin typeface="Malgun Gothic" panose="020B0503020000020004" pitchFamily="34" charset="-127"/>
+                <a:ea typeface="Malgun Gothic" panose="020B0503020000020004" pitchFamily="34" charset="-127"/>
+              </a:endParaRPr>
+            </a:p>
+            <a:p>
+              <a:pPr>
+                <a:lnSpc>
+                  <a:spcPts val="1200"/>
+                </a:lnSpc>
+              </a:pPr>
+              <a:r>
+                <a:rPr lang="en-US" altLang="ja-JP" sz="1050" dirty="0" err="1">
+                  <a:solidFill>
+                    <a:schemeClr val="tx1"/>
+                  </a:solidFill>
+                  <a:latin typeface="Malgun Gothic" panose="020B0503020000020004" pitchFamily="34" charset="-127"/>
+                  <a:ea typeface="Malgun Gothic" panose="020B0503020000020004" pitchFamily="34" charset="-127"/>
+                </a:rPr>
+                <a:t>assign_port</a:t>
+              </a:r>
+              <a:r>
+                <a:rPr lang="en-US" altLang="ja-JP" sz="1050" dirty="0">
+                  <a:solidFill>
+                    <a:schemeClr val="tx1"/>
+                  </a:solidFill>
+                  <a:latin typeface="Malgun Gothic" panose="020B0503020000020004" pitchFamily="34" charset="-127"/>
+                  <a:ea typeface="Malgun Gothic" panose="020B0503020000020004" pitchFamily="34" charset="-127"/>
+                </a:rPr>
+                <a:t> </a:t>
+              </a:r>
+              <a:r>
+                <a:rPr lang="en-US" altLang="ja-JP" sz="1050" dirty="0" err="1">
+                  <a:solidFill>
+                    <a:schemeClr val="tx1"/>
+                  </a:solidFill>
+                  <a:latin typeface="Malgun Gothic" panose="020B0503020000020004" pitchFamily="34" charset="-127"/>
+                  <a:ea typeface="Malgun Gothic" panose="020B0503020000020004" pitchFamily="34" charset="-127"/>
+                </a:rPr>
+                <a:t>sonic_sensor</a:t>
+              </a:r>
+              <a:r>
+                <a:rPr lang="en-US" altLang="ja-JP" sz="1050" dirty="0">
+                  <a:solidFill>
+                    <a:schemeClr val="tx1"/>
+                  </a:solidFill>
+                  <a:latin typeface="Malgun Gothic" panose="020B0503020000020004" pitchFamily="34" charset="-127"/>
+                  <a:ea typeface="Malgun Gothic" panose="020B0503020000020004" pitchFamily="34" charset="-127"/>
+                </a:rPr>
+                <a:t> normal{</a:t>
+              </a:r>
+            </a:p>
+            <a:p>
+              <a:pPr marL="266700" indent="-266700">
+                <a:lnSpc>
+                  <a:spcPts val="1200"/>
+                </a:lnSpc>
+              </a:pPr>
+              <a:r>
+                <a:rPr lang="en-US" altLang="ja-JP" sz="1050" dirty="0">
+                  <a:solidFill>
+                    <a:schemeClr val="tx1"/>
+                  </a:solidFill>
+                  <a:latin typeface="Malgun Gothic" panose="020B0503020000020004" pitchFamily="34" charset="-127"/>
+                  <a:ea typeface="Malgun Gothic" panose="020B0503020000020004" pitchFamily="34" charset="-127"/>
+                </a:rPr>
+                <a:t>	</a:t>
+              </a:r>
+              <a:r>
+                <a:rPr lang="en-US" altLang="ja-JP" sz="1050" dirty="0" err="1" smtClean="0">
+                  <a:solidFill>
+                    <a:schemeClr val="tx1"/>
+                  </a:solidFill>
+                  <a:latin typeface="Malgun Gothic" panose="020B0503020000020004" pitchFamily="34" charset="-127"/>
+                  <a:ea typeface="Malgun Gothic" panose="020B0503020000020004" pitchFamily="34" charset="-127"/>
+                </a:rPr>
+                <a:t>req</a:t>
+              </a:r>
+              <a:r>
+                <a:rPr lang="en-US" altLang="ja-JP" sz="1050" dirty="0" smtClean="0">
+                  <a:solidFill>
+                    <a:schemeClr val="tx1"/>
+                  </a:solidFill>
+                  <a:latin typeface="Malgun Gothic" panose="020B0503020000020004" pitchFamily="34" charset="-127"/>
+                  <a:ea typeface="Malgun Gothic" panose="020B0503020000020004" pitchFamily="34" charset="-127"/>
+                </a:rPr>
+                <a:t>=</a:t>
+              </a:r>
+              <a:r>
+                <a:rPr lang="en-US" altLang="ja-JP" sz="1050" dirty="0" err="1" smtClean="0">
+                  <a:solidFill>
+                    <a:schemeClr val="tx1"/>
+                  </a:solidFill>
+                  <a:latin typeface="Malgun Gothic" panose="020B0503020000020004" pitchFamily="34" charset="-127"/>
+                  <a:ea typeface="Malgun Gothic" panose="020B0503020000020004" pitchFamily="34" charset="-127"/>
+                </a:rPr>
+                <a:t>req_in</a:t>
+              </a:r>
+              <a:endParaRPr lang="en-US" altLang="ja-JP" sz="1050" dirty="0">
+                <a:solidFill>
+                  <a:schemeClr val="tx1"/>
+                </a:solidFill>
+                <a:latin typeface="Malgun Gothic" panose="020B0503020000020004" pitchFamily="34" charset="-127"/>
+                <a:ea typeface="Malgun Gothic" panose="020B0503020000020004" pitchFamily="34" charset="-127"/>
+              </a:endParaRPr>
+            </a:p>
+            <a:p>
+              <a:pPr marL="266700" indent="-266700">
+                <a:lnSpc>
+                  <a:spcPts val="1200"/>
+                </a:lnSpc>
+              </a:pPr>
+              <a:r>
+                <a:rPr lang="en-US" altLang="ja-JP" sz="1050" dirty="0">
+                  <a:solidFill>
+                    <a:schemeClr val="tx1"/>
+                  </a:solidFill>
+                  <a:latin typeface="Malgun Gothic" panose="020B0503020000020004" pitchFamily="34" charset="-127"/>
+                  <a:ea typeface="Malgun Gothic" panose="020B0503020000020004" pitchFamily="34" charset="-127"/>
+                </a:rPr>
+                <a:t>	</a:t>
+              </a:r>
+              <a:r>
+                <a:rPr lang="en-US" altLang="ja-JP" sz="1050" dirty="0" smtClean="0">
+                  <a:solidFill>
+                    <a:schemeClr val="tx1"/>
+                  </a:solidFill>
+                  <a:latin typeface="Malgun Gothic" panose="020B0503020000020004" pitchFamily="34" charset="-127"/>
+                  <a:ea typeface="Malgun Gothic" panose="020B0503020000020004" pitchFamily="34" charset="-127"/>
+                </a:rPr>
+                <a:t>busy=</a:t>
+              </a:r>
+              <a:r>
+                <a:rPr lang="en-US" altLang="ja-JP" sz="1050" dirty="0" err="1" smtClean="0">
+                  <a:solidFill>
+                    <a:schemeClr val="tx1"/>
+                  </a:solidFill>
+                  <a:latin typeface="Malgun Gothic" panose="020B0503020000020004" pitchFamily="34" charset="-127"/>
+                  <a:ea typeface="Malgun Gothic" panose="020B0503020000020004" pitchFamily="34" charset="-127"/>
+                </a:rPr>
+                <a:t>busy_flag</a:t>
+              </a:r>
+              <a:endParaRPr lang="en-US" altLang="ja-JP" sz="1050" dirty="0">
+                <a:solidFill>
+                  <a:schemeClr val="tx1"/>
+                </a:solidFill>
+                <a:latin typeface="Malgun Gothic" panose="020B0503020000020004" pitchFamily="34" charset="-127"/>
+                <a:ea typeface="Malgun Gothic" panose="020B0503020000020004" pitchFamily="34" charset="-127"/>
+              </a:endParaRPr>
+            </a:p>
+            <a:p>
+              <a:pPr marL="266700" indent="-266700">
+                <a:lnSpc>
+                  <a:spcPts val="1200"/>
+                </a:lnSpc>
+              </a:pPr>
+              <a:r>
+                <a:rPr lang="en-US" altLang="ja-JP" sz="1050" dirty="0" smtClean="0">
+                  <a:solidFill>
+                    <a:schemeClr val="tx1"/>
+                  </a:solidFill>
+                  <a:latin typeface="Malgun Gothic" panose="020B0503020000020004" pitchFamily="34" charset="-127"/>
+                  <a:ea typeface="Malgun Gothic" panose="020B0503020000020004" pitchFamily="34" charset="-127"/>
+                </a:rPr>
+                <a:t>	sig=</a:t>
+              </a:r>
+              <a:r>
+                <a:rPr lang="en-US" altLang="ja-JP" sz="1050" dirty="0" err="1" smtClean="0">
+                  <a:solidFill>
+                    <a:schemeClr val="tx1"/>
+                  </a:solidFill>
+                  <a:latin typeface="Malgun Gothic" panose="020B0503020000020004" pitchFamily="34" charset="-127"/>
+                  <a:ea typeface="Malgun Gothic" panose="020B0503020000020004" pitchFamily="34" charset="-127"/>
+                </a:rPr>
+                <a:t>sig_out</a:t>
+              </a:r>
+              <a:endParaRPr lang="en-US" altLang="ja-JP" sz="1050" dirty="0">
+                <a:solidFill>
+                  <a:schemeClr val="tx1"/>
+                </a:solidFill>
+                <a:latin typeface="Malgun Gothic" panose="020B0503020000020004" pitchFamily="34" charset="-127"/>
+                <a:ea typeface="Malgun Gothic" panose="020B0503020000020004" pitchFamily="34" charset="-127"/>
+              </a:endParaRPr>
+            </a:p>
+            <a:p>
+              <a:pPr marL="266700" indent="-266700">
+                <a:lnSpc>
+                  <a:spcPts val="1200"/>
+                </a:lnSpc>
+              </a:pPr>
+              <a:r>
+                <a:rPr lang="en-US" altLang="ja-JP" sz="1050" dirty="0" smtClean="0">
+                  <a:solidFill>
+                    <a:schemeClr val="tx1"/>
+                  </a:solidFill>
+                  <a:latin typeface="Malgun Gothic" panose="020B0503020000020004" pitchFamily="34" charset="-127"/>
+                  <a:ea typeface="Malgun Gothic" panose="020B0503020000020004" pitchFamily="34" charset="-127"/>
+                </a:rPr>
+                <a:t>	finish=</a:t>
+              </a:r>
+              <a:r>
+                <a:rPr lang="en-US" altLang="ja-JP" sz="1050" dirty="0" err="1" smtClean="0">
+                  <a:solidFill>
+                    <a:schemeClr val="tx1"/>
+                  </a:solidFill>
+                  <a:latin typeface="Malgun Gothic" panose="020B0503020000020004" pitchFamily="34" charset="-127"/>
+                  <a:ea typeface="Malgun Gothic" panose="020B0503020000020004" pitchFamily="34" charset="-127"/>
+                </a:rPr>
+                <a:t>finish_flag</a:t>
+              </a:r>
+              <a:endParaRPr lang="en-US" altLang="ja-JP" sz="1050" dirty="0">
+                <a:solidFill>
+                  <a:schemeClr val="tx1"/>
+                </a:solidFill>
+                <a:latin typeface="Malgun Gothic" panose="020B0503020000020004" pitchFamily="34" charset="-127"/>
+                <a:ea typeface="Malgun Gothic" panose="020B0503020000020004" pitchFamily="34" charset="-127"/>
+              </a:endParaRPr>
+            </a:p>
+            <a:p>
+              <a:pPr marL="266700" indent="-266700">
+                <a:lnSpc>
+                  <a:spcPts val="1200"/>
+                </a:lnSpc>
+              </a:pPr>
+              <a:r>
+                <a:rPr lang="en-US" altLang="ja-JP" sz="1050" dirty="0" smtClean="0">
+                  <a:solidFill>
+                    <a:schemeClr val="tx1"/>
+                  </a:solidFill>
+                  <a:latin typeface="Malgun Gothic" panose="020B0503020000020004" pitchFamily="34" charset="-127"/>
+                  <a:ea typeface="Malgun Gothic" panose="020B0503020000020004" pitchFamily="34" charset="-127"/>
+                </a:rPr>
+                <a:t>	</a:t>
+              </a:r>
+              <a:r>
+                <a:rPr lang="en-US" altLang="ja-JP" sz="1050" dirty="0" err="1" smtClean="0">
+                  <a:solidFill>
+                    <a:schemeClr val="tx1"/>
+                  </a:solidFill>
+                  <a:latin typeface="Malgun Gothic" panose="020B0503020000020004" pitchFamily="34" charset="-127"/>
+                  <a:ea typeface="Malgun Gothic" panose="020B0503020000020004" pitchFamily="34" charset="-127"/>
+                </a:rPr>
+                <a:t>out_data</a:t>
+              </a:r>
+              <a:r>
+                <a:rPr lang="en-US" altLang="ja-JP" sz="1050" dirty="0" smtClean="0">
+                  <a:solidFill>
+                    <a:schemeClr val="tx1"/>
+                  </a:solidFill>
+                  <a:latin typeface="Malgun Gothic" panose="020B0503020000020004" pitchFamily="34" charset="-127"/>
+                  <a:ea typeface="Malgun Gothic" panose="020B0503020000020004" pitchFamily="34" charset="-127"/>
+                </a:rPr>
+                <a:t>=</a:t>
+              </a:r>
+              <a:r>
+                <a:rPr lang="en-US" altLang="ja-JP" sz="1050" dirty="0" err="1" smtClean="0">
+                  <a:solidFill>
+                    <a:schemeClr val="tx1"/>
+                  </a:solidFill>
+                  <a:latin typeface="Malgun Gothic" panose="020B0503020000020004" pitchFamily="34" charset="-127"/>
+                  <a:ea typeface="Malgun Gothic" panose="020B0503020000020004" pitchFamily="34" charset="-127"/>
+                </a:rPr>
+                <a:t>sensor_data</a:t>
+              </a:r>
+              <a:endParaRPr lang="en-US" altLang="ja-JP" sz="1050" dirty="0" smtClean="0">
+                <a:solidFill>
+                  <a:schemeClr val="tx1"/>
+                </a:solidFill>
+                <a:latin typeface="Malgun Gothic" panose="020B0503020000020004" pitchFamily="34" charset="-127"/>
+                <a:ea typeface="Malgun Gothic" panose="020B0503020000020004" pitchFamily="34" charset="-127"/>
+              </a:endParaRPr>
+            </a:p>
+            <a:p>
+              <a:pPr>
+                <a:lnSpc>
+                  <a:spcPts val="1200"/>
+                </a:lnSpc>
+              </a:pPr>
+              <a:r>
+                <a:rPr lang="en-US" altLang="ja-JP" sz="1050" dirty="0" smtClean="0">
+                  <a:solidFill>
+                    <a:schemeClr val="tx1"/>
+                  </a:solidFill>
+                  <a:latin typeface="Malgun Gothic" panose="020B0503020000020004" pitchFamily="34" charset="-127"/>
+                  <a:ea typeface="Malgun Gothic" panose="020B0503020000020004" pitchFamily="34" charset="-127"/>
+                </a:rPr>
+                <a:t>}</a:t>
+              </a:r>
+              <a:endParaRPr lang="en-US" altLang="ja-JP" sz="1050" dirty="0">
+                <a:solidFill>
+                  <a:schemeClr val="tx1"/>
+                </a:solidFill>
+                <a:latin typeface="Malgun Gothic" panose="020B0503020000020004" pitchFamily="34" charset="-127"/>
+                <a:ea typeface="Malgun Gothic" panose="020B0503020000020004" pitchFamily="34" charset="-127"/>
+              </a:endParaRPr>
+            </a:p>
+            <a:p>
+              <a:pPr>
+                <a:lnSpc>
+                  <a:spcPts val="1200"/>
+                </a:lnSpc>
+              </a:pPr>
+              <a:r>
+                <a:rPr lang="en-US" altLang="ja-JP" sz="1050" dirty="0">
+                  <a:solidFill>
+                    <a:schemeClr val="tx1"/>
+                  </a:solidFill>
+                  <a:latin typeface="Malgun Gothic" panose="020B0503020000020004" pitchFamily="34" charset="-127"/>
+                  <a:ea typeface="Malgun Gothic" panose="020B0503020000020004" pitchFamily="34" charset="-127"/>
+                </a:rPr>
+                <a:t>end</a:t>
+              </a:r>
+            </a:p>
+          </p:txBody>
+        </p:sp>
+        <p:sp>
+          <p:nvSpPr>
+            <p:cNvPr id="4" name="正方形/長方形 3"/>
+            <p:cNvSpPr/>
+            <p:nvPr/>
+          </p:nvSpPr>
+          <p:spPr>
+            <a:xfrm>
+              <a:off x="3359506" y="1656153"/>
+              <a:ext cx="1872209" cy="4096946"/>
+            </a:xfrm>
+            <a:prstGeom prst="rect">
+              <a:avLst/>
+            </a:prstGeom>
+            <a:solidFill>
+              <a:schemeClr val="bg1"/>
+            </a:solidFill>
+            <a:ln w="6350">
+              <a:solidFill>
+                <a:schemeClr val="tx1"/>
+              </a:solidFill>
+              <a:prstDash val="dash"/>
+            </a:ln>
+          </p:spPr>
+          <p:style>
+            <a:lnRef idx="2">
+              <a:schemeClr val="accent1">
+                <a:shade val="50000"/>
+              </a:schemeClr>
+            </a:lnRef>
+            <a:fillRef idx="1">
+              <a:schemeClr val="accent1"/>
+            </a:fillRef>
+            <a:effectRef idx="0">
+              <a:schemeClr val="accent1"/>
+            </a:effectRef>
+            <a:fontRef idx="minor">
+              <a:schemeClr val="lt1"/>
+            </a:fontRef>
+          </p:style>
+          <p:txBody>
+            <a:bodyPr rtlCol="0" anchor="ctr"/>
+            <a:lstStyle/>
+            <a:p>
+              <a:pPr algn="ctr"/>
+              <a:endParaRPr kumimoji="1" lang="ja-JP" altLang="en-US" sz="900"/>
+            </a:p>
+          </p:txBody>
+        </p:sp>
+        <p:sp>
+          <p:nvSpPr>
+            <p:cNvPr id="5" name="正方形/長方形 4"/>
+            <p:cNvSpPr/>
+            <p:nvPr/>
+          </p:nvSpPr>
+          <p:spPr>
+            <a:xfrm>
+              <a:off x="5291577" y="1656153"/>
+              <a:ext cx="6647873" cy="4096946"/>
+            </a:xfrm>
+            <a:prstGeom prst="rect">
+              <a:avLst/>
+            </a:prstGeom>
+            <a:solidFill>
+              <a:schemeClr val="bg1"/>
+            </a:solidFill>
+            <a:ln w="6350">
+              <a:solidFill>
+                <a:schemeClr val="tx1"/>
+              </a:solidFill>
+              <a:prstDash val="dash"/>
+            </a:ln>
+          </p:spPr>
+          <p:style>
+            <a:lnRef idx="2">
+              <a:schemeClr val="accent1">
+                <a:shade val="50000"/>
+              </a:schemeClr>
+            </a:lnRef>
+            <a:fillRef idx="1">
+              <a:schemeClr val="accent1"/>
+            </a:fillRef>
+            <a:effectRef idx="0">
+              <a:schemeClr val="accent1"/>
+            </a:effectRef>
+            <a:fontRef idx="minor">
+              <a:schemeClr val="lt1"/>
+            </a:fontRef>
+          </p:style>
+          <p:txBody>
+            <a:bodyPr rtlCol="0" anchor="ctr"/>
+            <a:lstStyle/>
+            <a:p>
+              <a:pPr algn="ctr"/>
+              <a:endParaRPr kumimoji="1" lang="ja-JP" altLang="en-US" sz="1050" dirty="0"/>
+            </a:p>
+          </p:txBody>
+        </p:sp>
+        <p:sp>
+          <p:nvSpPr>
+            <p:cNvPr id="6" name="正方形/長方形 5"/>
+            <p:cNvSpPr/>
+            <p:nvPr/>
+          </p:nvSpPr>
+          <p:spPr>
+            <a:xfrm>
+              <a:off x="3538914" y="2691569"/>
+              <a:ext cx="1360053" cy="1194344"/>
+            </a:xfrm>
+            <a:prstGeom prst="rect">
+              <a:avLst/>
+            </a:prstGeom>
+            <a:solidFill>
+              <a:schemeClr val="bg1"/>
+            </a:solidFill>
+            <a:ln w="6350">
+              <a:solidFill>
+                <a:schemeClr val="tx1"/>
+              </a:solidFill>
+            </a:ln>
+          </p:spPr>
+          <p:style>
+            <a:lnRef idx="2">
+              <a:schemeClr val="accent6">
+                <a:shade val="50000"/>
+              </a:schemeClr>
+            </a:lnRef>
+            <a:fillRef idx="1">
+              <a:schemeClr val="accent6"/>
+            </a:fillRef>
+            <a:effectRef idx="0">
+              <a:schemeClr val="accent6"/>
+            </a:effectRef>
+            <a:fontRef idx="minor">
+              <a:schemeClr val="lt1"/>
+            </a:fontRef>
+          </p:style>
+          <p:txBody>
+            <a:bodyPr rtlCol="0" anchor="ctr"/>
+            <a:lstStyle/>
+            <a:p>
+              <a:pPr algn="ctr"/>
+              <a:r>
+                <a:rPr kumimoji="1" lang="en-US" altLang="ja-JP" sz="1100" b="1" dirty="0" smtClean="0">
+                  <a:solidFill>
+                    <a:sysClr val="windowText" lastClr="000000"/>
+                  </a:solidFill>
+                </a:rPr>
+                <a:t>Interface</a:t>
+              </a:r>
+            </a:p>
+            <a:p>
+              <a:pPr algn="ctr"/>
+              <a:r>
+                <a:rPr lang="en-US" altLang="ja-JP" sz="1100" b="1" dirty="0" smtClean="0">
+                  <a:solidFill>
+                    <a:sysClr val="windowText" lastClr="000000"/>
+                  </a:solidFill>
+                </a:rPr>
+                <a:t>Software</a:t>
+              </a:r>
+            </a:p>
+            <a:p>
+              <a:pPr algn="ctr"/>
+              <a:r>
+                <a:rPr kumimoji="1" lang="en-US" altLang="ja-JP" sz="1100" dirty="0" smtClean="0">
+                  <a:solidFill>
+                    <a:sysClr val="windowText" lastClr="000000"/>
+                  </a:solidFill>
+                </a:rPr>
+                <a:t>(C++)</a:t>
+              </a:r>
+              <a:endParaRPr kumimoji="1" lang="ja-JP" altLang="en-US" sz="1100" dirty="0">
+                <a:solidFill>
+                  <a:sysClr val="windowText" lastClr="000000"/>
+                </a:solidFill>
+              </a:endParaRPr>
+            </a:p>
+          </p:txBody>
+        </p:sp>
+        <p:grpSp>
+          <p:nvGrpSpPr>
+            <p:cNvPr id="7" name="グループ化 6"/>
+            <p:cNvGrpSpPr/>
+            <p:nvPr/>
+          </p:nvGrpSpPr>
+          <p:grpSpPr>
+            <a:xfrm>
+              <a:off x="5387978" y="2953449"/>
+              <a:ext cx="1065809" cy="693149"/>
+              <a:chOff x="3970638" y="1820562"/>
+              <a:chExt cx="1342766" cy="848497"/>
+            </a:xfrm>
+            <a:solidFill>
+              <a:schemeClr val="bg1"/>
+            </a:solidFill>
+          </p:grpSpPr>
+          <p:sp>
+            <p:nvSpPr>
+              <p:cNvPr id="71" name="正方形/長方形 70"/>
+              <p:cNvSpPr/>
+              <p:nvPr/>
+            </p:nvSpPr>
+            <p:spPr>
+              <a:xfrm>
+                <a:off x="3970638" y="1820562"/>
+                <a:ext cx="337751" cy="848497"/>
+              </a:xfrm>
+              <a:prstGeom prst="rect">
+                <a:avLst/>
+              </a:prstGeom>
+              <a:solidFill>
+                <a:schemeClr val="bg1">
+                  <a:lumMod val="85000"/>
+                </a:schemeClr>
+              </a:solidFill>
+              <a:ln w="6350">
+                <a:solidFill>
+                  <a:schemeClr val="tx1"/>
+                </a:solidFill>
+              </a:ln>
+            </p:spPr>
+            <p:style>
+              <a:lnRef idx="2">
+                <a:schemeClr val="accent1">
+                  <a:shade val="50000"/>
+                </a:schemeClr>
+              </a:lnRef>
+              <a:fillRef idx="1">
+                <a:schemeClr val="accent1"/>
+              </a:fillRef>
+              <a:effectRef idx="0">
+                <a:schemeClr val="accent1"/>
+              </a:effectRef>
+              <a:fontRef idx="minor">
+                <a:schemeClr val="lt1"/>
+              </a:fontRef>
+            </p:style>
+            <p:txBody>
+              <a:bodyPr rtlCol="0" anchor="ctr"/>
+              <a:lstStyle/>
+              <a:p>
+                <a:pPr algn="ctr"/>
+                <a:endParaRPr kumimoji="1" lang="ja-JP" altLang="en-US" sz="900">
+                  <a:solidFill>
+                    <a:sysClr val="windowText" lastClr="000000"/>
+                  </a:solidFill>
+                </a:endParaRPr>
+              </a:p>
+            </p:txBody>
+          </p:sp>
+          <p:sp>
+            <p:nvSpPr>
+              <p:cNvPr id="72" name="正方形/長方形 71"/>
+              <p:cNvSpPr/>
+              <p:nvPr/>
+            </p:nvSpPr>
+            <p:spPr>
+              <a:xfrm>
+                <a:off x="4308389" y="1820562"/>
+                <a:ext cx="337751" cy="848497"/>
+              </a:xfrm>
+              <a:prstGeom prst="rect">
+                <a:avLst/>
+              </a:prstGeom>
+              <a:solidFill>
+                <a:schemeClr val="bg1">
+                  <a:lumMod val="85000"/>
+                </a:schemeClr>
+              </a:solidFill>
+              <a:ln w="6350">
+                <a:solidFill>
+                  <a:schemeClr val="tx1"/>
+                </a:solidFill>
+              </a:ln>
+            </p:spPr>
+            <p:style>
+              <a:lnRef idx="2">
+                <a:schemeClr val="accent1">
+                  <a:shade val="50000"/>
+                </a:schemeClr>
+              </a:lnRef>
+              <a:fillRef idx="1">
+                <a:schemeClr val="accent1"/>
+              </a:fillRef>
+              <a:effectRef idx="0">
+                <a:schemeClr val="accent1"/>
+              </a:effectRef>
+              <a:fontRef idx="minor">
+                <a:schemeClr val="lt1"/>
+              </a:fontRef>
+            </p:style>
+            <p:txBody>
+              <a:bodyPr rtlCol="0" anchor="ctr"/>
+              <a:lstStyle/>
+              <a:p>
+                <a:pPr algn="ctr"/>
+                <a:endParaRPr kumimoji="1" lang="ja-JP" altLang="en-US" sz="900">
+                  <a:solidFill>
+                    <a:sysClr val="windowText" lastClr="000000"/>
+                  </a:solidFill>
+                </a:endParaRPr>
+              </a:p>
+            </p:txBody>
+          </p:sp>
+          <p:sp>
+            <p:nvSpPr>
+              <p:cNvPr id="73" name="正方形/長方形 72"/>
+              <p:cNvSpPr/>
+              <p:nvPr/>
+            </p:nvSpPr>
+            <p:spPr>
+              <a:xfrm>
+                <a:off x="4646140" y="1820562"/>
+                <a:ext cx="337751" cy="848497"/>
+              </a:xfrm>
+              <a:prstGeom prst="rect">
+                <a:avLst/>
+              </a:prstGeom>
+              <a:solidFill>
+                <a:schemeClr val="bg1">
+                  <a:lumMod val="85000"/>
+                </a:schemeClr>
+              </a:solidFill>
+              <a:ln w="6350">
+                <a:solidFill>
+                  <a:schemeClr val="tx1"/>
+                </a:solidFill>
+              </a:ln>
+            </p:spPr>
+            <p:style>
+              <a:lnRef idx="2">
+                <a:schemeClr val="accent1">
+                  <a:shade val="50000"/>
+                </a:schemeClr>
+              </a:lnRef>
+              <a:fillRef idx="1">
+                <a:schemeClr val="accent1"/>
+              </a:fillRef>
+              <a:effectRef idx="0">
+                <a:schemeClr val="accent1"/>
+              </a:effectRef>
+              <a:fontRef idx="minor">
+                <a:schemeClr val="lt1"/>
+              </a:fontRef>
+            </p:style>
+            <p:txBody>
+              <a:bodyPr rtlCol="0" anchor="ctr"/>
+              <a:lstStyle/>
+              <a:p>
+                <a:pPr algn="ctr"/>
+                <a:endParaRPr kumimoji="1" lang="ja-JP" altLang="en-US" sz="900">
+                  <a:solidFill>
+                    <a:sysClr val="windowText" lastClr="000000"/>
+                  </a:solidFill>
+                </a:endParaRPr>
+              </a:p>
+            </p:txBody>
+          </p:sp>
+          <p:sp>
+            <p:nvSpPr>
+              <p:cNvPr id="74" name="正方形/長方形 73"/>
+              <p:cNvSpPr/>
+              <p:nvPr/>
+            </p:nvSpPr>
+            <p:spPr>
+              <a:xfrm>
+                <a:off x="4975653" y="1820562"/>
+                <a:ext cx="337751" cy="848497"/>
+              </a:xfrm>
+              <a:prstGeom prst="rect">
+                <a:avLst/>
+              </a:prstGeom>
+              <a:solidFill>
+                <a:schemeClr val="bg1">
+                  <a:lumMod val="85000"/>
+                </a:schemeClr>
+              </a:solidFill>
+              <a:ln w="6350">
+                <a:solidFill>
+                  <a:schemeClr val="tx1"/>
+                </a:solidFill>
+              </a:ln>
+            </p:spPr>
+            <p:style>
+              <a:lnRef idx="2">
+                <a:schemeClr val="accent1">
+                  <a:shade val="50000"/>
+                </a:schemeClr>
+              </a:lnRef>
+              <a:fillRef idx="1">
+                <a:schemeClr val="accent1"/>
+              </a:fillRef>
+              <a:effectRef idx="0">
+                <a:schemeClr val="accent1"/>
+              </a:effectRef>
+              <a:fontRef idx="minor">
+                <a:schemeClr val="lt1"/>
+              </a:fontRef>
+            </p:style>
+            <p:txBody>
+              <a:bodyPr rtlCol="0" anchor="ctr"/>
+              <a:lstStyle/>
+              <a:p>
+                <a:pPr algn="ctr"/>
+                <a:endParaRPr kumimoji="1" lang="ja-JP" altLang="en-US" sz="900">
+                  <a:solidFill>
+                    <a:sysClr val="windowText" lastClr="000000"/>
+                  </a:solidFill>
+                </a:endParaRPr>
+              </a:p>
+            </p:txBody>
+          </p:sp>
+        </p:grpSp>
+        <p:sp>
+          <p:nvSpPr>
+            <p:cNvPr id="8" name="正方形/長方形 7"/>
+            <p:cNvSpPr/>
+            <p:nvPr/>
+          </p:nvSpPr>
+          <p:spPr>
+            <a:xfrm>
+              <a:off x="5303317" y="3150441"/>
+              <a:ext cx="1253858" cy="330867"/>
+            </a:xfrm>
+            <a:prstGeom prst="rect">
+              <a:avLst/>
+            </a:prstGeom>
+          </p:spPr>
+          <p:txBody>
+            <a:bodyPr wrap="none">
+              <a:spAutoFit/>
+            </a:bodyPr>
+            <a:lstStyle/>
+            <a:p>
+              <a:r>
+                <a:rPr lang="en-US" altLang="ja-JP" sz="1050" b="1" dirty="0" smtClean="0">
+                  <a:solidFill>
+                    <a:sysClr val="windowText" lastClr="000000"/>
+                  </a:solidFill>
+                </a:rPr>
+                <a:t>FIFO 32-bits</a:t>
+              </a:r>
+              <a:endParaRPr lang="ja-JP" altLang="en-US" sz="1050" b="1" dirty="0">
+                <a:solidFill>
+                  <a:sysClr val="windowText" lastClr="000000"/>
+                </a:solidFill>
+              </a:endParaRPr>
+            </a:p>
+          </p:txBody>
+        </p:sp>
+        <p:sp>
+          <p:nvSpPr>
+            <p:cNvPr id="9" name="雲 8"/>
+            <p:cNvSpPr/>
+            <p:nvPr/>
+          </p:nvSpPr>
+          <p:spPr>
+            <a:xfrm rot="10800000">
+              <a:off x="6946709" y="2193793"/>
+              <a:ext cx="1493316" cy="2465147"/>
+            </a:xfrm>
+            <a:prstGeom prst="cloud">
+              <a:avLst/>
+            </a:prstGeom>
+            <a:solidFill>
+              <a:schemeClr val="accent1">
+                <a:lumMod val="20000"/>
+                <a:lumOff val="80000"/>
+              </a:schemeClr>
+            </a:solidFill>
+            <a:ln w="6350">
+              <a:solidFill>
+                <a:schemeClr val="accent3">
+                  <a:lumMod val="75000"/>
+                </a:schemeClr>
+              </a:solidFill>
+            </a:ln>
+          </p:spPr>
+          <p:style>
+            <a:lnRef idx="2">
+              <a:schemeClr val="accent1">
+                <a:shade val="50000"/>
+              </a:schemeClr>
+            </a:lnRef>
+            <a:fillRef idx="1">
+              <a:schemeClr val="accent1"/>
+            </a:fillRef>
+            <a:effectRef idx="0">
+              <a:schemeClr val="accent1"/>
+            </a:effectRef>
+            <a:fontRef idx="minor">
+              <a:schemeClr val="lt1"/>
+            </a:fontRef>
+          </p:style>
+          <p:txBody>
+            <a:bodyPr rtlCol="0" anchor="ctr"/>
+            <a:lstStyle/>
+            <a:p>
+              <a:pPr algn="ctr"/>
+              <a:endParaRPr kumimoji="1" lang="ja-JP" altLang="en-US" sz="900"/>
+            </a:p>
+          </p:txBody>
+        </p:sp>
+        <p:cxnSp>
+          <p:nvCxnSpPr>
+            <p:cNvPr id="10" name="直線コネクタ 9"/>
+            <p:cNvCxnSpPr/>
+            <p:nvPr/>
+          </p:nvCxnSpPr>
+          <p:spPr>
+            <a:xfrm>
+              <a:off x="4899419" y="3138775"/>
+              <a:ext cx="481704" cy="0"/>
+            </a:xfrm>
+            <a:prstGeom prst="line">
+              <a:avLst/>
+            </a:prstGeom>
+            <a:ln w="19050">
+              <a:solidFill>
+                <a:schemeClr val="tx1"/>
+              </a:solidFill>
+            </a:ln>
+          </p:spPr>
+          <p:style>
+            <a:lnRef idx="1">
+              <a:schemeClr val="accent1"/>
+            </a:lnRef>
+            <a:fillRef idx="0">
+              <a:schemeClr val="accent1"/>
+            </a:fillRef>
+            <a:effectRef idx="0">
+              <a:schemeClr val="accent1"/>
+            </a:effectRef>
+            <a:fontRef idx="minor">
+              <a:schemeClr val="tx1"/>
+            </a:fontRef>
+          </p:style>
+        </p:cxnSp>
+        <p:cxnSp>
+          <p:nvCxnSpPr>
+            <p:cNvPr id="11" name="直線コネクタ 10"/>
+            <p:cNvCxnSpPr/>
+            <p:nvPr/>
+          </p:nvCxnSpPr>
+          <p:spPr>
+            <a:xfrm>
+              <a:off x="4899419" y="3520711"/>
+              <a:ext cx="481704" cy="0"/>
+            </a:xfrm>
+            <a:prstGeom prst="line">
+              <a:avLst/>
+            </a:prstGeom>
+            <a:ln w="19050">
+              <a:solidFill>
+                <a:schemeClr val="tx1"/>
+              </a:solidFill>
+            </a:ln>
+          </p:spPr>
+          <p:style>
+            <a:lnRef idx="1">
+              <a:schemeClr val="accent1"/>
+            </a:lnRef>
+            <a:fillRef idx="0">
+              <a:schemeClr val="accent1"/>
+            </a:fillRef>
+            <a:effectRef idx="0">
+              <a:schemeClr val="accent1"/>
+            </a:effectRef>
+            <a:fontRef idx="minor">
+              <a:schemeClr val="tx1"/>
+            </a:fontRef>
+          </p:style>
+        </p:cxnSp>
+        <p:cxnSp>
+          <p:nvCxnSpPr>
+            <p:cNvPr id="12" name="直線コネクタ 11"/>
+            <p:cNvCxnSpPr/>
+            <p:nvPr/>
+          </p:nvCxnSpPr>
+          <p:spPr>
+            <a:xfrm>
+              <a:off x="6453787" y="3138775"/>
+              <a:ext cx="550672" cy="0"/>
+            </a:xfrm>
+            <a:prstGeom prst="line">
+              <a:avLst/>
+            </a:prstGeom>
+            <a:ln w="19050">
+              <a:solidFill>
+                <a:schemeClr val="tx1"/>
+              </a:solidFill>
+            </a:ln>
+          </p:spPr>
+          <p:style>
+            <a:lnRef idx="1">
+              <a:schemeClr val="accent1"/>
+            </a:lnRef>
+            <a:fillRef idx="0">
+              <a:schemeClr val="accent1"/>
+            </a:fillRef>
+            <a:effectRef idx="0">
+              <a:schemeClr val="accent1"/>
+            </a:effectRef>
+            <a:fontRef idx="minor">
+              <a:schemeClr val="tx1"/>
+            </a:fontRef>
+          </p:style>
+        </p:cxnSp>
+        <p:cxnSp>
+          <p:nvCxnSpPr>
+            <p:cNvPr id="13" name="直線コネクタ 12"/>
+            <p:cNvCxnSpPr/>
+            <p:nvPr/>
+          </p:nvCxnSpPr>
+          <p:spPr>
+            <a:xfrm>
+              <a:off x="6453788" y="3520711"/>
+              <a:ext cx="492921" cy="0"/>
+            </a:xfrm>
+            <a:prstGeom prst="line">
+              <a:avLst/>
+            </a:prstGeom>
+            <a:ln w="19050">
+              <a:solidFill>
+                <a:schemeClr val="tx1"/>
+              </a:solidFill>
+            </a:ln>
+          </p:spPr>
+          <p:style>
+            <a:lnRef idx="1">
+              <a:schemeClr val="accent1"/>
+            </a:lnRef>
+            <a:fillRef idx="0">
+              <a:schemeClr val="accent1"/>
+            </a:fillRef>
+            <a:effectRef idx="0">
+              <a:schemeClr val="accent1"/>
+            </a:effectRef>
+            <a:fontRef idx="minor">
+              <a:schemeClr val="tx1"/>
+            </a:fontRef>
+          </p:style>
+        </p:cxnSp>
+        <p:cxnSp>
+          <p:nvCxnSpPr>
+            <p:cNvPr id="14" name="直線コネクタ 13"/>
+            <p:cNvCxnSpPr/>
+            <p:nvPr/>
+          </p:nvCxnSpPr>
+          <p:spPr>
+            <a:xfrm>
+              <a:off x="5864465" y="2776064"/>
+              <a:ext cx="1312608" cy="0"/>
+            </a:xfrm>
+            <a:prstGeom prst="line">
+              <a:avLst/>
+            </a:prstGeom>
+            <a:ln w="19050">
+              <a:solidFill>
+                <a:schemeClr val="tx1"/>
+              </a:solidFill>
+            </a:ln>
+          </p:spPr>
+          <p:style>
+            <a:lnRef idx="1">
+              <a:schemeClr val="accent1"/>
+            </a:lnRef>
+            <a:fillRef idx="0">
+              <a:schemeClr val="accent1"/>
+            </a:fillRef>
+            <a:effectRef idx="0">
+              <a:schemeClr val="accent1"/>
+            </a:effectRef>
+            <a:fontRef idx="minor">
+              <a:schemeClr val="tx1"/>
+            </a:fontRef>
+          </p:style>
+        </p:cxnSp>
+        <p:cxnSp>
+          <p:nvCxnSpPr>
+            <p:cNvPr id="15" name="直線コネクタ 14"/>
+            <p:cNvCxnSpPr/>
+            <p:nvPr/>
+          </p:nvCxnSpPr>
+          <p:spPr>
+            <a:xfrm>
+              <a:off x="5864465" y="791733"/>
+              <a:ext cx="0" cy="1984331"/>
+            </a:xfrm>
+            <a:prstGeom prst="line">
+              <a:avLst/>
+            </a:prstGeom>
+            <a:ln w="19050">
+              <a:solidFill>
+                <a:schemeClr val="tx1"/>
+              </a:solidFill>
+            </a:ln>
+          </p:spPr>
+          <p:style>
+            <a:lnRef idx="1">
+              <a:schemeClr val="accent1"/>
+            </a:lnRef>
+            <a:fillRef idx="0">
+              <a:schemeClr val="accent1"/>
+            </a:fillRef>
+            <a:effectRef idx="0">
+              <a:schemeClr val="accent1"/>
+            </a:effectRef>
+            <a:fontRef idx="minor">
+              <a:schemeClr val="tx1"/>
+            </a:fontRef>
+          </p:style>
+        </p:cxnSp>
+        <p:grpSp>
+          <p:nvGrpSpPr>
+            <p:cNvPr id="16" name="グループ化 15"/>
+            <p:cNvGrpSpPr/>
+            <p:nvPr/>
+          </p:nvGrpSpPr>
+          <p:grpSpPr>
+            <a:xfrm flipH="1">
+              <a:off x="4709173" y="45067"/>
+              <a:ext cx="1285492" cy="1017659"/>
+              <a:chOff x="10460068" y="3633427"/>
+              <a:chExt cx="1129977" cy="957822"/>
+            </a:xfrm>
+          </p:grpSpPr>
+          <p:sp>
+            <p:nvSpPr>
+              <p:cNvPr id="63" name="平行四辺形 62"/>
+              <p:cNvSpPr/>
+              <p:nvPr/>
+            </p:nvSpPr>
+            <p:spPr>
+              <a:xfrm rot="5400000" flipV="1">
+                <a:off x="10578881" y="3575400"/>
+                <a:ext cx="920155" cy="1101860"/>
+              </a:xfrm>
+              <a:prstGeom prst="parallelogram">
+                <a:avLst>
+                  <a:gd name="adj" fmla="val 31034"/>
+                </a:avLst>
+              </a:prstGeom>
+              <a:solidFill>
+                <a:schemeClr val="bg1"/>
+              </a:solidFill>
+              <a:ln w="9525">
+                <a:solidFill>
+                  <a:schemeClr val="tx1"/>
+                </a:solidFill>
+              </a:ln>
+            </p:spPr>
+            <p:style>
+              <a:lnRef idx="2">
+                <a:schemeClr val="accent1">
+                  <a:shade val="50000"/>
+                </a:schemeClr>
+              </a:lnRef>
+              <a:fillRef idx="1">
+                <a:schemeClr val="accent1"/>
+              </a:fillRef>
+              <a:effectRef idx="0">
+                <a:schemeClr val="accent1"/>
+              </a:effectRef>
+              <a:fontRef idx="minor">
+                <a:schemeClr val="lt1"/>
+              </a:fontRef>
+            </p:style>
+            <p:txBody>
+              <a:bodyPr rtlCol="0" anchor="ctr"/>
+              <a:lstStyle/>
+              <a:p>
+                <a:pPr algn="ctr"/>
+                <a:endParaRPr kumimoji="1" lang="ja-JP" altLang="en-US" sz="900"/>
+              </a:p>
+            </p:txBody>
+          </p:sp>
+          <p:sp>
+            <p:nvSpPr>
+              <p:cNvPr id="64" name="円柱 63"/>
+              <p:cNvSpPr/>
+              <p:nvPr/>
+            </p:nvSpPr>
+            <p:spPr>
+              <a:xfrm rot="5400000">
+                <a:off x="10619571" y="4011383"/>
+                <a:ext cx="404547" cy="336550"/>
+              </a:xfrm>
+              <a:prstGeom prst="can">
+                <a:avLst>
+                  <a:gd name="adj" fmla="val 50000"/>
+                </a:avLst>
+              </a:prstGeom>
+              <a:solidFill>
+                <a:schemeClr val="bg1">
+                  <a:lumMod val="85000"/>
+                </a:schemeClr>
+              </a:solidFill>
+              <a:ln w="9525">
+                <a:solidFill>
+                  <a:schemeClr val="tx1"/>
+                </a:solidFill>
+              </a:ln>
+            </p:spPr>
+            <p:style>
+              <a:lnRef idx="2">
+                <a:schemeClr val="accent1">
+                  <a:shade val="50000"/>
+                </a:schemeClr>
+              </a:lnRef>
+              <a:fillRef idx="1">
+                <a:schemeClr val="accent1"/>
+              </a:fillRef>
+              <a:effectRef idx="0">
+                <a:schemeClr val="accent1"/>
+              </a:effectRef>
+              <a:fontRef idx="minor">
+                <a:schemeClr val="lt1"/>
+              </a:fontRef>
+            </p:style>
+            <p:txBody>
+              <a:bodyPr rtlCol="0" anchor="ctr"/>
+              <a:lstStyle/>
+              <a:p>
+                <a:pPr algn="ctr"/>
+                <a:endParaRPr kumimoji="1" lang="ja-JP" altLang="en-US" sz="900"/>
+              </a:p>
+            </p:txBody>
+          </p:sp>
+          <p:sp>
+            <p:nvSpPr>
+              <p:cNvPr id="65" name="円柱 64"/>
+              <p:cNvSpPr/>
+              <p:nvPr/>
+            </p:nvSpPr>
+            <p:spPr>
+              <a:xfrm rot="5400000">
+                <a:off x="11109076" y="3890125"/>
+                <a:ext cx="404547" cy="336550"/>
+              </a:xfrm>
+              <a:prstGeom prst="can">
+                <a:avLst>
+                  <a:gd name="adj" fmla="val 50000"/>
+                </a:avLst>
+              </a:prstGeom>
+              <a:solidFill>
+                <a:schemeClr val="bg1">
+                  <a:lumMod val="85000"/>
+                </a:schemeClr>
+              </a:solidFill>
+              <a:ln w="9525">
+                <a:solidFill>
+                  <a:schemeClr val="tx1"/>
+                </a:solidFill>
+              </a:ln>
+            </p:spPr>
+            <p:style>
+              <a:lnRef idx="2">
+                <a:schemeClr val="accent1">
+                  <a:shade val="50000"/>
+                </a:schemeClr>
+              </a:lnRef>
+              <a:fillRef idx="1">
+                <a:schemeClr val="accent1"/>
+              </a:fillRef>
+              <a:effectRef idx="0">
+                <a:schemeClr val="accent1"/>
+              </a:effectRef>
+              <a:fontRef idx="minor">
+                <a:schemeClr val="lt1"/>
+              </a:fontRef>
+            </p:style>
+            <p:txBody>
+              <a:bodyPr rtlCol="0" anchor="ctr"/>
+              <a:lstStyle/>
+              <a:p>
+                <a:pPr algn="ctr"/>
+                <a:endParaRPr kumimoji="1" lang="ja-JP" altLang="en-US" sz="900"/>
+              </a:p>
+            </p:txBody>
+          </p:sp>
+          <p:cxnSp>
+            <p:nvCxnSpPr>
+              <p:cNvPr id="66" name="直線コネクタ 65"/>
+              <p:cNvCxnSpPr/>
+              <p:nvPr/>
+            </p:nvCxnSpPr>
+            <p:spPr>
+              <a:xfrm>
+                <a:off x="10463213" y="3912394"/>
+                <a:ext cx="24815" cy="38298"/>
+              </a:xfrm>
+              <a:prstGeom prst="line">
+                <a:avLst/>
+              </a:prstGeom>
+              <a:ln w="9525">
+                <a:solidFill>
+                  <a:schemeClr val="tx1"/>
+                </a:solidFill>
+              </a:ln>
+            </p:spPr>
+            <p:style>
+              <a:lnRef idx="1">
+                <a:schemeClr val="accent1"/>
+              </a:lnRef>
+              <a:fillRef idx="0">
+                <a:schemeClr val="accent1"/>
+              </a:fillRef>
+              <a:effectRef idx="0">
+                <a:schemeClr val="accent1"/>
+              </a:effectRef>
+              <a:fontRef idx="minor">
+                <a:schemeClr val="tx1"/>
+              </a:fontRef>
+            </p:style>
+          </p:cxnSp>
+          <p:cxnSp>
+            <p:nvCxnSpPr>
+              <p:cNvPr id="67" name="直線コネクタ 66"/>
+              <p:cNvCxnSpPr/>
+              <p:nvPr/>
+            </p:nvCxnSpPr>
+            <p:spPr>
+              <a:xfrm>
+                <a:off x="10463213" y="3912394"/>
+                <a:ext cx="0" cy="647700"/>
+              </a:xfrm>
+              <a:prstGeom prst="line">
+                <a:avLst/>
+              </a:prstGeom>
+              <a:ln w="9525">
+                <a:solidFill>
+                  <a:schemeClr val="tx1"/>
+                </a:solidFill>
+              </a:ln>
+            </p:spPr>
+            <p:style>
+              <a:lnRef idx="1">
+                <a:schemeClr val="accent1"/>
+              </a:lnRef>
+              <a:fillRef idx="0">
+                <a:schemeClr val="accent1"/>
+              </a:fillRef>
+              <a:effectRef idx="0">
+                <a:schemeClr val="accent1"/>
+              </a:effectRef>
+              <a:fontRef idx="minor">
+                <a:schemeClr val="tx1"/>
+              </a:fontRef>
+            </p:style>
+          </p:cxnSp>
+          <p:cxnSp>
+            <p:nvCxnSpPr>
+              <p:cNvPr id="68" name="直線コネクタ 67"/>
+              <p:cNvCxnSpPr/>
+              <p:nvPr/>
+            </p:nvCxnSpPr>
+            <p:spPr>
+              <a:xfrm>
+                <a:off x="10460068" y="4552951"/>
+                <a:ext cx="24815" cy="38298"/>
+              </a:xfrm>
+              <a:prstGeom prst="line">
+                <a:avLst/>
+              </a:prstGeom>
+              <a:ln w="9525">
+                <a:solidFill>
+                  <a:schemeClr val="tx1"/>
+                </a:solidFill>
+              </a:ln>
+            </p:spPr>
+            <p:style>
+              <a:lnRef idx="1">
+                <a:schemeClr val="accent1"/>
+              </a:lnRef>
+              <a:fillRef idx="0">
+                <a:schemeClr val="accent1"/>
+              </a:fillRef>
+              <a:effectRef idx="0">
+                <a:schemeClr val="accent1"/>
+              </a:effectRef>
+              <a:fontRef idx="minor">
+                <a:schemeClr val="tx1"/>
+              </a:fontRef>
+            </p:style>
+          </p:cxnSp>
+          <p:cxnSp>
+            <p:nvCxnSpPr>
+              <p:cNvPr id="69" name="直線コネクタ 68"/>
+              <p:cNvCxnSpPr/>
+              <p:nvPr/>
+            </p:nvCxnSpPr>
+            <p:spPr>
+              <a:xfrm flipH="1">
+                <a:off x="10473456" y="3633427"/>
+                <a:ext cx="1091618" cy="281493"/>
+              </a:xfrm>
+              <a:prstGeom prst="line">
+                <a:avLst/>
+              </a:prstGeom>
+              <a:ln w="9525">
+                <a:solidFill>
+                  <a:schemeClr val="tx1"/>
+                </a:solidFill>
+              </a:ln>
+            </p:spPr>
+            <p:style>
+              <a:lnRef idx="1">
+                <a:schemeClr val="accent1"/>
+              </a:lnRef>
+              <a:fillRef idx="0">
+                <a:schemeClr val="accent1"/>
+              </a:fillRef>
+              <a:effectRef idx="0">
+                <a:schemeClr val="accent1"/>
+              </a:effectRef>
+              <a:fontRef idx="minor">
+                <a:schemeClr val="tx1"/>
+              </a:fontRef>
+            </p:style>
+          </p:cxnSp>
+          <p:cxnSp>
+            <p:nvCxnSpPr>
+              <p:cNvPr id="70" name="直線コネクタ 69"/>
+              <p:cNvCxnSpPr/>
+              <p:nvPr/>
+            </p:nvCxnSpPr>
+            <p:spPr>
+              <a:xfrm>
+                <a:off x="11565230" y="3633427"/>
+                <a:ext cx="24815" cy="38298"/>
+              </a:xfrm>
+              <a:prstGeom prst="line">
+                <a:avLst/>
+              </a:prstGeom>
+              <a:ln w="9525">
+                <a:solidFill>
+                  <a:schemeClr val="tx1"/>
+                </a:solidFill>
+              </a:ln>
+            </p:spPr>
+            <p:style>
+              <a:lnRef idx="1">
+                <a:schemeClr val="accent1"/>
+              </a:lnRef>
+              <a:fillRef idx="0">
+                <a:schemeClr val="accent1"/>
+              </a:fillRef>
+              <a:effectRef idx="0">
+                <a:schemeClr val="accent1"/>
+              </a:effectRef>
+              <a:fontRef idx="minor">
+                <a:schemeClr val="tx1"/>
+              </a:fontRef>
+            </p:style>
+          </p:cxnSp>
+        </p:grpSp>
+        <p:cxnSp>
+          <p:nvCxnSpPr>
+            <p:cNvPr id="17" name="直線コネクタ 16"/>
+            <p:cNvCxnSpPr/>
+            <p:nvPr/>
+          </p:nvCxnSpPr>
+          <p:spPr>
+            <a:xfrm>
+              <a:off x="8316951" y="2788915"/>
+              <a:ext cx="1662987" cy="0"/>
+            </a:xfrm>
+            <a:prstGeom prst="line">
+              <a:avLst/>
+            </a:prstGeom>
+            <a:ln w="19050">
+              <a:solidFill>
+                <a:schemeClr val="tx1"/>
+              </a:solidFill>
+            </a:ln>
+          </p:spPr>
+          <p:style>
+            <a:lnRef idx="1">
+              <a:schemeClr val="accent1"/>
+            </a:lnRef>
+            <a:fillRef idx="0">
+              <a:schemeClr val="accent1"/>
+            </a:fillRef>
+            <a:effectRef idx="0">
+              <a:schemeClr val="accent1"/>
+            </a:effectRef>
+            <a:fontRef idx="minor">
+              <a:schemeClr val="tx1"/>
+            </a:fontRef>
+          </p:style>
+        </p:cxnSp>
+        <p:cxnSp>
+          <p:nvCxnSpPr>
+            <p:cNvPr id="18" name="直線コネクタ 17"/>
+            <p:cNvCxnSpPr/>
+            <p:nvPr/>
+          </p:nvCxnSpPr>
+          <p:spPr>
+            <a:xfrm>
+              <a:off x="8382275" y="3182802"/>
+              <a:ext cx="1597663" cy="0"/>
+            </a:xfrm>
+            <a:prstGeom prst="line">
+              <a:avLst/>
+            </a:prstGeom>
+            <a:ln w="19050">
+              <a:solidFill>
+                <a:schemeClr val="tx1"/>
+              </a:solidFill>
+            </a:ln>
+          </p:spPr>
+          <p:style>
+            <a:lnRef idx="1">
+              <a:schemeClr val="accent1"/>
+            </a:lnRef>
+            <a:fillRef idx="0">
+              <a:schemeClr val="accent1"/>
+            </a:fillRef>
+            <a:effectRef idx="0">
+              <a:schemeClr val="accent1"/>
+            </a:effectRef>
+            <a:fontRef idx="minor">
+              <a:schemeClr val="tx1"/>
+            </a:fontRef>
+          </p:style>
+        </p:cxnSp>
+        <p:cxnSp>
+          <p:nvCxnSpPr>
+            <p:cNvPr id="19" name="直線コネクタ 18"/>
+            <p:cNvCxnSpPr/>
+            <p:nvPr/>
+          </p:nvCxnSpPr>
+          <p:spPr>
+            <a:xfrm>
+              <a:off x="8440025" y="3546804"/>
+              <a:ext cx="1662083" cy="0"/>
+            </a:xfrm>
+            <a:prstGeom prst="line">
+              <a:avLst/>
+            </a:prstGeom>
+            <a:ln w="19050">
+              <a:solidFill>
+                <a:schemeClr val="tx1"/>
+              </a:solidFill>
+            </a:ln>
+          </p:spPr>
+          <p:style>
+            <a:lnRef idx="1">
+              <a:schemeClr val="accent1"/>
+            </a:lnRef>
+            <a:fillRef idx="0">
+              <a:schemeClr val="accent1"/>
+            </a:fillRef>
+            <a:effectRef idx="0">
+              <a:schemeClr val="accent1"/>
+            </a:effectRef>
+            <a:fontRef idx="minor">
+              <a:schemeClr val="tx1"/>
+            </a:fontRef>
+          </p:style>
+        </p:cxnSp>
+        <p:cxnSp>
+          <p:nvCxnSpPr>
+            <p:cNvPr id="20" name="直線コネクタ 19"/>
+            <p:cNvCxnSpPr/>
+            <p:nvPr/>
+          </p:nvCxnSpPr>
+          <p:spPr>
+            <a:xfrm>
+              <a:off x="8616305" y="3434156"/>
+              <a:ext cx="135088" cy="201999"/>
+            </a:xfrm>
+            <a:prstGeom prst="line">
+              <a:avLst/>
+            </a:prstGeom>
+            <a:ln w="19050">
+              <a:solidFill>
+                <a:schemeClr val="tx1"/>
+              </a:solidFill>
+            </a:ln>
+          </p:spPr>
+          <p:style>
+            <a:lnRef idx="1">
+              <a:schemeClr val="accent1"/>
+            </a:lnRef>
+            <a:fillRef idx="0">
+              <a:schemeClr val="accent1"/>
+            </a:fillRef>
+            <a:effectRef idx="0">
+              <a:schemeClr val="accent1"/>
+            </a:effectRef>
+            <a:fontRef idx="minor">
+              <a:schemeClr val="tx1"/>
+            </a:fontRef>
+          </p:style>
+        </p:cxnSp>
+        <p:sp>
+          <p:nvSpPr>
+            <p:cNvPr id="21" name="正方形/長方形 20"/>
+            <p:cNvSpPr/>
+            <p:nvPr/>
+          </p:nvSpPr>
+          <p:spPr>
+            <a:xfrm>
+              <a:off x="9034904" y="2501772"/>
+              <a:ext cx="1028428" cy="330867"/>
+            </a:xfrm>
+            <a:prstGeom prst="rect">
+              <a:avLst/>
+            </a:prstGeom>
+          </p:spPr>
+          <p:txBody>
+            <a:bodyPr wrap="square">
+              <a:spAutoFit/>
+            </a:bodyPr>
+            <a:lstStyle/>
+            <a:p>
+              <a:pPr algn="r"/>
+              <a:r>
+                <a:rPr lang="en-US" altLang="ja-JP" sz="1050" dirty="0" err="1">
+                  <a:latin typeface="Malgun Gothic" panose="020B0503020000020004" pitchFamily="34" charset="-127"/>
+                  <a:ea typeface="Malgun Gothic" panose="020B0503020000020004" pitchFamily="34" charset="-127"/>
+                </a:rPr>
+                <a:t>sig_out</a:t>
+              </a:r>
+              <a:endParaRPr lang="ja-JP" altLang="en-US" sz="1050" dirty="0"/>
+            </a:p>
+          </p:txBody>
+        </p:sp>
+        <p:sp>
+          <p:nvSpPr>
+            <p:cNvPr id="22" name="四角形吹き出し 21"/>
+            <p:cNvSpPr/>
+            <p:nvPr/>
+          </p:nvSpPr>
+          <p:spPr>
+            <a:xfrm>
+              <a:off x="5406796" y="4023577"/>
+              <a:ext cx="1308114" cy="676788"/>
+            </a:xfrm>
+            <a:prstGeom prst="wedgeRectCallout">
+              <a:avLst>
+                <a:gd name="adj1" fmla="val 10658"/>
+                <a:gd name="adj2" fmla="val -138614"/>
+              </a:avLst>
+            </a:prstGeom>
+            <a:solidFill>
+              <a:schemeClr val="bg1"/>
+            </a:solidFill>
+            <a:ln w="6350">
+              <a:solidFill>
+                <a:schemeClr val="tx1"/>
+              </a:solidFill>
+            </a:ln>
+          </p:spPr>
+          <p:style>
+            <a:lnRef idx="2">
+              <a:schemeClr val="accent5">
+                <a:shade val="50000"/>
+              </a:schemeClr>
+            </a:lnRef>
+            <a:fillRef idx="1">
+              <a:schemeClr val="accent5"/>
+            </a:fillRef>
+            <a:effectRef idx="0">
+              <a:schemeClr val="accent5"/>
+            </a:effectRef>
+            <a:fontRef idx="minor">
+              <a:schemeClr val="lt1"/>
+            </a:fontRef>
+          </p:style>
+          <p:txBody>
+            <a:bodyPr rtlCol="0" anchor="ctr"/>
+            <a:lstStyle/>
+            <a:p>
+              <a:pPr algn="ctr"/>
+              <a:r>
+                <a:rPr kumimoji="1" lang="en-US" altLang="ja-JP" sz="1100" b="1" dirty="0" smtClean="0">
+                  <a:solidFill>
+                    <a:schemeClr val="accent5"/>
+                  </a:solidFill>
+                </a:rPr>
+                <a:t>use_fifo_32 </a:t>
+              </a:r>
+            </a:p>
+            <a:p>
+              <a:pPr algn="ctr"/>
+              <a:r>
+                <a:rPr lang="en-US" altLang="ja-JP" sz="1100" dirty="0">
+                  <a:solidFill>
+                    <a:sysClr val="windowText" lastClr="000000"/>
+                  </a:solidFill>
+                </a:rPr>
+                <a:t>FIFO</a:t>
+              </a:r>
+              <a:r>
+                <a:rPr lang="ja-JP" altLang="en-US" sz="1100" dirty="0" smtClean="0">
+                  <a:solidFill>
+                    <a:sysClr val="windowText" lastClr="000000"/>
+                  </a:solidFill>
+                </a:rPr>
+                <a:t>の</a:t>
+              </a:r>
+              <a:endParaRPr lang="en-US" altLang="ja-JP" sz="1100" dirty="0" smtClean="0">
+                <a:solidFill>
+                  <a:sysClr val="windowText" lastClr="000000"/>
+                </a:solidFill>
+              </a:endParaRPr>
+            </a:p>
+            <a:p>
+              <a:pPr algn="ctr"/>
+              <a:r>
+                <a:rPr lang="ja-JP" altLang="en-US" sz="1100" dirty="0" smtClean="0">
+                  <a:solidFill>
+                    <a:sysClr val="windowText" lastClr="000000"/>
+                  </a:solidFill>
+                </a:rPr>
+                <a:t>使用</a:t>
+              </a:r>
+              <a:r>
+                <a:rPr lang="ja-JP" altLang="en-US" sz="1100" dirty="0">
+                  <a:solidFill>
+                    <a:sysClr val="windowText" lastClr="000000"/>
+                  </a:solidFill>
+                </a:rPr>
+                <a:t>宣言</a:t>
+              </a:r>
+            </a:p>
+          </p:txBody>
+        </p:sp>
+        <p:sp>
+          <p:nvSpPr>
+            <p:cNvPr id="23" name="円/楕円 22"/>
+            <p:cNvSpPr/>
+            <p:nvPr/>
+          </p:nvSpPr>
+          <p:spPr>
+            <a:xfrm>
+              <a:off x="7805297" y="978993"/>
+              <a:ext cx="1850806" cy="1496813"/>
+            </a:xfrm>
+            <a:prstGeom prst="ellipse">
+              <a:avLst/>
+            </a:prstGeom>
+            <a:solidFill>
+              <a:schemeClr val="accent6">
+                <a:lumMod val="20000"/>
+                <a:lumOff val="80000"/>
+              </a:schemeClr>
+            </a:solidFill>
+            <a:ln w="19050">
+              <a:solidFill>
+                <a:schemeClr val="accent6">
+                  <a:lumMod val="60000"/>
+                  <a:lumOff val="40000"/>
+                </a:schemeClr>
+              </a:solidFill>
+            </a:ln>
+          </p:spPr>
+          <p:style>
+            <a:lnRef idx="2">
+              <a:schemeClr val="accent3">
+                <a:shade val="50000"/>
+              </a:schemeClr>
+            </a:lnRef>
+            <a:fillRef idx="1">
+              <a:schemeClr val="accent3"/>
+            </a:fillRef>
+            <a:effectRef idx="0">
+              <a:schemeClr val="accent3"/>
+            </a:effectRef>
+            <a:fontRef idx="minor">
+              <a:schemeClr val="lt1"/>
+            </a:fontRef>
+          </p:style>
+          <p:txBody>
+            <a:bodyPr rtlCol="0" anchor="ctr"/>
+            <a:lstStyle/>
+            <a:p>
+              <a:pPr algn="ctr"/>
+              <a:endParaRPr kumimoji="1" lang="ja-JP" altLang="en-US" sz="900"/>
+            </a:p>
+          </p:txBody>
+        </p:sp>
+        <p:cxnSp>
+          <p:nvCxnSpPr>
+            <p:cNvPr id="24" name="直線コネクタ 23"/>
+            <p:cNvCxnSpPr>
+              <a:stCxn id="23" idx="2"/>
+              <a:endCxn id="58" idx="1"/>
+            </p:cNvCxnSpPr>
+            <p:nvPr/>
+          </p:nvCxnSpPr>
+          <p:spPr>
+            <a:xfrm flipH="1">
+              <a:off x="7150773" y="1727400"/>
+              <a:ext cx="654524" cy="1933412"/>
+            </a:xfrm>
+            <a:prstGeom prst="line">
+              <a:avLst/>
+            </a:prstGeom>
+            <a:ln w="19050">
+              <a:solidFill>
+                <a:schemeClr val="accent6">
+                  <a:lumMod val="60000"/>
+                  <a:lumOff val="40000"/>
+                </a:schemeClr>
+              </a:solidFill>
+            </a:ln>
+          </p:spPr>
+          <p:style>
+            <a:lnRef idx="1">
+              <a:schemeClr val="accent1"/>
+            </a:lnRef>
+            <a:fillRef idx="0">
+              <a:schemeClr val="accent1"/>
+            </a:fillRef>
+            <a:effectRef idx="0">
+              <a:schemeClr val="accent1"/>
+            </a:effectRef>
+            <a:fontRef idx="minor">
+              <a:schemeClr val="tx1"/>
+            </a:fontRef>
+          </p:style>
+        </p:cxnSp>
+        <p:cxnSp>
+          <p:nvCxnSpPr>
+            <p:cNvPr id="25" name="直線コネクタ 24"/>
+            <p:cNvCxnSpPr>
+              <a:stCxn id="23" idx="5"/>
+              <a:endCxn id="59" idx="3"/>
+            </p:cNvCxnSpPr>
+            <p:nvPr/>
+          </p:nvCxnSpPr>
+          <p:spPr>
+            <a:xfrm flipH="1">
+              <a:off x="7988195" y="2256603"/>
+              <a:ext cx="1396864" cy="1531026"/>
+            </a:xfrm>
+            <a:prstGeom prst="line">
+              <a:avLst/>
+            </a:prstGeom>
+            <a:ln w="19050">
+              <a:solidFill>
+                <a:schemeClr val="accent6">
+                  <a:lumMod val="60000"/>
+                  <a:lumOff val="40000"/>
+                </a:schemeClr>
+              </a:solidFill>
+            </a:ln>
+          </p:spPr>
+          <p:style>
+            <a:lnRef idx="1">
+              <a:schemeClr val="accent1"/>
+            </a:lnRef>
+            <a:fillRef idx="0">
+              <a:schemeClr val="accent1"/>
+            </a:fillRef>
+            <a:effectRef idx="0">
+              <a:schemeClr val="accent1"/>
+            </a:effectRef>
+            <a:fontRef idx="minor">
+              <a:schemeClr val="tx1"/>
+            </a:fontRef>
+          </p:style>
+        </p:cxnSp>
+        <p:grpSp>
+          <p:nvGrpSpPr>
+            <p:cNvPr id="26" name="グループ化 25"/>
+            <p:cNvGrpSpPr/>
+            <p:nvPr/>
+          </p:nvGrpSpPr>
+          <p:grpSpPr>
+            <a:xfrm>
+              <a:off x="7150773" y="3212423"/>
+              <a:ext cx="837422" cy="702024"/>
+              <a:chOff x="4703270" y="123567"/>
+              <a:chExt cx="813504" cy="638435"/>
+            </a:xfrm>
+          </p:grpSpPr>
+          <p:sp>
+            <p:nvSpPr>
+              <p:cNvPr id="57" name="角丸四角形 56"/>
+              <p:cNvSpPr/>
+              <p:nvPr/>
+            </p:nvSpPr>
+            <p:spPr>
+              <a:xfrm>
+                <a:off x="5079811" y="123567"/>
+                <a:ext cx="288503" cy="230660"/>
+              </a:xfrm>
+              <a:prstGeom prst="roundRect">
+                <a:avLst/>
+              </a:prstGeom>
+              <a:solidFill>
+                <a:schemeClr val="bg1"/>
+              </a:solidFill>
+              <a:ln w="12700">
+                <a:solidFill>
+                  <a:schemeClr val="tx1"/>
+                </a:solidFill>
+              </a:ln>
+            </p:spPr>
+            <p:style>
+              <a:lnRef idx="2">
+                <a:schemeClr val="accent1">
+                  <a:shade val="50000"/>
+                </a:schemeClr>
+              </a:lnRef>
+              <a:fillRef idx="1">
+                <a:schemeClr val="accent1"/>
+              </a:fillRef>
+              <a:effectRef idx="0">
+                <a:schemeClr val="accent1"/>
+              </a:effectRef>
+              <a:fontRef idx="minor">
+                <a:schemeClr val="lt1"/>
+              </a:fontRef>
+            </p:style>
+            <p:txBody>
+              <a:bodyPr rtlCol="0" anchor="ctr"/>
+              <a:lstStyle/>
+              <a:p>
+                <a:pPr algn="ctr"/>
+                <a:endParaRPr kumimoji="1" lang="ja-JP" altLang="en-US" sz="900"/>
+              </a:p>
+            </p:txBody>
+          </p:sp>
+          <p:sp>
+            <p:nvSpPr>
+              <p:cNvPr id="58" name="角丸四角形 57"/>
+              <p:cNvSpPr/>
+              <p:nvPr/>
+            </p:nvSpPr>
+            <p:spPr>
+              <a:xfrm>
+                <a:off x="4703270" y="416011"/>
+                <a:ext cx="288503" cy="230660"/>
+              </a:xfrm>
+              <a:prstGeom prst="roundRect">
+                <a:avLst/>
+              </a:prstGeom>
+              <a:solidFill>
+                <a:schemeClr val="bg1"/>
+              </a:solidFill>
+              <a:ln w="12700">
+                <a:solidFill>
+                  <a:schemeClr val="tx1"/>
+                </a:solidFill>
+              </a:ln>
+            </p:spPr>
+            <p:style>
+              <a:lnRef idx="2">
+                <a:schemeClr val="accent1">
+                  <a:shade val="50000"/>
+                </a:schemeClr>
+              </a:lnRef>
+              <a:fillRef idx="1">
+                <a:schemeClr val="accent1"/>
+              </a:fillRef>
+              <a:effectRef idx="0">
+                <a:schemeClr val="accent1"/>
+              </a:effectRef>
+              <a:fontRef idx="minor">
+                <a:schemeClr val="lt1"/>
+              </a:fontRef>
+            </p:style>
+            <p:txBody>
+              <a:bodyPr rtlCol="0" anchor="ctr"/>
+              <a:lstStyle/>
+              <a:p>
+                <a:pPr algn="ctr"/>
+                <a:endParaRPr kumimoji="1" lang="ja-JP" altLang="en-US" sz="900"/>
+              </a:p>
+            </p:txBody>
+          </p:sp>
+          <p:sp>
+            <p:nvSpPr>
+              <p:cNvPr id="59" name="角丸四角形 58"/>
+              <p:cNvSpPr/>
+              <p:nvPr/>
+            </p:nvSpPr>
+            <p:spPr>
+              <a:xfrm>
+                <a:off x="5228271" y="531341"/>
+                <a:ext cx="288503" cy="230660"/>
+              </a:xfrm>
+              <a:prstGeom prst="roundRect">
+                <a:avLst/>
+              </a:prstGeom>
+              <a:solidFill>
+                <a:schemeClr val="bg1"/>
+              </a:solidFill>
+              <a:ln w="12700">
+                <a:solidFill>
+                  <a:schemeClr val="tx1"/>
+                </a:solidFill>
+              </a:ln>
+            </p:spPr>
+            <p:style>
+              <a:lnRef idx="2">
+                <a:schemeClr val="accent1">
+                  <a:shade val="50000"/>
+                </a:schemeClr>
+              </a:lnRef>
+              <a:fillRef idx="1">
+                <a:schemeClr val="accent1"/>
+              </a:fillRef>
+              <a:effectRef idx="0">
+                <a:schemeClr val="accent1"/>
+              </a:effectRef>
+              <a:fontRef idx="minor">
+                <a:schemeClr val="lt1"/>
+              </a:fontRef>
+            </p:style>
+            <p:txBody>
+              <a:bodyPr rtlCol="0" anchor="ctr"/>
+              <a:lstStyle/>
+              <a:p>
+                <a:pPr algn="ctr"/>
+                <a:endParaRPr kumimoji="1" lang="ja-JP" altLang="en-US" sz="900"/>
+              </a:p>
+            </p:txBody>
+          </p:sp>
+          <p:cxnSp>
+            <p:nvCxnSpPr>
+              <p:cNvPr id="60" name="曲線コネクタ 59"/>
+              <p:cNvCxnSpPr>
+                <a:stCxn id="57" idx="3"/>
+                <a:endCxn id="59" idx="3"/>
+              </p:cNvCxnSpPr>
+              <p:nvPr/>
+            </p:nvCxnSpPr>
+            <p:spPr>
+              <a:xfrm>
+                <a:off x="5368314" y="238897"/>
+                <a:ext cx="148460" cy="407774"/>
+              </a:xfrm>
+              <a:prstGeom prst="curvedConnector3">
+                <a:avLst>
+                  <a:gd name="adj1" fmla="val 176297"/>
+                </a:avLst>
+              </a:prstGeom>
+              <a:ln w="12700">
+                <a:solidFill>
+                  <a:schemeClr val="tx1"/>
+                </a:solidFill>
+                <a:tailEnd type="triangle"/>
+              </a:ln>
+            </p:spPr>
+            <p:style>
+              <a:lnRef idx="1">
+                <a:schemeClr val="accent1"/>
+              </a:lnRef>
+              <a:fillRef idx="0">
+                <a:schemeClr val="accent1"/>
+              </a:fillRef>
+              <a:effectRef idx="0">
+                <a:schemeClr val="accent1"/>
+              </a:effectRef>
+              <a:fontRef idx="minor">
+                <a:schemeClr val="tx1"/>
+              </a:fontRef>
+            </p:style>
+          </p:cxnSp>
+          <p:cxnSp>
+            <p:nvCxnSpPr>
+              <p:cNvPr id="61" name="曲線コネクタ 60"/>
+              <p:cNvCxnSpPr>
+                <a:stCxn id="59" idx="2"/>
+                <a:endCxn id="58" idx="2"/>
+              </p:cNvCxnSpPr>
+              <p:nvPr/>
+            </p:nvCxnSpPr>
+            <p:spPr>
+              <a:xfrm rot="5400000" flipH="1">
+                <a:off x="5052358" y="441836"/>
+                <a:ext cx="115330" cy="525001"/>
+              </a:xfrm>
+              <a:prstGeom prst="curvedConnector3">
+                <a:avLst>
+                  <a:gd name="adj1" fmla="val -76785"/>
+                </a:avLst>
+              </a:prstGeom>
+              <a:ln w="12700">
+                <a:solidFill>
+                  <a:schemeClr val="tx1"/>
+                </a:solidFill>
+                <a:tailEnd type="triangle"/>
+              </a:ln>
+            </p:spPr>
+            <p:style>
+              <a:lnRef idx="1">
+                <a:schemeClr val="accent1"/>
+              </a:lnRef>
+              <a:fillRef idx="0">
+                <a:schemeClr val="accent1"/>
+              </a:fillRef>
+              <a:effectRef idx="0">
+                <a:schemeClr val="accent1"/>
+              </a:effectRef>
+              <a:fontRef idx="minor">
+                <a:schemeClr val="tx1"/>
+              </a:fontRef>
+            </p:style>
+          </p:cxnSp>
+          <p:cxnSp>
+            <p:nvCxnSpPr>
+              <p:cNvPr id="62" name="曲線コネクタ 61"/>
+              <p:cNvCxnSpPr>
+                <a:stCxn id="58" idx="0"/>
+                <a:endCxn id="57" idx="1"/>
+              </p:cNvCxnSpPr>
+              <p:nvPr/>
+            </p:nvCxnSpPr>
+            <p:spPr>
+              <a:xfrm rot="5400000" flipH="1" flipV="1">
+                <a:off x="4875109" y="211310"/>
+                <a:ext cx="177114" cy="232289"/>
+              </a:xfrm>
+              <a:prstGeom prst="curvedConnector2">
+                <a:avLst/>
+              </a:prstGeom>
+              <a:ln w="12700">
+                <a:solidFill>
+                  <a:schemeClr val="tx1"/>
+                </a:solidFill>
+                <a:tailEnd type="triangle"/>
+              </a:ln>
+            </p:spPr>
+            <p:style>
+              <a:lnRef idx="1">
+                <a:schemeClr val="accent1"/>
+              </a:lnRef>
+              <a:fillRef idx="0">
+                <a:schemeClr val="accent1"/>
+              </a:fillRef>
+              <a:effectRef idx="0">
+                <a:schemeClr val="accent1"/>
+              </a:effectRef>
+              <a:fontRef idx="minor">
+                <a:schemeClr val="tx1"/>
+              </a:fontRef>
+            </p:style>
+          </p:cxnSp>
+        </p:grpSp>
+        <p:sp>
+          <p:nvSpPr>
+            <p:cNvPr id="27" name="正方形/長方形 26"/>
+            <p:cNvSpPr/>
+            <p:nvPr/>
+          </p:nvSpPr>
+          <p:spPr>
+            <a:xfrm>
+              <a:off x="7250840" y="2407079"/>
+              <a:ext cx="1023464" cy="782047"/>
+            </a:xfrm>
+            <a:prstGeom prst="rect">
+              <a:avLst/>
+            </a:prstGeom>
+          </p:spPr>
+          <p:txBody>
+            <a:bodyPr wrap="none">
+              <a:spAutoFit/>
+            </a:bodyPr>
+            <a:lstStyle/>
+            <a:p>
+              <a:pPr algn="ctr"/>
+              <a:r>
+                <a:rPr lang="en-US" altLang="ja-JP" sz="1100" b="1" dirty="0" smtClean="0"/>
+                <a:t>Interface</a:t>
+              </a:r>
+            </a:p>
+            <a:p>
+              <a:pPr algn="ctr"/>
+              <a:r>
+                <a:rPr lang="en-US" altLang="ja-JP" sz="1100" b="1" dirty="0" smtClean="0"/>
+                <a:t>Circuit</a:t>
+              </a:r>
+            </a:p>
+            <a:p>
+              <a:pPr algn="ctr"/>
+              <a:r>
+                <a:rPr lang="en-US" altLang="ja-JP" sz="1100" dirty="0" smtClean="0"/>
+                <a:t>(Verilog)</a:t>
+              </a:r>
+              <a:endParaRPr lang="ja-JP" altLang="en-US" sz="1100" dirty="0"/>
+            </a:p>
+          </p:txBody>
+        </p:sp>
+        <p:sp>
+          <p:nvSpPr>
+            <p:cNvPr id="28" name="四角形吹き出し 27"/>
+            <p:cNvSpPr/>
+            <p:nvPr/>
+          </p:nvSpPr>
+          <p:spPr>
+            <a:xfrm>
+              <a:off x="6022279" y="1436374"/>
+              <a:ext cx="1543168" cy="696023"/>
+            </a:xfrm>
+            <a:prstGeom prst="wedgeRectCallout">
+              <a:avLst>
+                <a:gd name="adj1" fmla="val -40083"/>
+                <a:gd name="adj2" fmla="val 143354"/>
+              </a:avLst>
+            </a:prstGeom>
+            <a:solidFill>
+              <a:schemeClr val="bg1"/>
+            </a:solidFill>
+            <a:ln w="6350">
+              <a:solidFill>
+                <a:schemeClr val="tx1"/>
+              </a:solidFill>
+            </a:ln>
+          </p:spPr>
+          <p:style>
+            <a:lnRef idx="2">
+              <a:schemeClr val="accent5">
+                <a:shade val="50000"/>
+              </a:schemeClr>
+            </a:lnRef>
+            <a:fillRef idx="1">
+              <a:schemeClr val="accent5"/>
+            </a:fillRef>
+            <a:effectRef idx="0">
+              <a:schemeClr val="accent5"/>
+            </a:effectRef>
+            <a:fontRef idx="minor">
+              <a:schemeClr val="lt1"/>
+            </a:fontRef>
+          </p:style>
+          <p:txBody>
+            <a:bodyPr rtlCol="0" anchor="ctr"/>
+            <a:lstStyle/>
+            <a:p>
+              <a:pPr algn="ctr"/>
+              <a:r>
+                <a:rPr lang="en-US" altLang="ja-JP" sz="1100" b="1" dirty="0" err="1" smtClean="0">
+                  <a:solidFill>
+                    <a:schemeClr val="accent5"/>
+                  </a:solidFill>
+                </a:rPr>
+                <a:t>option_port</a:t>
+              </a:r>
+              <a:endParaRPr lang="en-US" altLang="ja-JP" sz="1100" b="1" dirty="0" smtClean="0">
+                <a:solidFill>
+                  <a:schemeClr val="accent5"/>
+                </a:solidFill>
+              </a:endParaRPr>
+            </a:p>
+            <a:p>
+              <a:pPr algn="ctr"/>
+              <a:r>
+                <a:rPr lang="ja-JP" altLang="en-US" sz="1100" dirty="0">
+                  <a:solidFill>
+                    <a:sysClr val="windowText" lastClr="000000"/>
+                  </a:solidFill>
+                </a:rPr>
+                <a:t>任意ポート宣言</a:t>
+              </a:r>
+            </a:p>
+          </p:txBody>
+        </p:sp>
+        <p:sp>
+          <p:nvSpPr>
+            <p:cNvPr id="29" name="正方形/長方形 28"/>
+            <p:cNvSpPr/>
+            <p:nvPr/>
+          </p:nvSpPr>
+          <p:spPr>
+            <a:xfrm>
+              <a:off x="9979938" y="2602830"/>
+              <a:ext cx="1734009" cy="2056111"/>
+            </a:xfrm>
+            <a:prstGeom prst="rect">
+              <a:avLst/>
+            </a:prstGeom>
+            <a:solidFill>
+              <a:schemeClr val="bg1"/>
+            </a:solidFill>
+            <a:ln w="6350">
+              <a:solidFill>
+                <a:schemeClr val="tx1"/>
+              </a:solidFill>
+            </a:ln>
+          </p:spPr>
+          <p:style>
+            <a:lnRef idx="2">
+              <a:schemeClr val="accent1">
+                <a:shade val="50000"/>
+              </a:schemeClr>
+            </a:lnRef>
+            <a:fillRef idx="1">
+              <a:schemeClr val="accent1"/>
+            </a:fillRef>
+            <a:effectRef idx="0">
+              <a:schemeClr val="accent1"/>
+            </a:effectRef>
+            <a:fontRef idx="minor">
+              <a:schemeClr val="lt1"/>
+            </a:fontRef>
+          </p:style>
+          <p:txBody>
+            <a:bodyPr rtlCol="0" anchor="ctr"/>
+            <a:lstStyle/>
+            <a:p>
+              <a:pPr algn="ctr"/>
+              <a:r>
+                <a:rPr lang="en-US" altLang="ja-JP" sz="1200" b="1" dirty="0" err="1">
+                  <a:solidFill>
+                    <a:schemeClr val="tx1"/>
+                  </a:solidFill>
+                  <a:latin typeface="Malgun Gothic" panose="020B0503020000020004" pitchFamily="34" charset="-127"/>
+                  <a:ea typeface="Malgun Gothic" panose="020B0503020000020004" pitchFamily="34" charset="-127"/>
+                </a:rPr>
+                <a:t>s</a:t>
+              </a:r>
+              <a:r>
+                <a:rPr lang="en-US" altLang="ja-JP" sz="1200" b="1" dirty="0" err="1" smtClean="0">
+                  <a:solidFill>
+                    <a:schemeClr val="tx1"/>
+                  </a:solidFill>
+                  <a:latin typeface="Malgun Gothic" panose="020B0503020000020004" pitchFamily="34" charset="-127"/>
+                  <a:ea typeface="Malgun Gothic" panose="020B0503020000020004" pitchFamily="34" charset="-127"/>
+                </a:rPr>
+                <a:t>onic_sensor</a:t>
+              </a:r>
+              <a:endParaRPr lang="en-US" altLang="ja-JP" sz="1200" b="1" dirty="0" smtClean="0">
+                <a:solidFill>
+                  <a:schemeClr val="tx1"/>
+                </a:solidFill>
+                <a:latin typeface="Malgun Gothic" panose="020B0503020000020004" pitchFamily="34" charset="-127"/>
+                <a:ea typeface="Malgun Gothic" panose="020B0503020000020004" pitchFamily="34" charset="-127"/>
+              </a:endParaRPr>
+            </a:p>
+            <a:p>
+              <a:pPr algn="ctr"/>
+              <a:r>
+                <a:rPr kumimoji="1" lang="en-US" altLang="ja-JP" sz="1100" dirty="0" smtClean="0">
+                  <a:solidFill>
+                    <a:schemeClr val="tx1"/>
+                  </a:solidFill>
+                  <a:latin typeface="Malgun Gothic" panose="020B0503020000020004" pitchFamily="34" charset="-127"/>
+                  <a:ea typeface="Malgun Gothic" panose="020B0503020000020004" pitchFamily="34" charset="-127"/>
+                </a:rPr>
+                <a:t>(</a:t>
+              </a:r>
+              <a:r>
+                <a:rPr lang="ja-JP" altLang="en-US" sz="1100" dirty="0" smtClean="0">
+                  <a:solidFill>
+                    <a:schemeClr val="tx1"/>
+                  </a:solidFill>
+                  <a:latin typeface="+mn-ea"/>
+                </a:rPr>
+                <a:t>ユーザロジック</a:t>
+              </a:r>
+              <a:r>
+                <a:rPr kumimoji="1" lang="en-US" altLang="ja-JP" sz="1100" dirty="0" smtClean="0">
+                  <a:solidFill>
+                    <a:schemeClr val="tx1"/>
+                  </a:solidFill>
+                  <a:latin typeface="Malgun Gothic" panose="020B0503020000020004" pitchFamily="34" charset="-127"/>
+                  <a:ea typeface="Malgun Gothic" panose="020B0503020000020004" pitchFamily="34" charset="-127"/>
+                </a:rPr>
+                <a:t>)</a:t>
+              </a:r>
+              <a:endParaRPr kumimoji="1" lang="ja-JP" altLang="en-US" sz="1200" dirty="0">
+                <a:solidFill>
+                  <a:sysClr val="windowText" lastClr="000000"/>
+                </a:solidFill>
+              </a:endParaRPr>
+            </a:p>
+          </p:txBody>
+        </p:sp>
+        <p:grpSp>
+          <p:nvGrpSpPr>
+            <p:cNvPr id="30" name="グループ化 29"/>
+            <p:cNvGrpSpPr/>
+            <p:nvPr/>
+          </p:nvGrpSpPr>
+          <p:grpSpPr>
+            <a:xfrm>
+              <a:off x="7835895" y="1170014"/>
+              <a:ext cx="1455984" cy="913101"/>
+              <a:chOff x="4475739" y="123883"/>
+              <a:chExt cx="1077537" cy="638590"/>
+            </a:xfrm>
+          </p:grpSpPr>
+          <p:sp>
+            <p:nvSpPr>
+              <p:cNvPr id="51" name="角丸四角形 50"/>
+              <p:cNvSpPr/>
+              <p:nvPr/>
+            </p:nvSpPr>
+            <p:spPr>
+              <a:xfrm>
+                <a:off x="5010855" y="123883"/>
+                <a:ext cx="288503" cy="230660"/>
+              </a:xfrm>
+              <a:prstGeom prst="roundRect">
+                <a:avLst/>
+              </a:prstGeom>
+              <a:solidFill>
+                <a:schemeClr val="bg1"/>
+              </a:solidFill>
+              <a:ln w="12700">
+                <a:solidFill>
+                  <a:schemeClr val="tx1"/>
+                </a:solidFill>
+              </a:ln>
+            </p:spPr>
+            <p:style>
+              <a:lnRef idx="2">
+                <a:schemeClr val="accent1">
+                  <a:shade val="50000"/>
+                </a:schemeClr>
+              </a:lnRef>
+              <a:fillRef idx="1">
+                <a:schemeClr val="accent1"/>
+              </a:fillRef>
+              <a:effectRef idx="0">
+                <a:schemeClr val="accent1"/>
+              </a:effectRef>
+              <a:fontRef idx="minor">
+                <a:schemeClr val="lt1"/>
+              </a:fontRef>
+            </p:style>
+            <p:txBody>
+              <a:bodyPr rtlCol="0" anchor="ctr"/>
+              <a:lstStyle/>
+              <a:p>
+                <a:pPr algn="ctr"/>
+                <a:endParaRPr kumimoji="1" lang="ja-JP" altLang="en-US" sz="900"/>
+              </a:p>
+            </p:txBody>
+          </p:sp>
+          <p:sp>
+            <p:nvSpPr>
+              <p:cNvPr id="52" name="角丸四角形 51"/>
+              <p:cNvSpPr/>
+              <p:nvPr/>
+            </p:nvSpPr>
+            <p:spPr>
+              <a:xfrm>
+                <a:off x="4475739" y="416483"/>
+                <a:ext cx="508602" cy="230660"/>
+              </a:xfrm>
+              <a:prstGeom prst="roundRect">
+                <a:avLst/>
+              </a:prstGeom>
+              <a:solidFill>
+                <a:schemeClr val="bg1"/>
+              </a:solidFill>
+              <a:ln w="12700">
+                <a:solidFill>
+                  <a:schemeClr val="tx1"/>
+                </a:solidFill>
+              </a:ln>
+            </p:spPr>
+            <p:style>
+              <a:lnRef idx="2">
+                <a:schemeClr val="accent1">
+                  <a:shade val="50000"/>
+                </a:schemeClr>
+              </a:lnRef>
+              <a:fillRef idx="1">
+                <a:schemeClr val="accent1"/>
+              </a:fillRef>
+              <a:effectRef idx="0">
+                <a:schemeClr val="accent1"/>
+              </a:effectRef>
+              <a:fontRef idx="minor">
+                <a:schemeClr val="lt1"/>
+              </a:fontRef>
+            </p:style>
+            <p:txBody>
+              <a:bodyPr rtlCol="0" anchor="ctr"/>
+              <a:lstStyle/>
+              <a:p>
+                <a:pPr algn="ctr"/>
+                <a:r>
+                  <a:rPr kumimoji="1" lang="en-US" altLang="ja-JP" sz="1000" b="1" dirty="0" smtClean="0">
+                    <a:solidFill>
+                      <a:sysClr val="windowText" lastClr="000000"/>
+                    </a:solidFill>
+                  </a:rPr>
+                  <a:t>write</a:t>
+                </a:r>
+                <a:endParaRPr kumimoji="1" lang="ja-JP" altLang="en-US" sz="1000" b="1" dirty="0">
+                  <a:solidFill>
+                    <a:sysClr val="windowText" lastClr="000000"/>
+                  </a:solidFill>
+                </a:endParaRPr>
+              </a:p>
+            </p:txBody>
+          </p:sp>
+          <p:sp>
+            <p:nvSpPr>
+              <p:cNvPr id="53" name="角丸四角形 52"/>
+              <p:cNvSpPr/>
+              <p:nvPr/>
+            </p:nvSpPr>
+            <p:spPr>
+              <a:xfrm>
+                <a:off x="5082447" y="531813"/>
+                <a:ext cx="470829" cy="230660"/>
+              </a:xfrm>
+              <a:prstGeom prst="roundRect">
+                <a:avLst/>
+              </a:prstGeom>
+              <a:solidFill>
+                <a:schemeClr val="bg1"/>
+              </a:solidFill>
+              <a:ln w="12700">
+                <a:solidFill>
+                  <a:schemeClr val="tx1"/>
+                </a:solidFill>
+              </a:ln>
+            </p:spPr>
+            <p:style>
+              <a:lnRef idx="2">
+                <a:schemeClr val="accent1">
+                  <a:shade val="50000"/>
+                </a:schemeClr>
+              </a:lnRef>
+              <a:fillRef idx="1">
+                <a:schemeClr val="accent1"/>
+              </a:fillRef>
+              <a:effectRef idx="0">
+                <a:schemeClr val="accent1"/>
+              </a:effectRef>
+              <a:fontRef idx="minor">
+                <a:schemeClr val="lt1"/>
+              </a:fontRef>
+            </p:style>
+            <p:txBody>
+              <a:bodyPr rtlCol="0" anchor="ctr"/>
+              <a:lstStyle/>
+              <a:p>
+                <a:pPr algn="ctr"/>
+                <a:r>
+                  <a:rPr lang="en-US" altLang="ja-JP" sz="1000" b="1" dirty="0">
+                    <a:solidFill>
+                      <a:sysClr val="windowText" lastClr="000000"/>
+                    </a:solidFill>
+                  </a:rPr>
+                  <a:t>read</a:t>
+                </a:r>
+                <a:endParaRPr lang="ja-JP" altLang="en-US" sz="1000" b="1" dirty="0">
+                  <a:solidFill>
+                    <a:sysClr val="windowText" lastClr="000000"/>
+                  </a:solidFill>
+                </a:endParaRPr>
+              </a:p>
+            </p:txBody>
+          </p:sp>
+          <p:cxnSp>
+            <p:nvCxnSpPr>
+              <p:cNvPr id="54" name="曲線コネクタ 53"/>
+              <p:cNvCxnSpPr>
+                <a:stCxn id="51" idx="3"/>
+                <a:endCxn id="53" idx="3"/>
+              </p:cNvCxnSpPr>
+              <p:nvPr/>
+            </p:nvCxnSpPr>
+            <p:spPr>
+              <a:xfrm>
+                <a:off x="5299357" y="239213"/>
+                <a:ext cx="253919" cy="407930"/>
+              </a:xfrm>
+              <a:prstGeom prst="curvedConnector3">
+                <a:avLst>
+                  <a:gd name="adj1" fmla="val 187855"/>
+                </a:avLst>
+              </a:prstGeom>
+              <a:ln w="12700">
+                <a:solidFill>
+                  <a:schemeClr val="tx1"/>
+                </a:solidFill>
+                <a:tailEnd type="triangle"/>
+              </a:ln>
+            </p:spPr>
+            <p:style>
+              <a:lnRef idx="1">
+                <a:schemeClr val="accent1"/>
+              </a:lnRef>
+              <a:fillRef idx="0">
+                <a:schemeClr val="accent1"/>
+              </a:fillRef>
+              <a:effectRef idx="0">
+                <a:schemeClr val="accent1"/>
+              </a:effectRef>
+              <a:fontRef idx="minor">
+                <a:schemeClr val="tx1"/>
+              </a:fontRef>
+            </p:style>
+          </p:cxnSp>
+          <p:cxnSp>
+            <p:nvCxnSpPr>
+              <p:cNvPr id="55" name="曲線コネクタ 54"/>
+              <p:cNvCxnSpPr>
+                <a:stCxn id="53" idx="2"/>
+                <a:endCxn id="52" idx="2"/>
+              </p:cNvCxnSpPr>
+              <p:nvPr/>
+            </p:nvCxnSpPr>
+            <p:spPr>
+              <a:xfrm rot="5400000" flipH="1">
+                <a:off x="4966286" y="410896"/>
+                <a:ext cx="115330" cy="587824"/>
+              </a:xfrm>
+              <a:prstGeom prst="curvedConnector3">
+                <a:avLst>
+                  <a:gd name="adj1" fmla="val -180634"/>
+                </a:avLst>
+              </a:prstGeom>
+              <a:ln w="12700">
+                <a:solidFill>
+                  <a:schemeClr val="tx1"/>
+                </a:solidFill>
+                <a:tailEnd type="triangle"/>
+              </a:ln>
+            </p:spPr>
+            <p:style>
+              <a:lnRef idx="1">
+                <a:schemeClr val="accent1"/>
+              </a:lnRef>
+              <a:fillRef idx="0">
+                <a:schemeClr val="accent1"/>
+              </a:fillRef>
+              <a:effectRef idx="0">
+                <a:schemeClr val="accent1"/>
+              </a:effectRef>
+              <a:fontRef idx="minor">
+                <a:schemeClr val="tx1"/>
+              </a:fontRef>
+            </p:style>
+          </p:cxnSp>
+          <p:cxnSp>
+            <p:nvCxnSpPr>
+              <p:cNvPr id="56" name="曲線コネクタ 55"/>
+              <p:cNvCxnSpPr>
+                <a:stCxn id="52" idx="0"/>
+                <a:endCxn id="51" idx="1"/>
+              </p:cNvCxnSpPr>
+              <p:nvPr/>
+            </p:nvCxnSpPr>
+            <p:spPr>
+              <a:xfrm rot="5400000" flipH="1" flipV="1">
+                <a:off x="4781811" y="187441"/>
+                <a:ext cx="177270" cy="280815"/>
+              </a:xfrm>
+              <a:prstGeom prst="curvedConnector2">
+                <a:avLst/>
+              </a:prstGeom>
+              <a:ln w="12700">
+                <a:solidFill>
+                  <a:schemeClr val="tx1"/>
+                </a:solidFill>
+                <a:tailEnd type="triangle"/>
+              </a:ln>
+            </p:spPr>
+            <p:style>
+              <a:lnRef idx="1">
+                <a:schemeClr val="accent1"/>
+              </a:lnRef>
+              <a:fillRef idx="0">
+                <a:schemeClr val="accent1"/>
+              </a:fillRef>
+              <a:effectRef idx="0">
+                <a:schemeClr val="accent1"/>
+              </a:effectRef>
+              <a:fontRef idx="minor">
+                <a:schemeClr val="tx1"/>
+              </a:fontRef>
+            </p:style>
+          </p:cxnSp>
+        </p:grpSp>
+        <p:sp>
+          <p:nvSpPr>
+            <p:cNvPr id="31" name="四角形吹き出し 30"/>
+            <p:cNvSpPr/>
+            <p:nvPr/>
+          </p:nvSpPr>
+          <p:spPr>
+            <a:xfrm>
+              <a:off x="6919597" y="277671"/>
+              <a:ext cx="1581214" cy="720237"/>
+            </a:xfrm>
+            <a:prstGeom prst="wedgeRectCallout">
+              <a:avLst>
+                <a:gd name="adj1" fmla="val 28514"/>
+                <a:gd name="adj2" fmla="val 133874"/>
+              </a:avLst>
+            </a:prstGeom>
+            <a:solidFill>
+              <a:schemeClr val="bg1"/>
+            </a:solidFill>
+            <a:ln w="6350">
+              <a:solidFill>
+                <a:schemeClr val="tx1"/>
+              </a:solidFill>
+            </a:ln>
+          </p:spPr>
+          <p:style>
+            <a:lnRef idx="2">
+              <a:schemeClr val="accent5">
+                <a:shade val="50000"/>
+              </a:schemeClr>
+            </a:lnRef>
+            <a:fillRef idx="1">
+              <a:schemeClr val="accent5"/>
+            </a:fillRef>
+            <a:effectRef idx="0">
+              <a:schemeClr val="accent5"/>
+            </a:effectRef>
+            <a:fontRef idx="minor">
+              <a:schemeClr val="lt1"/>
+            </a:fontRef>
+          </p:style>
+          <p:txBody>
+            <a:bodyPr rtlCol="0" anchor="ctr"/>
+            <a:lstStyle/>
+            <a:p>
+              <a:pPr algn="ctr"/>
+              <a:r>
+                <a:rPr lang="en-US" altLang="ja-JP" sz="1100" b="1" dirty="0" smtClean="0">
+                  <a:solidFill>
+                    <a:schemeClr val="accent5"/>
+                  </a:solidFill>
+                </a:rPr>
+                <a:t>w_cycle_32</a:t>
+              </a:r>
+            </a:p>
+            <a:p>
+              <a:pPr algn="ctr"/>
+              <a:r>
+                <a:rPr lang="ja-JP" altLang="en-US" sz="1100" dirty="0" smtClean="0">
+                  <a:solidFill>
+                    <a:sysClr val="windowText" lastClr="000000"/>
+                  </a:solidFill>
+                </a:rPr>
+                <a:t>データ出力回数</a:t>
+              </a:r>
+              <a:endParaRPr lang="en-US" altLang="ja-JP" sz="1100" dirty="0" smtClean="0">
+                <a:solidFill>
+                  <a:sysClr val="windowText" lastClr="000000"/>
+                </a:solidFill>
+              </a:endParaRPr>
+            </a:p>
+            <a:p>
+              <a:pPr algn="ctr"/>
+              <a:r>
+                <a:rPr lang="en-US" altLang="ja-JP" sz="1100" dirty="0" smtClean="0">
+                  <a:solidFill>
+                    <a:sysClr val="windowText" lastClr="000000"/>
+                  </a:solidFill>
+                </a:rPr>
+                <a:t>FPGA</a:t>
+              </a:r>
+              <a:r>
+                <a:rPr lang="ja-JP" altLang="en-US" sz="1100" dirty="0" smtClean="0">
+                  <a:solidFill>
+                    <a:sysClr val="windowText" lastClr="000000"/>
+                  </a:solidFill>
+                </a:rPr>
+                <a:t>→</a:t>
+              </a:r>
+              <a:r>
+                <a:rPr lang="en-US" altLang="ja-JP" sz="1100" dirty="0" smtClean="0">
+                  <a:solidFill>
+                    <a:sysClr val="windowText" lastClr="000000"/>
+                  </a:solidFill>
+                </a:rPr>
+                <a:t>ARM</a:t>
+              </a:r>
+            </a:p>
+          </p:txBody>
+        </p:sp>
+        <p:sp>
+          <p:nvSpPr>
+            <p:cNvPr id="32" name="四角形吹き出し 31"/>
+            <p:cNvSpPr/>
+            <p:nvPr/>
+          </p:nvSpPr>
+          <p:spPr>
+            <a:xfrm>
+              <a:off x="9528895" y="335730"/>
+              <a:ext cx="1785118" cy="738423"/>
+            </a:xfrm>
+            <a:prstGeom prst="wedgeRectCallout">
+              <a:avLst>
+                <a:gd name="adj1" fmla="val -70403"/>
+                <a:gd name="adj2" fmla="val 158202"/>
+              </a:avLst>
+            </a:prstGeom>
+            <a:solidFill>
+              <a:schemeClr val="bg1"/>
+            </a:solidFill>
+            <a:ln w="6350">
+              <a:solidFill>
+                <a:schemeClr val="tx1"/>
+              </a:solidFill>
+            </a:ln>
+          </p:spPr>
+          <p:style>
+            <a:lnRef idx="2">
+              <a:schemeClr val="accent5">
+                <a:shade val="50000"/>
+              </a:schemeClr>
+            </a:lnRef>
+            <a:fillRef idx="1">
+              <a:schemeClr val="accent5"/>
+            </a:fillRef>
+            <a:effectRef idx="0">
+              <a:schemeClr val="accent5"/>
+            </a:effectRef>
+            <a:fontRef idx="minor">
+              <a:schemeClr val="lt1"/>
+            </a:fontRef>
+          </p:style>
+          <p:txBody>
+            <a:bodyPr rtlCol="0" anchor="ctr"/>
+            <a:lstStyle/>
+            <a:p>
+              <a:pPr algn="ctr"/>
+              <a:r>
+                <a:rPr lang="en-US" altLang="ja-JP" sz="1100" b="1" dirty="0">
+                  <a:solidFill>
+                    <a:schemeClr val="accent5"/>
+                  </a:solidFill>
+                </a:rPr>
+                <a:t>r</a:t>
+              </a:r>
+              <a:r>
+                <a:rPr lang="en-US" altLang="ja-JP" sz="1100" b="1" dirty="0" smtClean="0">
+                  <a:solidFill>
+                    <a:schemeClr val="accent5"/>
+                  </a:solidFill>
+                </a:rPr>
+                <a:t>_cycle_32</a:t>
+              </a:r>
+            </a:p>
+            <a:p>
+              <a:pPr algn="ctr"/>
+              <a:r>
+                <a:rPr lang="ja-JP" altLang="en-US" sz="1100" dirty="0" smtClean="0">
+                  <a:solidFill>
+                    <a:sysClr val="windowText" lastClr="000000"/>
+                  </a:solidFill>
+                </a:rPr>
+                <a:t>データ入力</a:t>
+              </a:r>
+              <a:endParaRPr lang="en-US" altLang="ja-JP" sz="1100" dirty="0" smtClean="0">
+                <a:solidFill>
+                  <a:sysClr val="windowText" lastClr="000000"/>
+                </a:solidFill>
+              </a:endParaRPr>
+            </a:p>
+            <a:p>
+              <a:pPr algn="ctr"/>
+              <a:r>
+                <a:rPr lang="en-US" altLang="ja-JP" sz="1100" dirty="0" smtClean="0">
+                  <a:solidFill>
+                    <a:sysClr val="windowText" lastClr="000000"/>
+                  </a:solidFill>
+                </a:rPr>
+                <a:t>ARM</a:t>
+              </a:r>
+              <a:r>
+                <a:rPr lang="ja-JP" altLang="en-US" sz="1100" dirty="0" smtClean="0">
+                  <a:solidFill>
+                    <a:sysClr val="windowText" lastClr="000000"/>
+                  </a:solidFill>
+                </a:rPr>
+                <a:t>→</a:t>
+              </a:r>
+              <a:r>
+                <a:rPr lang="en-US" altLang="ja-JP" sz="1100" dirty="0" smtClean="0">
+                  <a:solidFill>
+                    <a:sysClr val="windowText" lastClr="000000"/>
+                  </a:solidFill>
+                </a:rPr>
+                <a:t>FPGA</a:t>
+              </a:r>
+            </a:p>
+          </p:txBody>
+        </p:sp>
+        <p:sp>
+          <p:nvSpPr>
+            <p:cNvPr id="33" name="四角形吹き出し 32"/>
+            <p:cNvSpPr/>
+            <p:nvPr/>
+          </p:nvSpPr>
+          <p:spPr>
+            <a:xfrm>
+              <a:off x="10026273" y="1336622"/>
+              <a:ext cx="1758067" cy="757925"/>
+            </a:xfrm>
+            <a:prstGeom prst="wedgeRectCallout">
+              <a:avLst>
+                <a:gd name="adj1" fmla="val -107305"/>
+                <a:gd name="adj2" fmla="val 66676"/>
+              </a:avLst>
+            </a:prstGeom>
+            <a:solidFill>
+              <a:schemeClr val="bg1"/>
+            </a:solidFill>
+            <a:ln w="6350">
+              <a:solidFill>
+                <a:schemeClr val="tx1"/>
+              </a:solidFill>
+            </a:ln>
+          </p:spPr>
+          <p:style>
+            <a:lnRef idx="2">
+              <a:schemeClr val="accent5">
+                <a:shade val="50000"/>
+              </a:schemeClr>
+            </a:lnRef>
+            <a:fillRef idx="1">
+              <a:schemeClr val="accent5"/>
+            </a:fillRef>
+            <a:effectRef idx="0">
+              <a:schemeClr val="accent5"/>
+            </a:effectRef>
+            <a:fontRef idx="minor">
+              <a:schemeClr val="lt1"/>
+            </a:fontRef>
+          </p:style>
+          <p:txBody>
+            <a:bodyPr rtlCol="0" anchor="ctr"/>
+            <a:lstStyle/>
+            <a:p>
+              <a:pPr algn="ctr"/>
+              <a:r>
+                <a:rPr lang="en-US" altLang="ja-JP" sz="1100" b="1" dirty="0" smtClean="0">
+                  <a:solidFill>
+                    <a:schemeClr val="accent5"/>
+                  </a:solidFill>
+                </a:rPr>
+                <a:t>rw_condition_32 </a:t>
+              </a:r>
+            </a:p>
+            <a:p>
+              <a:pPr algn="ctr"/>
+              <a:r>
+                <a:rPr lang="ja-JP" altLang="en-US" sz="1100" dirty="0">
+                  <a:solidFill>
+                    <a:sysClr val="windowText" lastClr="000000"/>
+                  </a:solidFill>
+                </a:rPr>
+                <a:t>入力</a:t>
+              </a:r>
+              <a:r>
+                <a:rPr lang="en-US" altLang="ja-JP" sz="1100" dirty="0">
+                  <a:solidFill>
+                    <a:sysClr val="windowText" lastClr="000000"/>
+                  </a:solidFill>
+                </a:rPr>
+                <a:t>/</a:t>
+              </a:r>
+              <a:r>
+                <a:rPr lang="ja-JP" altLang="en-US" sz="1100" dirty="0">
+                  <a:solidFill>
+                    <a:sysClr val="windowText" lastClr="000000"/>
+                  </a:solidFill>
+                </a:rPr>
+                <a:t>出力</a:t>
+              </a:r>
+              <a:r>
+                <a:rPr lang="ja-JP" altLang="en-US" sz="1100" dirty="0" smtClean="0">
+                  <a:solidFill>
+                    <a:sysClr val="windowText" lastClr="000000"/>
+                  </a:solidFill>
+                </a:rPr>
+                <a:t>モード</a:t>
+              </a:r>
+              <a:endParaRPr lang="en-US" altLang="ja-JP" sz="1100" dirty="0" smtClean="0">
+                <a:solidFill>
+                  <a:sysClr val="windowText" lastClr="000000"/>
+                </a:solidFill>
+              </a:endParaRPr>
+            </a:p>
+            <a:p>
+              <a:pPr algn="ctr"/>
+              <a:r>
+                <a:rPr lang="ja-JP" altLang="en-US" sz="1100" dirty="0" smtClean="0">
+                  <a:solidFill>
+                    <a:sysClr val="windowText" lastClr="000000"/>
+                  </a:solidFill>
+                </a:rPr>
+                <a:t>切替</a:t>
+              </a:r>
+              <a:r>
+                <a:rPr lang="ja-JP" altLang="en-US" sz="1100" dirty="0">
+                  <a:solidFill>
+                    <a:sysClr val="windowText" lastClr="000000"/>
+                  </a:solidFill>
+                </a:rPr>
+                <a:t>条件</a:t>
+              </a:r>
+            </a:p>
+          </p:txBody>
+        </p:sp>
+        <p:sp>
+          <p:nvSpPr>
+            <p:cNvPr id="34" name="四角形吹き出し 33"/>
+            <p:cNvSpPr/>
+            <p:nvPr/>
+          </p:nvSpPr>
+          <p:spPr>
+            <a:xfrm>
+              <a:off x="9908443" y="4803620"/>
+              <a:ext cx="1875897" cy="884658"/>
+            </a:xfrm>
+            <a:prstGeom prst="wedgeRectCallout">
+              <a:avLst>
+                <a:gd name="adj1" fmla="val -27680"/>
+                <a:gd name="adj2" fmla="val -85130"/>
+              </a:avLst>
+            </a:prstGeom>
+            <a:solidFill>
+              <a:schemeClr val="bg1"/>
+            </a:solidFill>
+            <a:ln w="6350">
+              <a:solidFill>
+                <a:schemeClr val="tx1"/>
+              </a:solidFill>
+            </a:ln>
+          </p:spPr>
+          <p:style>
+            <a:lnRef idx="2">
+              <a:schemeClr val="accent5">
+                <a:shade val="50000"/>
+              </a:schemeClr>
+            </a:lnRef>
+            <a:fillRef idx="1">
+              <a:schemeClr val="accent5"/>
+            </a:fillRef>
+            <a:effectRef idx="0">
+              <a:schemeClr val="accent5"/>
+            </a:effectRef>
+            <a:fontRef idx="minor">
+              <a:schemeClr val="lt1"/>
+            </a:fontRef>
+          </p:style>
+          <p:txBody>
+            <a:bodyPr rtlCol="0" anchor="ctr"/>
+            <a:lstStyle/>
+            <a:p>
+              <a:pPr algn="ctr"/>
+              <a:r>
+                <a:rPr lang="en-US" altLang="ja-JP" sz="1100" b="1" dirty="0" err="1" smtClean="0">
+                  <a:solidFill>
+                    <a:schemeClr val="accent5"/>
+                  </a:solidFill>
+                  <a:ea typeface="Malgun Gothic" panose="020B0503020000020004" pitchFamily="34" charset="-127"/>
+                </a:rPr>
+                <a:t>sub_module_name</a:t>
+              </a:r>
+              <a:endParaRPr lang="en-US" altLang="ja-JP" sz="1100" b="1" dirty="0" smtClean="0">
+                <a:solidFill>
+                  <a:schemeClr val="accent5"/>
+                </a:solidFill>
+                <a:ea typeface="Malgun Gothic" panose="020B0503020000020004" pitchFamily="34" charset="-127"/>
+              </a:endParaRPr>
+            </a:p>
+            <a:p>
+              <a:pPr algn="ctr"/>
+              <a:r>
+                <a:rPr lang="en-US" altLang="ja-JP" sz="1100" dirty="0" err="1" smtClean="0">
+                  <a:solidFill>
+                    <a:schemeClr val="tx1"/>
+                  </a:solidFill>
+                  <a:latin typeface="+mn-ea"/>
+                </a:rPr>
+                <a:t>Scrp</a:t>
+              </a:r>
+              <a:r>
+                <a:rPr lang="ja-JP" altLang="en-US" sz="1100" dirty="0" smtClean="0">
+                  <a:solidFill>
+                    <a:schemeClr val="tx1"/>
+                  </a:solidFill>
+                  <a:latin typeface="+mn-ea"/>
+                </a:rPr>
+                <a:t>で指定されたユーザロジック</a:t>
+              </a:r>
+              <a:endParaRPr lang="en-US" altLang="ja-JP" sz="1100" dirty="0" smtClean="0">
+                <a:solidFill>
+                  <a:schemeClr val="tx1"/>
+                </a:solidFill>
+                <a:latin typeface="+mn-ea"/>
+              </a:endParaRPr>
+            </a:p>
+          </p:txBody>
+        </p:sp>
+        <p:sp>
+          <p:nvSpPr>
+            <p:cNvPr id="35" name="正方形/長方形 34"/>
+            <p:cNvSpPr/>
+            <p:nvPr/>
+          </p:nvSpPr>
+          <p:spPr>
+            <a:xfrm>
+              <a:off x="4558171" y="824800"/>
+              <a:ext cx="951597" cy="401051"/>
+            </a:xfrm>
+            <a:prstGeom prst="rect">
+              <a:avLst/>
+            </a:prstGeom>
+          </p:spPr>
+          <p:txBody>
+            <a:bodyPr wrap="none">
+              <a:spAutoFit/>
+            </a:bodyPr>
+            <a:lstStyle/>
+            <a:p>
+              <a:r>
+                <a:rPr lang="en-US" altLang="ja-JP" sz="1400" dirty="0" smtClean="0">
+                  <a:solidFill>
+                    <a:sysClr val="windowText" lastClr="000000"/>
+                  </a:solidFill>
+                </a:rPr>
+                <a:t>Sensor</a:t>
+              </a:r>
+              <a:endParaRPr lang="ja-JP" altLang="en-US" sz="1400" dirty="0">
+                <a:solidFill>
+                  <a:sysClr val="windowText" lastClr="000000"/>
+                </a:solidFill>
+              </a:endParaRPr>
+            </a:p>
+          </p:txBody>
+        </p:sp>
+        <p:sp>
+          <p:nvSpPr>
+            <p:cNvPr id="36" name="四角形吹き出し 35"/>
+            <p:cNvSpPr/>
+            <p:nvPr/>
+          </p:nvSpPr>
+          <p:spPr>
+            <a:xfrm>
+              <a:off x="3409642" y="4089694"/>
+              <a:ext cx="1808016" cy="676788"/>
+            </a:xfrm>
+            <a:prstGeom prst="wedgeRectCallout">
+              <a:avLst>
+                <a:gd name="adj1" fmla="val 20611"/>
+                <a:gd name="adj2" fmla="val -89637"/>
+              </a:avLst>
+            </a:prstGeom>
+            <a:solidFill>
+              <a:schemeClr val="bg1"/>
+            </a:solidFill>
+            <a:ln w="6350">
+              <a:solidFill>
+                <a:schemeClr val="tx1"/>
+              </a:solidFill>
+            </a:ln>
+          </p:spPr>
+          <p:style>
+            <a:lnRef idx="2">
+              <a:schemeClr val="accent5">
+                <a:shade val="50000"/>
+              </a:schemeClr>
+            </a:lnRef>
+            <a:fillRef idx="1">
+              <a:schemeClr val="accent5"/>
+            </a:fillRef>
+            <a:effectRef idx="0">
+              <a:schemeClr val="accent5"/>
+            </a:effectRef>
+            <a:fontRef idx="minor">
+              <a:schemeClr val="lt1"/>
+            </a:fontRef>
+          </p:style>
+          <p:txBody>
+            <a:bodyPr rtlCol="0" anchor="ctr"/>
+            <a:lstStyle/>
+            <a:p>
+              <a:pPr algn="ctr"/>
+              <a:r>
+                <a:rPr kumimoji="1" lang="ja-JP" altLang="en-US" sz="1000" dirty="0" smtClean="0">
+                  <a:solidFill>
+                    <a:sysClr val="windowText" lastClr="000000"/>
+                  </a:solidFill>
+                </a:rPr>
+                <a:t>制御回路へアクセスするための記述</a:t>
+              </a:r>
+              <a:endParaRPr kumimoji="1" lang="en-US" altLang="ja-JP" sz="1000" dirty="0" smtClean="0">
+                <a:solidFill>
+                  <a:sysClr val="windowText" lastClr="000000"/>
+                </a:solidFill>
+              </a:endParaRPr>
+            </a:p>
+            <a:p>
+              <a:pPr algn="ctr"/>
+              <a:r>
+                <a:rPr kumimoji="1" lang="en-US" altLang="ja-JP" sz="1000" dirty="0" smtClean="0">
+                  <a:solidFill>
+                    <a:sysClr val="windowText" lastClr="000000"/>
+                  </a:solidFill>
+                </a:rPr>
+                <a:t>C++</a:t>
+              </a:r>
+              <a:endParaRPr kumimoji="1" lang="ja-JP" altLang="en-US" sz="1000" dirty="0">
+                <a:solidFill>
+                  <a:sysClr val="windowText" lastClr="000000"/>
+                </a:solidFill>
+              </a:endParaRPr>
+            </a:p>
+          </p:txBody>
+        </p:sp>
+        <p:sp>
+          <p:nvSpPr>
+            <p:cNvPr id="37" name="四角形吹き出し 36"/>
+            <p:cNvSpPr/>
+            <p:nvPr/>
+          </p:nvSpPr>
+          <p:spPr>
+            <a:xfrm>
+              <a:off x="6808904" y="4590635"/>
+              <a:ext cx="1594940" cy="672841"/>
+            </a:xfrm>
+            <a:prstGeom prst="wedgeRectCallout">
+              <a:avLst>
+                <a:gd name="adj1" fmla="val 17620"/>
+                <a:gd name="adj2" fmla="val -167896"/>
+              </a:avLst>
+            </a:prstGeom>
+            <a:solidFill>
+              <a:schemeClr val="bg1"/>
+            </a:solidFill>
+            <a:ln w="6350">
+              <a:solidFill>
+                <a:schemeClr val="tx1"/>
+              </a:solidFill>
+            </a:ln>
+          </p:spPr>
+          <p:style>
+            <a:lnRef idx="2">
+              <a:schemeClr val="accent5">
+                <a:shade val="50000"/>
+              </a:schemeClr>
+            </a:lnRef>
+            <a:fillRef idx="1">
+              <a:schemeClr val="accent5"/>
+            </a:fillRef>
+            <a:effectRef idx="0">
+              <a:schemeClr val="accent5"/>
+            </a:effectRef>
+            <a:fontRef idx="minor">
+              <a:schemeClr val="lt1"/>
+            </a:fontRef>
+          </p:style>
+          <p:txBody>
+            <a:bodyPr rtlCol="0" anchor="ctr"/>
+            <a:lstStyle/>
+            <a:p>
+              <a:pPr algn="ctr"/>
+              <a:r>
+                <a:rPr lang="en-US" altLang="ja-JP" sz="1100" b="1" dirty="0" smtClean="0">
+                  <a:solidFill>
+                    <a:schemeClr val="accent5"/>
+                  </a:solidFill>
+                </a:rPr>
+                <a:t>make_32_alw </a:t>
+              </a:r>
+            </a:p>
+            <a:p>
+              <a:pPr algn="ctr"/>
+              <a:r>
+                <a:rPr lang="ja-JP" altLang="en-US" sz="1100" dirty="0" smtClean="0">
+                  <a:solidFill>
+                    <a:sysClr val="windowText" lastClr="000000"/>
+                  </a:solidFill>
+                </a:rPr>
+                <a:t>ステートマシン生成</a:t>
+              </a:r>
+              <a:endParaRPr kumimoji="1" lang="en-US" altLang="ja-JP" sz="1100" dirty="0" smtClean="0">
+                <a:solidFill>
+                  <a:sysClr val="windowText" lastClr="000000"/>
+                </a:solidFill>
+              </a:endParaRPr>
+            </a:p>
+          </p:txBody>
+        </p:sp>
+        <p:sp>
+          <p:nvSpPr>
+            <p:cNvPr id="38" name="正方形/長方形 37"/>
+            <p:cNvSpPr/>
+            <p:nvPr/>
+          </p:nvSpPr>
+          <p:spPr>
+            <a:xfrm>
+              <a:off x="3238796" y="5357682"/>
+              <a:ext cx="2168000" cy="441155"/>
+            </a:xfrm>
+            <a:prstGeom prst="rect">
+              <a:avLst/>
+            </a:prstGeom>
+          </p:spPr>
+          <p:txBody>
+            <a:bodyPr wrap="none">
+              <a:spAutoFit/>
+            </a:bodyPr>
+            <a:lstStyle/>
+            <a:p>
+              <a:r>
+                <a:rPr lang="en-US" altLang="ja-JP" sz="1600" b="1" dirty="0" smtClean="0">
+                  <a:solidFill>
+                    <a:sysClr val="windowText" lastClr="000000"/>
+                  </a:solidFill>
+                </a:rPr>
+                <a:t>ARM processor</a:t>
+              </a:r>
+              <a:endParaRPr lang="ja-JP" altLang="en-US" sz="1600" b="1" dirty="0">
+                <a:solidFill>
+                  <a:sysClr val="windowText" lastClr="000000"/>
+                </a:solidFill>
+              </a:endParaRPr>
+            </a:p>
+          </p:txBody>
+        </p:sp>
+        <p:sp>
+          <p:nvSpPr>
+            <p:cNvPr id="39" name="正方形/長方形 38"/>
+            <p:cNvSpPr/>
+            <p:nvPr/>
+          </p:nvSpPr>
+          <p:spPr>
+            <a:xfrm>
+              <a:off x="7710205" y="5365046"/>
+              <a:ext cx="936040" cy="441155"/>
+            </a:xfrm>
+            <a:prstGeom prst="rect">
+              <a:avLst/>
+            </a:prstGeom>
+          </p:spPr>
+          <p:txBody>
+            <a:bodyPr wrap="none">
+              <a:spAutoFit/>
+            </a:bodyPr>
+            <a:lstStyle/>
+            <a:p>
+              <a:r>
+                <a:rPr lang="en-US" altLang="ja-JP" sz="1600" b="1" dirty="0" smtClean="0">
+                  <a:solidFill>
+                    <a:sysClr val="windowText" lastClr="000000"/>
+                  </a:solidFill>
+                </a:rPr>
+                <a:t>FPGA</a:t>
+              </a:r>
+              <a:endParaRPr lang="ja-JP" altLang="en-US" sz="1600" b="1" dirty="0">
+                <a:solidFill>
+                  <a:sysClr val="windowText" lastClr="000000"/>
+                </a:solidFill>
+              </a:endParaRPr>
+            </a:p>
+          </p:txBody>
+        </p:sp>
+        <p:sp>
+          <p:nvSpPr>
+            <p:cNvPr id="40" name="正方形/長方形 39"/>
+            <p:cNvSpPr/>
+            <p:nvPr/>
+          </p:nvSpPr>
+          <p:spPr>
+            <a:xfrm>
+              <a:off x="553388" y="5332549"/>
+              <a:ext cx="2146018" cy="441155"/>
+            </a:xfrm>
+            <a:prstGeom prst="rect">
+              <a:avLst/>
+            </a:prstGeom>
+          </p:spPr>
+          <p:txBody>
+            <a:bodyPr wrap="none">
+              <a:spAutoFit/>
+            </a:bodyPr>
+            <a:lstStyle/>
+            <a:p>
+              <a:r>
+                <a:rPr lang="en-US" altLang="ja-JP" sz="1600" b="1" dirty="0" smtClean="0">
+                  <a:solidFill>
+                    <a:sysClr val="windowText" lastClr="000000"/>
+                  </a:solidFill>
+                </a:rPr>
+                <a:t>Sample of </a:t>
+              </a:r>
+              <a:r>
+                <a:rPr lang="en-US" altLang="ja-JP" sz="1600" b="1" dirty="0" err="1" smtClean="0">
+                  <a:solidFill>
+                    <a:sysClr val="windowText" lastClr="000000"/>
+                  </a:solidFill>
+                </a:rPr>
+                <a:t>Scrp</a:t>
+              </a:r>
+              <a:endParaRPr lang="ja-JP" altLang="en-US" sz="1600" b="1" dirty="0">
+                <a:solidFill>
+                  <a:sysClr val="windowText" lastClr="000000"/>
+                </a:solidFill>
+              </a:endParaRPr>
+            </a:p>
+          </p:txBody>
+        </p:sp>
+        <p:cxnSp>
+          <p:nvCxnSpPr>
+            <p:cNvPr id="41" name="直線コネクタ 40"/>
+            <p:cNvCxnSpPr/>
+            <p:nvPr/>
+          </p:nvCxnSpPr>
+          <p:spPr>
+            <a:xfrm>
+              <a:off x="8587292" y="3045146"/>
+              <a:ext cx="135088" cy="201999"/>
+            </a:xfrm>
+            <a:prstGeom prst="line">
+              <a:avLst/>
+            </a:prstGeom>
+            <a:ln w="19050">
+              <a:solidFill>
+                <a:schemeClr val="tx1"/>
+              </a:solidFill>
+            </a:ln>
+          </p:spPr>
+          <p:style>
+            <a:lnRef idx="1">
+              <a:schemeClr val="accent1"/>
+            </a:lnRef>
+            <a:fillRef idx="0">
+              <a:schemeClr val="accent1"/>
+            </a:fillRef>
+            <a:effectRef idx="0">
+              <a:schemeClr val="accent1"/>
+            </a:effectRef>
+            <a:fontRef idx="minor">
+              <a:schemeClr val="tx1"/>
+            </a:fontRef>
+          </p:style>
+        </p:cxnSp>
+        <p:sp>
+          <p:nvSpPr>
+            <p:cNvPr id="42" name="正方形/長方形 41"/>
+            <p:cNvSpPr/>
+            <p:nvPr/>
+          </p:nvSpPr>
+          <p:spPr>
+            <a:xfrm>
+              <a:off x="9145046" y="2897907"/>
+              <a:ext cx="922185" cy="330867"/>
+            </a:xfrm>
+            <a:prstGeom prst="rect">
+              <a:avLst/>
+            </a:prstGeom>
+          </p:spPr>
+          <p:txBody>
+            <a:bodyPr wrap="square">
+              <a:spAutoFit/>
+            </a:bodyPr>
+            <a:lstStyle/>
+            <a:p>
+              <a:pPr algn="r"/>
+              <a:r>
+                <a:rPr lang="en-US" altLang="ja-JP" sz="1050" dirty="0" err="1" smtClean="0">
+                  <a:latin typeface="Malgun Gothic" panose="020B0503020000020004" pitchFamily="34" charset="-127"/>
+                  <a:ea typeface="Malgun Gothic" panose="020B0503020000020004" pitchFamily="34" charset="-127"/>
+                </a:rPr>
+                <a:t>req_in</a:t>
+              </a:r>
+              <a:endParaRPr lang="ja-JP" altLang="en-US" sz="1050" dirty="0"/>
+            </a:p>
+          </p:txBody>
+        </p:sp>
+        <p:sp>
+          <p:nvSpPr>
+            <p:cNvPr id="43" name="正方形/長方形 42"/>
+            <p:cNvSpPr/>
+            <p:nvPr/>
+          </p:nvSpPr>
+          <p:spPr>
+            <a:xfrm>
+              <a:off x="8573274" y="3255659"/>
+              <a:ext cx="1501206" cy="330867"/>
+            </a:xfrm>
+            <a:prstGeom prst="rect">
+              <a:avLst/>
+            </a:prstGeom>
+          </p:spPr>
+          <p:txBody>
+            <a:bodyPr wrap="square">
+              <a:spAutoFit/>
+            </a:bodyPr>
+            <a:lstStyle/>
+            <a:p>
+              <a:pPr algn="r"/>
+              <a:r>
+                <a:rPr lang="en-US" altLang="ja-JP" sz="1050" dirty="0" err="1" smtClean="0">
+                  <a:latin typeface="Malgun Gothic" panose="020B0503020000020004" pitchFamily="34" charset="-127"/>
+                  <a:ea typeface="Malgun Gothic" panose="020B0503020000020004" pitchFamily="34" charset="-127"/>
+                </a:rPr>
+                <a:t>sensor_data</a:t>
+              </a:r>
+              <a:endParaRPr lang="ja-JP" altLang="en-US" sz="1050" dirty="0"/>
+            </a:p>
+          </p:txBody>
+        </p:sp>
+        <p:sp>
+          <p:nvSpPr>
+            <p:cNvPr id="44" name="正方形/長方形 43"/>
+            <p:cNvSpPr/>
+            <p:nvPr/>
+          </p:nvSpPr>
+          <p:spPr>
+            <a:xfrm>
+              <a:off x="8604293" y="3247569"/>
+              <a:ext cx="408370" cy="300787"/>
+            </a:xfrm>
+            <a:prstGeom prst="rect">
+              <a:avLst/>
+            </a:prstGeom>
+          </p:spPr>
+          <p:txBody>
+            <a:bodyPr wrap="none">
+              <a:spAutoFit/>
+            </a:bodyPr>
+            <a:lstStyle/>
+            <a:p>
+              <a:r>
+                <a:rPr lang="en-US" altLang="ja-JP" sz="900" dirty="0" smtClean="0">
+                  <a:solidFill>
+                    <a:sysClr val="windowText" lastClr="000000"/>
+                  </a:solidFill>
+                </a:rPr>
+                <a:t>32</a:t>
+              </a:r>
+              <a:endParaRPr lang="ja-JP" altLang="en-US" sz="900" dirty="0">
+                <a:solidFill>
+                  <a:sysClr val="windowText" lastClr="000000"/>
+                </a:solidFill>
+              </a:endParaRPr>
+            </a:p>
+          </p:txBody>
+        </p:sp>
+        <p:sp>
+          <p:nvSpPr>
+            <p:cNvPr id="45" name="正方形/長方形 44"/>
+            <p:cNvSpPr/>
+            <p:nvPr/>
+          </p:nvSpPr>
+          <p:spPr>
+            <a:xfrm>
+              <a:off x="8612569" y="2866093"/>
+              <a:ext cx="408370" cy="300787"/>
+            </a:xfrm>
+            <a:prstGeom prst="rect">
+              <a:avLst/>
+            </a:prstGeom>
+          </p:spPr>
+          <p:txBody>
+            <a:bodyPr wrap="none">
+              <a:spAutoFit/>
+            </a:bodyPr>
+            <a:lstStyle/>
+            <a:p>
+              <a:r>
+                <a:rPr lang="en-US" altLang="ja-JP" sz="900" dirty="0" smtClean="0">
+                  <a:solidFill>
+                    <a:sysClr val="windowText" lastClr="000000"/>
+                  </a:solidFill>
+                </a:rPr>
+                <a:t>32</a:t>
+              </a:r>
+              <a:endParaRPr lang="ja-JP" altLang="en-US" sz="900" dirty="0">
+                <a:solidFill>
+                  <a:sysClr val="windowText" lastClr="000000"/>
+                </a:solidFill>
+              </a:endParaRPr>
+            </a:p>
+          </p:txBody>
+        </p:sp>
+        <p:sp>
+          <p:nvSpPr>
+            <p:cNvPr id="46" name="正方形/長方形 45"/>
+            <p:cNvSpPr/>
+            <p:nvPr/>
+          </p:nvSpPr>
+          <p:spPr>
+            <a:xfrm>
+              <a:off x="8765092" y="3967881"/>
+              <a:ext cx="1287283" cy="370971"/>
+            </a:xfrm>
+            <a:prstGeom prst="rect">
+              <a:avLst/>
+            </a:prstGeom>
+          </p:spPr>
+          <p:txBody>
+            <a:bodyPr wrap="square">
+              <a:spAutoFit/>
+            </a:bodyPr>
+            <a:lstStyle/>
+            <a:p>
+              <a:pPr algn="r">
+                <a:lnSpc>
+                  <a:spcPts val="1450"/>
+                </a:lnSpc>
+              </a:pPr>
+              <a:r>
+                <a:rPr lang="en-US" altLang="ja-JP" sz="1050" dirty="0" err="1" smtClean="0">
+                  <a:latin typeface="Malgun Gothic" panose="020B0503020000020004" pitchFamily="34" charset="-127"/>
+                  <a:ea typeface="Malgun Gothic" panose="020B0503020000020004" pitchFamily="34" charset="-127"/>
+                </a:rPr>
+                <a:t>finish_flag</a:t>
+              </a:r>
+              <a:endParaRPr lang="en-US" altLang="ja-JP" sz="1050" dirty="0">
+                <a:latin typeface="Malgun Gothic" panose="020B0503020000020004" pitchFamily="34" charset="-127"/>
+                <a:ea typeface="Malgun Gothic" panose="020B0503020000020004" pitchFamily="34" charset="-127"/>
+              </a:endParaRPr>
+            </a:p>
+          </p:txBody>
+        </p:sp>
+        <p:sp>
+          <p:nvSpPr>
+            <p:cNvPr id="47" name="正方形/長方形 46"/>
+            <p:cNvSpPr/>
+            <p:nvPr/>
+          </p:nvSpPr>
+          <p:spPr>
+            <a:xfrm>
+              <a:off x="8830842" y="3617855"/>
+              <a:ext cx="1221531" cy="370971"/>
+            </a:xfrm>
+            <a:prstGeom prst="rect">
+              <a:avLst/>
+            </a:prstGeom>
+          </p:spPr>
+          <p:txBody>
+            <a:bodyPr wrap="square">
+              <a:spAutoFit/>
+            </a:bodyPr>
+            <a:lstStyle/>
+            <a:p>
+              <a:pPr algn="r">
+                <a:lnSpc>
+                  <a:spcPts val="1450"/>
+                </a:lnSpc>
+              </a:pPr>
+              <a:r>
+                <a:rPr lang="en-US" altLang="ja-JP" sz="1050" dirty="0" err="1" smtClean="0">
+                  <a:latin typeface="Malgun Gothic" panose="020B0503020000020004" pitchFamily="34" charset="-127"/>
+                  <a:ea typeface="Malgun Gothic" panose="020B0503020000020004" pitchFamily="34" charset="-127"/>
+                </a:rPr>
+                <a:t>busy_flag</a:t>
+              </a:r>
+              <a:endParaRPr lang="en-US" altLang="ja-JP" sz="1050" dirty="0">
+                <a:latin typeface="Malgun Gothic" panose="020B0503020000020004" pitchFamily="34" charset="-127"/>
+                <a:ea typeface="Malgun Gothic" panose="020B0503020000020004" pitchFamily="34" charset="-127"/>
+              </a:endParaRPr>
+            </a:p>
+          </p:txBody>
+        </p:sp>
+        <p:cxnSp>
+          <p:nvCxnSpPr>
+            <p:cNvPr id="48" name="直線コネクタ 47"/>
+            <p:cNvCxnSpPr/>
+            <p:nvPr/>
+          </p:nvCxnSpPr>
+          <p:spPr>
+            <a:xfrm>
+              <a:off x="8316951" y="3910004"/>
+              <a:ext cx="1662083" cy="0"/>
+            </a:xfrm>
+            <a:prstGeom prst="line">
+              <a:avLst/>
+            </a:prstGeom>
+            <a:ln w="19050">
+              <a:solidFill>
+                <a:schemeClr val="tx1"/>
+              </a:solidFill>
+            </a:ln>
+          </p:spPr>
+          <p:style>
+            <a:lnRef idx="1">
+              <a:schemeClr val="accent1"/>
+            </a:lnRef>
+            <a:fillRef idx="0">
+              <a:schemeClr val="accent1"/>
+            </a:fillRef>
+            <a:effectRef idx="0">
+              <a:schemeClr val="accent1"/>
+            </a:effectRef>
+            <a:fontRef idx="minor">
+              <a:schemeClr val="tx1"/>
+            </a:fontRef>
+          </p:style>
+        </p:cxnSp>
+        <p:cxnSp>
+          <p:nvCxnSpPr>
+            <p:cNvPr id="49" name="直線コネクタ 48"/>
+            <p:cNvCxnSpPr/>
+            <p:nvPr/>
+          </p:nvCxnSpPr>
+          <p:spPr>
+            <a:xfrm>
+              <a:off x="8249226" y="4254820"/>
+              <a:ext cx="1729808" cy="0"/>
+            </a:xfrm>
+            <a:prstGeom prst="line">
+              <a:avLst/>
+            </a:prstGeom>
+            <a:ln w="19050">
+              <a:solidFill>
+                <a:schemeClr val="tx1"/>
+              </a:solidFill>
+            </a:ln>
+          </p:spPr>
+          <p:style>
+            <a:lnRef idx="1">
+              <a:schemeClr val="accent1"/>
+            </a:lnRef>
+            <a:fillRef idx="0">
+              <a:schemeClr val="accent1"/>
+            </a:fillRef>
+            <a:effectRef idx="0">
+              <a:schemeClr val="accent1"/>
+            </a:effectRef>
+            <a:fontRef idx="minor">
+              <a:schemeClr val="tx1"/>
+            </a:fontRef>
+          </p:style>
+        </p:cxnSp>
+        <p:sp>
+          <p:nvSpPr>
+            <p:cNvPr id="50" name="四角形吹き出し 49"/>
+            <p:cNvSpPr/>
+            <p:nvPr/>
+          </p:nvSpPr>
+          <p:spPr>
+            <a:xfrm>
+              <a:off x="8558953" y="4680397"/>
+              <a:ext cx="1110353" cy="565552"/>
+            </a:xfrm>
+            <a:prstGeom prst="wedgeRectCallout">
+              <a:avLst>
+                <a:gd name="adj1" fmla="val 10940"/>
+                <a:gd name="adj2" fmla="val -145350"/>
+              </a:avLst>
+            </a:prstGeom>
+            <a:solidFill>
+              <a:schemeClr val="bg1"/>
+            </a:solidFill>
+            <a:ln w="6350">
+              <a:solidFill>
+                <a:schemeClr val="tx1"/>
+              </a:solidFill>
+            </a:ln>
+          </p:spPr>
+          <p:style>
+            <a:lnRef idx="2">
+              <a:schemeClr val="accent5">
+                <a:shade val="50000"/>
+              </a:schemeClr>
+            </a:lnRef>
+            <a:fillRef idx="1">
+              <a:schemeClr val="accent5"/>
+            </a:fillRef>
+            <a:effectRef idx="0">
+              <a:schemeClr val="accent5"/>
+            </a:effectRef>
+            <a:fontRef idx="minor">
+              <a:schemeClr val="lt1"/>
+            </a:fontRef>
+          </p:style>
+          <p:txBody>
+            <a:bodyPr rtlCol="0" anchor="ctr"/>
+            <a:lstStyle/>
+            <a:p>
+              <a:pPr algn="ctr"/>
+              <a:r>
+                <a:rPr lang="en-US" altLang="ja-JP" sz="1100" b="1" dirty="0" err="1" smtClean="0">
+                  <a:solidFill>
+                    <a:schemeClr val="accent5"/>
+                  </a:solidFill>
+                </a:rPr>
+                <a:t>reg_list</a:t>
+              </a:r>
+              <a:endParaRPr lang="en-US" altLang="ja-JP" sz="1100" b="1" dirty="0" smtClean="0">
+                <a:solidFill>
+                  <a:schemeClr val="accent5"/>
+                </a:solidFill>
+              </a:endParaRPr>
+            </a:p>
+            <a:p>
+              <a:pPr algn="ctr"/>
+              <a:r>
+                <a:rPr lang="en-US" altLang="ja-JP" sz="1100" b="1" dirty="0" err="1" smtClean="0">
+                  <a:solidFill>
+                    <a:schemeClr val="accent5"/>
+                  </a:solidFill>
+                </a:rPr>
+                <a:t>wire_list</a:t>
+              </a:r>
+              <a:endParaRPr lang="en-US" altLang="ja-JP" sz="1100" b="1" dirty="0">
+                <a:solidFill>
+                  <a:schemeClr val="accent5"/>
+                </a:solidFill>
+              </a:endParaRPr>
+            </a:p>
+          </p:txBody>
+        </p:sp>
+      </p:grpSp>
+    </p:spTree>
+    <p:extLst>
+      <p:ext uri="{BB962C8B-B14F-4D97-AF65-F5344CB8AC3E}">
+        <p14:creationId xmlns:p14="http://schemas.microsoft.com/office/powerpoint/2010/main" val="655489200"/>
       </p:ext>
     </p:extLst>
   </p:cSld>

--- a/crecomp_ws/picture.pptx
+++ b/crecomp_ws/picture.pptx
@@ -23,6 +23,7 @@
     <p:sldId id="270" r:id="rId17"/>
     <p:sldId id="271" r:id="rId18"/>
     <p:sldId id="273" r:id="rId19"/>
+    <p:sldId id="274" r:id="rId20"/>
   </p:sldIdLst>
   <p:sldSz cx="12192000" cy="6858000"/>
   <p:notesSz cx="6858000" cy="9144000"/>
@@ -260,7 +261,7 @@
           <a:p>
             <a:fld id="{78E562EE-9E5C-4F57-872A-67BB0CAB2208}" type="datetimeFigureOut">
               <a:rPr kumimoji="1" lang="ja-JP" altLang="en-US" smtClean="0"/>
-              <a:t>2016/5/14</a:t>
+              <a:t>2016/5/19</a:t>
             </a:fld>
             <a:endParaRPr kumimoji="1" lang="ja-JP" altLang="en-US"/>
           </a:p>
@@ -462,7 +463,7 @@
           <a:p>
             <a:fld id="{78E562EE-9E5C-4F57-872A-67BB0CAB2208}" type="datetimeFigureOut">
               <a:rPr kumimoji="1" lang="ja-JP" altLang="en-US" smtClean="0"/>
-              <a:t>2016/5/14</a:t>
+              <a:t>2016/5/19</a:t>
             </a:fld>
             <a:endParaRPr kumimoji="1" lang="ja-JP" altLang="en-US"/>
           </a:p>
@@ -674,7 +675,7 @@
           <a:p>
             <a:fld id="{78E562EE-9E5C-4F57-872A-67BB0CAB2208}" type="datetimeFigureOut">
               <a:rPr kumimoji="1" lang="ja-JP" altLang="en-US" smtClean="0"/>
-              <a:t>2016/5/14</a:t>
+              <a:t>2016/5/19</a:t>
             </a:fld>
             <a:endParaRPr kumimoji="1" lang="ja-JP" altLang="en-US"/>
           </a:p>
@@ -876,7 +877,7 @@
           <a:p>
             <a:fld id="{78E562EE-9E5C-4F57-872A-67BB0CAB2208}" type="datetimeFigureOut">
               <a:rPr kumimoji="1" lang="ja-JP" altLang="en-US" smtClean="0"/>
-              <a:t>2016/5/14</a:t>
+              <a:t>2016/5/19</a:t>
             </a:fld>
             <a:endParaRPr kumimoji="1" lang="ja-JP" altLang="en-US"/>
           </a:p>
@@ -1122,7 +1123,7 @@
           <a:p>
             <a:fld id="{78E562EE-9E5C-4F57-872A-67BB0CAB2208}" type="datetimeFigureOut">
               <a:rPr kumimoji="1" lang="ja-JP" altLang="en-US" smtClean="0"/>
-              <a:t>2016/5/14</a:t>
+              <a:t>2016/5/19</a:t>
             </a:fld>
             <a:endParaRPr kumimoji="1" lang="ja-JP" altLang="en-US"/>
           </a:p>
@@ -1418,7 +1419,7 @@
           <a:p>
             <a:fld id="{78E562EE-9E5C-4F57-872A-67BB0CAB2208}" type="datetimeFigureOut">
               <a:rPr kumimoji="1" lang="ja-JP" altLang="en-US" smtClean="0"/>
-              <a:t>2016/5/14</a:t>
+              <a:t>2016/5/19</a:t>
             </a:fld>
             <a:endParaRPr kumimoji="1" lang="ja-JP" altLang="en-US"/>
           </a:p>
@@ -1849,7 +1850,7 @@
           <a:p>
             <a:fld id="{78E562EE-9E5C-4F57-872A-67BB0CAB2208}" type="datetimeFigureOut">
               <a:rPr kumimoji="1" lang="ja-JP" altLang="en-US" smtClean="0"/>
-              <a:t>2016/5/14</a:t>
+              <a:t>2016/5/19</a:t>
             </a:fld>
             <a:endParaRPr kumimoji="1" lang="ja-JP" altLang="en-US"/>
           </a:p>
@@ -1967,7 +1968,7 @@
           <a:p>
             <a:fld id="{78E562EE-9E5C-4F57-872A-67BB0CAB2208}" type="datetimeFigureOut">
               <a:rPr kumimoji="1" lang="ja-JP" altLang="en-US" smtClean="0"/>
-              <a:t>2016/5/14</a:t>
+              <a:t>2016/5/19</a:t>
             </a:fld>
             <a:endParaRPr kumimoji="1" lang="ja-JP" altLang="en-US"/>
           </a:p>
@@ -2062,7 +2063,7 @@
           <a:p>
             <a:fld id="{78E562EE-9E5C-4F57-872A-67BB0CAB2208}" type="datetimeFigureOut">
               <a:rPr kumimoji="1" lang="ja-JP" altLang="en-US" smtClean="0"/>
-              <a:t>2016/5/14</a:t>
+              <a:t>2016/5/19</a:t>
             </a:fld>
             <a:endParaRPr kumimoji="1" lang="ja-JP" altLang="en-US"/>
           </a:p>
@@ -2371,7 +2372,7 @@
           <a:p>
             <a:fld id="{78E562EE-9E5C-4F57-872A-67BB0CAB2208}" type="datetimeFigureOut">
               <a:rPr kumimoji="1" lang="ja-JP" altLang="en-US" smtClean="0"/>
-              <a:t>2016/5/14</a:t>
+              <a:t>2016/5/19</a:t>
             </a:fld>
             <a:endParaRPr kumimoji="1" lang="ja-JP" altLang="en-US"/>
           </a:p>
@@ -2624,7 +2625,7 @@
           <a:p>
             <a:fld id="{78E562EE-9E5C-4F57-872A-67BB0CAB2208}" type="datetimeFigureOut">
               <a:rPr kumimoji="1" lang="ja-JP" altLang="en-US" smtClean="0"/>
-              <a:t>2016/5/14</a:t>
+              <a:t>2016/5/19</a:t>
             </a:fld>
             <a:endParaRPr kumimoji="1" lang="ja-JP" altLang="en-US"/>
           </a:p>
@@ -2869,7 +2870,7 @@
           <a:p>
             <a:fld id="{78E562EE-9E5C-4F57-872A-67BB0CAB2208}" type="datetimeFigureOut">
               <a:rPr kumimoji="1" lang="ja-JP" altLang="en-US" smtClean="0"/>
-              <a:t>2016/5/14</a:t>
+              <a:t>2016/5/19</a:t>
             </a:fld>
             <a:endParaRPr kumimoji="1" lang="ja-JP" altLang="en-US"/>
           </a:p>
@@ -13781,6 +13782,1332 @@
     <p:extLst>
       <p:ext uri="{BB962C8B-B14F-4D97-AF65-F5344CB8AC3E}">
         <p14:creationId xmlns:p14="http://schemas.microsoft.com/office/powerpoint/2010/main" val="655489200"/>
+      </p:ext>
+    </p:extLst>
+  </p:cSld>
+  <p:clrMapOvr>
+    <a:masterClrMapping/>
+  </p:clrMapOvr>
+</p:sld>
+</file>
+
+<file path=ppt/slides/slide19.xml><?xml version="1.0" encoding="utf-8"?>
+<p:sld xmlns:a="http://schemas.openxmlformats.org/drawingml/2006/main" xmlns:r="http://schemas.openxmlformats.org/officeDocument/2006/relationships" xmlns:p="http://schemas.openxmlformats.org/presentationml/2006/main">
+  <p:cSld>
+    <p:spTree>
+      <p:nvGrpSpPr>
+        <p:cNvPr id="1" name=""/>
+        <p:cNvGrpSpPr/>
+        <p:nvPr/>
+      </p:nvGrpSpPr>
+      <p:grpSpPr>
+        <a:xfrm>
+          <a:off x="0" y="0"/>
+          <a:ext cx="0" cy="0"/>
+          <a:chOff x="0" y="0"/>
+          <a:chExt cx="0" cy="0"/>
+        </a:xfrm>
+      </p:grpSpPr>
+      <p:grpSp>
+        <p:nvGrpSpPr>
+          <p:cNvPr id="2" name="グループ化 1"/>
+          <p:cNvGrpSpPr/>
+          <p:nvPr/>
+        </p:nvGrpSpPr>
+        <p:grpSpPr>
+          <a:xfrm flipH="1">
+            <a:off x="323850" y="1318018"/>
+            <a:ext cx="8496299" cy="3133725"/>
+            <a:chOff x="457200" y="1318018"/>
+            <a:chExt cx="8134350" cy="3133725"/>
+          </a:xfrm>
+        </p:grpSpPr>
+        <p:sp>
+          <p:nvSpPr>
+            <p:cNvPr id="3" name="角丸四角形 2"/>
+            <p:cNvSpPr/>
+            <p:nvPr/>
+          </p:nvSpPr>
+          <p:spPr>
+            <a:xfrm>
+              <a:off x="2700777" y="1606050"/>
+              <a:ext cx="1062755" cy="1152128"/>
+            </a:xfrm>
+            <a:prstGeom prst="roundRect">
+              <a:avLst/>
+            </a:prstGeom>
+            <a:solidFill>
+              <a:schemeClr val="accent5">
+                <a:lumMod val="40000"/>
+                <a:lumOff val="60000"/>
+              </a:schemeClr>
+            </a:solidFill>
+            <a:ln w="6350">
+              <a:solidFill>
+                <a:schemeClr val="tx1"/>
+              </a:solidFill>
+            </a:ln>
+          </p:spPr>
+          <p:style>
+            <a:lnRef idx="2">
+              <a:schemeClr val="accent1">
+                <a:shade val="50000"/>
+              </a:schemeClr>
+            </a:lnRef>
+            <a:fillRef idx="1">
+              <a:schemeClr val="accent1"/>
+            </a:fillRef>
+            <a:effectRef idx="0">
+              <a:schemeClr val="accent1"/>
+            </a:effectRef>
+            <a:fontRef idx="minor">
+              <a:schemeClr val="lt1"/>
+            </a:fontRef>
+          </p:style>
+          <p:txBody>
+            <a:bodyPr rtlCol="0" anchor="ctr"/>
+            <a:lstStyle/>
+            <a:p>
+              <a:pPr algn="ctr"/>
+              <a:r>
+                <a:rPr lang="en-US" altLang="ja-JP" b="1" dirty="0" smtClean="0">
+                  <a:solidFill>
+                    <a:schemeClr val="tx1"/>
+                  </a:solidFill>
+                </a:rPr>
+                <a:t>Input</a:t>
+              </a:r>
+            </a:p>
+            <a:p>
+              <a:pPr algn="ctr"/>
+              <a:r>
+                <a:rPr lang="en-US" altLang="ja-JP" b="1" dirty="0" smtClean="0">
+                  <a:solidFill>
+                    <a:schemeClr val="tx1"/>
+                  </a:solidFill>
+                </a:rPr>
+                <a:t>FIFO</a:t>
+              </a:r>
+              <a:endParaRPr kumimoji="1" lang="ja-JP" altLang="en-US" b="1" dirty="0">
+                <a:solidFill>
+                  <a:schemeClr val="tx1"/>
+                </a:solidFill>
+              </a:endParaRPr>
+            </a:p>
+          </p:txBody>
+        </p:sp>
+        <p:sp>
+          <p:nvSpPr>
+            <p:cNvPr id="4" name="角丸四角形 3"/>
+            <p:cNvSpPr/>
+            <p:nvPr/>
+          </p:nvSpPr>
+          <p:spPr>
+            <a:xfrm>
+              <a:off x="2695694" y="3060185"/>
+              <a:ext cx="1062755" cy="1152128"/>
+            </a:xfrm>
+            <a:prstGeom prst="roundRect">
+              <a:avLst/>
+            </a:prstGeom>
+            <a:solidFill>
+              <a:schemeClr val="accent5">
+                <a:lumMod val="40000"/>
+                <a:lumOff val="60000"/>
+              </a:schemeClr>
+            </a:solidFill>
+            <a:ln w="6350">
+              <a:solidFill>
+                <a:schemeClr val="tx1"/>
+              </a:solidFill>
+            </a:ln>
+          </p:spPr>
+          <p:style>
+            <a:lnRef idx="2">
+              <a:schemeClr val="accent1">
+                <a:shade val="50000"/>
+              </a:schemeClr>
+            </a:lnRef>
+            <a:fillRef idx="1">
+              <a:schemeClr val="accent1"/>
+            </a:fillRef>
+            <a:effectRef idx="0">
+              <a:schemeClr val="accent1"/>
+            </a:effectRef>
+            <a:fontRef idx="minor">
+              <a:schemeClr val="lt1"/>
+            </a:fontRef>
+          </p:style>
+          <p:txBody>
+            <a:bodyPr rtlCol="0" anchor="ctr"/>
+            <a:lstStyle/>
+            <a:p>
+              <a:pPr algn="ctr"/>
+              <a:r>
+                <a:rPr lang="en-US" altLang="ja-JP" b="1" dirty="0" smtClean="0">
+                  <a:solidFill>
+                    <a:schemeClr val="tx1"/>
+                  </a:solidFill>
+                </a:rPr>
+                <a:t>Output</a:t>
+              </a:r>
+              <a:endParaRPr lang="en-US" altLang="ja-JP" b="1" dirty="0">
+                <a:solidFill>
+                  <a:schemeClr val="tx1"/>
+                </a:solidFill>
+              </a:endParaRPr>
+            </a:p>
+            <a:p>
+              <a:pPr algn="ctr"/>
+              <a:r>
+                <a:rPr lang="en-US" altLang="ja-JP" b="1" dirty="0">
+                  <a:solidFill>
+                    <a:schemeClr val="tx1"/>
+                  </a:solidFill>
+                </a:rPr>
+                <a:t>FIFO</a:t>
+              </a:r>
+              <a:endParaRPr lang="ja-JP" altLang="en-US" b="1" dirty="0">
+                <a:solidFill>
+                  <a:schemeClr val="tx1"/>
+                </a:solidFill>
+              </a:endParaRPr>
+            </a:p>
+          </p:txBody>
+        </p:sp>
+        <p:sp>
+          <p:nvSpPr>
+            <p:cNvPr id="5" name="角丸四角形 4"/>
+            <p:cNvSpPr/>
+            <p:nvPr/>
+          </p:nvSpPr>
+          <p:spPr>
+            <a:xfrm>
+              <a:off x="4908637" y="1318018"/>
+              <a:ext cx="1098040" cy="3133725"/>
+            </a:xfrm>
+            <a:prstGeom prst="roundRect">
+              <a:avLst/>
+            </a:prstGeom>
+            <a:solidFill>
+              <a:schemeClr val="accent2">
+                <a:lumMod val="20000"/>
+                <a:lumOff val="80000"/>
+              </a:schemeClr>
+            </a:solidFill>
+            <a:ln w="6350">
+              <a:solidFill>
+                <a:schemeClr val="tx1"/>
+              </a:solidFill>
+            </a:ln>
+          </p:spPr>
+          <p:style>
+            <a:lnRef idx="2">
+              <a:schemeClr val="accent1">
+                <a:shade val="50000"/>
+              </a:schemeClr>
+            </a:lnRef>
+            <a:fillRef idx="1">
+              <a:schemeClr val="accent1"/>
+            </a:fillRef>
+            <a:effectRef idx="0">
+              <a:schemeClr val="accent1"/>
+            </a:effectRef>
+            <a:fontRef idx="minor">
+              <a:schemeClr val="lt1"/>
+            </a:fontRef>
+          </p:style>
+          <p:txBody>
+            <a:bodyPr rtlCol="0" anchor="ctr"/>
+            <a:lstStyle/>
+            <a:p>
+              <a:pPr algn="ctr"/>
+              <a:r>
+                <a:rPr kumimoji="1" lang="en-US" altLang="ja-JP" dirty="0" err="1" smtClean="0">
+                  <a:solidFill>
+                    <a:schemeClr val="tx1"/>
+                  </a:solidFill>
+                </a:rPr>
+                <a:t>Xillybus</a:t>
+              </a:r>
+              <a:endParaRPr kumimoji="1" lang="en-US" altLang="ja-JP" dirty="0" smtClean="0">
+                <a:solidFill>
+                  <a:schemeClr val="tx1"/>
+                </a:solidFill>
+              </a:endParaRPr>
+            </a:p>
+            <a:p>
+              <a:pPr algn="ctr"/>
+              <a:r>
+                <a:rPr lang="en-US" altLang="ja-JP" dirty="0" smtClean="0">
+                  <a:solidFill>
+                    <a:schemeClr val="tx1"/>
+                  </a:solidFill>
+                </a:rPr>
+                <a:t>IP</a:t>
+              </a:r>
+              <a:r>
+                <a:rPr lang="ja-JP" altLang="en-US" dirty="0">
+                  <a:solidFill>
+                    <a:schemeClr val="tx1"/>
+                  </a:solidFill>
+                </a:rPr>
+                <a:t> </a:t>
+              </a:r>
+              <a:r>
+                <a:rPr lang="en-US" altLang="ja-JP" dirty="0">
+                  <a:solidFill>
+                    <a:schemeClr val="tx1"/>
+                  </a:solidFill>
+                </a:rPr>
+                <a:t>core</a:t>
+              </a:r>
+              <a:endParaRPr kumimoji="1" lang="ja-JP" altLang="en-US" dirty="0">
+                <a:solidFill>
+                  <a:schemeClr val="tx1"/>
+                </a:solidFill>
+              </a:endParaRPr>
+            </a:p>
+          </p:txBody>
+        </p:sp>
+        <p:sp>
+          <p:nvSpPr>
+            <p:cNvPr id="6" name="角丸四角形 5"/>
+            <p:cNvSpPr/>
+            <p:nvPr/>
+          </p:nvSpPr>
+          <p:spPr>
+            <a:xfrm>
+              <a:off x="7026195" y="1318018"/>
+              <a:ext cx="1565355" cy="3133725"/>
+            </a:xfrm>
+            <a:prstGeom prst="roundRect">
+              <a:avLst/>
+            </a:prstGeom>
+            <a:solidFill>
+              <a:schemeClr val="bg1"/>
+            </a:solidFill>
+            <a:ln w="6350">
+              <a:solidFill>
+                <a:schemeClr val="tx1"/>
+              </a:solidFill>
+            </a:ln>
+          </p:spPr>
+          <p:style>
+            <a:lnRef idx="2">
+              <a:schemeClr val="accent1">
+                <a:shade val="50000"/>
+              </a:schemeClr>
+            </a:lnRef>
+            <a:fillRef idx="1">
+              <a:schemeClr val="accent1"/>
+            </a:fillRef>
+            <a:effectRef idx="0">
+              <a:schemeClr val="accent1"/>
+            </a:effectRef>
+            <a:fontRef idx="minor">
+              <a:schemeClr val="lt1"/>
+            </a:fontRef>
+          </p:style>
+          <p:txBody>
+            <a:bodyPr rtlCol="0" anchor="ctr"/>
+            <a:lstStyle/>
+            <a:p>
+              <a:pPr algn="ctr"/>
+              <a:r>
+                <a:rPr kumimoji="1" lang="en-US" altLang="ja-JP" sz="2000" dirty="0" smtClean="0">
+                  <a:solidFill>
+                    <a:schemeClr val="tx1"/>
+                  </a:solidFill>
+                </a:rPr>
+                <a:t>ARM</a:t>
+              </a:r>
+            </a:p>
+            <a:p>
+              <a:pPr algn="ctr"/>
+              <a:r>
+                <a:rPr lang="en-US" altLang="ja-JP" sz="2000" dirty="0" smtClean="0">
+                  <a:solidFill>
+                    <a:schemeClr val="tx1"/>
+                  </a:solidFill>
+                </a:rPr>
+                <a:t>Processor</a:t>
+              </a:r>
+            </a:p>
+            <a:p>
+              <a:pPr algn="ctr"/>
+              <a:r>
+                <a:rPr kumimoji="1" lang="en-US" altLang="ja-JP" sz="2000" dirty="0" smtClean="0">
+                  <a:solidFill>
+                    <a:schemeClr val="tx1"/>
+                  </a:solidFill>
+                </a:rPr>
+                <a:t>Core</a:t>
+              </a:r>
+            </a:p>
+          </p:txBody>
+        </p:sp>
+        <p:sp>
+          <p:nvSpPr>
+            <p:cNvPr id="7" name="テキスト ボックス 6"/>
+            <p:cNvSpPr txBox="1"/>
+            <p:nvPr/>
+          </p:nvSpPr>
+          <p:spPr>
+            <a:xfrm>
+              <a:off x="3917009" y="1411684"/>
+              <a:ext cx="720080" cy="369332"/>
+            </a:xfrm>
+            <a:prstGeom prst="rect">
+              <a:avLst/>
+            </a:prstGeom>
+            <a:noFill/>
+          </p:spPr>
+          <p:txBody>
+            <a:bodyPr wrap="square" rtlCol="0">
+              <a:spAutoFit/>
+            </a:bodyPr>
+            <a:lstStyle/>
+            <a:p>
+              <a:r>
+                <a:rPr lang="en-US" altLang="ja-JP" dirty="0"/>
+                <a:t>f</a:t>
+              </a:r>
+              <a:r>
+                <a:rPr kumimoji="1" lang="en-US" altLang="ja-JP" dirty="0" smtClean="0"/>
+                <a:t>ull</a:t>
+              </a:r>
+            </a:p>
+          </p:txBody>
+        </p:sp>
+        <p:sp>
+          <p:nvSpPr>
+            <p:cNvPr id="8" name="テキスト ボックス 7"/>
+            <p:cNvSpPr txBox="1"/>
+            <p:nvPr/>
+          </p:nvSpPr>
+          <p:spPr>
+            <a:xfrm>
+              <a:off x="3917009" y="1782004"/>
+              <a:ext cx="864096" cy="369332"/>
+            </a:xfrm>
+            <a:prstGeom prst="rect">
+              <a:avLst/>
+            </a:prstGeom>
+            <a:noFill/>
+          </p:spPr>
+          <p:txBody>
+            <a:bodyPr wrap="square" rtlCol="0">
+              <a:spAutoFit/>
+            </a:bodyPr>
+            <a:lstStyle/>
+            <a:p>
+              <a:r>
+                <a:rPr lang="en-US" altLang="ja-JP" dirty="0" err="1" smtClean="0"/>
+                <a:t>wr</a:t>
+              </a:r>
+              <a:r>
+                <a:rPr kumimoji="1" lang="en-US" altLang="ja-JP" dirty="0" err="1" smtClean="0"/>
+                <a:t>_en</a:t>
+              </a:r>
+              <a:endParaRPr kumimoji="1" lang="en-US" altLang="ja-JP" dirty="0" smtClean="0"/>
+            </a:p>
+          </p:txBody>
+        </p:sp>
+        <p:sp>
+          <p:nvSpPr>
+            <p:cNvPr id="9" name="テキスト ボックス 8"/>
+            <p:cNvSpPr txBox="1"/>
+            <p:nvPr/>
+          </p:nvSpPr>
+          <p:spPr>
+            <a:xfrm>
+              <a:off x="3917009" y="2186805"/>
+              <a:ext cx="864096" cy="369332"/>
+            </a:xfrm>
+            <a:prstGeom prst="rect">
+              <a:avLst/>
+            </a:prstGeom>
+            <a:noFill/>
+          </p:spPr>
+          <p:txBody>
+            <a:bodyPr wrap="square" rtlCol="0">
+              <a:spAutoFit/>
+            </a:bodyPr>
+            <a:lstStyle/>
+            <a:p>
+              <a:r>
+                <a:rPr lang="en-US" altLang="ja-JP" dirty="0" smtClean="0"/>
+                <a:t>data</a:t>
+              </a:r>
+              <a:endParaRPr kumimoji="1" lang="en-US" altLang="ja-JP" dirty="0" smtClean="0"/>
+            </a:p>
+          </p:txBody>
+        </p:sp>
+        <p:sp>
+          <p:nvSpPr>
+            <p:cNvPr id="10" name="テキスト ボックス 9"/>
+            <p:cNvSpPr txBox="1"/>
+            <p:nvPr/>
+          </p:nvSpPr>
+          <p:spPr>
+            <a:xfrm>
+              <a:off x="3917009" y="2855439"/>
+              <a:ext cx="936105" cy="369332"/>
+            </a:xfrm>
+            <a:prstGeom prst="rect">
+              <a:avLst/>
+            </a:prstGeom>
+            <a:noFill/>
+          </p:spPr>
+          <p:txBody>
+            <a:bodyPr wrap="square" rtlCol="0">
+              <a:spAutoFit/>
+            </a:bodyPr>
+            <a:lstStyle/>
+            <a:p>
+              <a:r>
+                <a:rPr lang="en-US" altLang="ja-JP" dirty="0" smtClean="0"/>
+                <a:t>empty</a:t>
+              </a:r>
+              <a:endParaRPr kumimoji="1" lang="en-US" altLang="ja-JP" dirty="0" smtClean="0"/>
+            </a:p>
+          </p:txBody>
+        </p:sp>
+        <p:sp>
+          <p:nvSpPr>
+            <p:cNvPr id="11" name="テキスト ボックス 10"/>
+            <p:cNvSpPr txBox="1"/>
+            <p:nvPr/>
+          </p:nvSpPr>
+          <p:spPr>
+            <a:xfrm>
+              <a:off x="3917009" y="3255189"/>
+              <a:ext cx="864096" cy="369332"/>
+            </a:xfrm>
+            <a:prstGeom prst="rect">
+              <a:avLst/>
+            </a:prstGeom>
+            <a:noFill/>
+          </p:spPr>
+          <p:txBody>
+            <a:bodyPr wrap="square" rtlCol="0">
+              <a:spAutoFit/>
+            </a:bodyPr>
+            <a:lstStyle/>
+            <a:p>
+              <a:r>
+                <a:rPr lang="en-US" altLang="ja-JP" dirty="0" err="1" smtClean="0"/>
+                <a:t>rd</a:t>
+              </a:r>
+              <a:r>
+                <a:rPr kumimoji="1" lang="en-US" altLang="ja-JP" dirty="0" err="1" smtClean="0"/>
+                <a:t>_en</a:t>
+              </a:r>
+              <a:endParaRPr kumimoji="1" lang="en-US" altLang="ja-JP" dirty="0" smtClean="0"/>
+            </a:p>
+          </p:txBody>
+        </p:sp>
+        <p:sp>
+          <p:nvSpPr>
+            <p:cNvPr id="12" name="テキスト ボックス 11"/>
+            <p:cNvSpPr txBox="1"/>
+            <p:nvPr/>
+          </p:nvSpPr>
+          <p:spPr>
+            <a:xfrm>
+              <a:off x="3917009" y="3636249"/>
+              <a:ext cx="864096" cy="369332"/>
+            </a:xfrm>
+            <a:prstGeom prst="rect">
+              <a:avLst/>
+            </a:prstGeom>
+            <a:noFill/>
+          </p:spPr>
+          <p:txBody>
+            <a:bodyPr wrap="square" rtlCol="0">
+              <a:spAutoFit/>
+            </a:bodyPr>
+            <a:lstStyle/>
+            <a:p>
+              <a:r>
+                <a:rPr lang="en-US" altLang="ja-JP" dirty="0" smtClean="0"/>
+                <a:t>data</a:t>
+              </a:r>
+              <a:endParaRPr kumimoji="1" lang="en-US" altLang="ja-JP" dirty="0" smtClean="0"/>
+            </a:p>
+          </p:txBody>
+        </p:sp>
+        <p:cxnSp>
+          <p:nvCxnSpPr>
+            <p:cNvPr id="13" name="直線矢印コネクタ 12"/>
+            <p:cNvCxnSpPr/>
+            <p:nvPr/>
+          </p:nvCxnSpPr>
+          <p:spPr>
+            <a:xfrm>
+              <a:off x="3762477" y="1822074"/>
+              <a:ext cx="1136428" cy="0"/>
+            </a:xfrm>
+            <a:prstGeom prst="straightConnector1">
+              <a:avLst/>
+            </a:prstGeom>
+            <a:ln w="57150">
+              <a:solidFill>
+                <a:schemeClr val="tx1"/>
+              </a:solidFill>
+              <a:tailEnd type="triangle"/>
+            </a:ln>
+          </p:spPr>
+          <p:style>
+            <a:lnRef idx="1">
+              <a:schemeClr val="accent1"/>
+            </a:lnRef>
+            <a:fillRef idx="0">
+              <a:schemeClr val="accent1"/>
+            </a:fillRef>
+            <a:effectRef idx="0">
+              <a:schemeClr val="accent1"/>
+            </a:effectRef>
+            <a:fontRef idx="minor">
+              <a:schemeClr val="tx1"/>
+            </a:fontRef>
+          </p:style>
+        </p:cxnSp>
+        <p:cxnSp>
+          <p:nvCxnSpPr>
+            <p:cNvPr id="14" name="直線矢印コネクタ 13"/>
+            <p:cNvCxnSpPr/>
+            <p:nvPr/>
+          </p:nvCxnSpPr>
+          <p:spPr>
+            <a:xfrm flipH="1">
+              <a:off x="3758452" y="2182114"/>
+              <a:ext cx="1136427" cy="0"/>
+            </a:xfrm>
+            <a:prstGeom prst="straightConnector1">
+              <a:avLst/>
+            </a:prstGeom>
+            <a:ln w="57150">
+              <a:solidFill>
+                <a:schemeClr val="tx1"/>
+              </a:solidFill>
+              <a:tailEnd type="triangle"/>
+            </a:ln>
+          </p:spPr>
+          <p:style>
+            <a:lnRef idx="1">
+              <a:schemeClr val="accent1"/>
+            </a:lnRef>
+            <a:fillRef idx="0">
+              <a:schemeClr val="accent1"/>
+            </a:fillRef>
+            <a:effectRef idx="0">
+              <a:schemeClr val="accent1"/>
+            </a:effectRef>
+            <a:fontRef idx="minor">
+              <a:schemeClr val="tx1"/>
+            </a:fontRef>
+          </p:style>
+        </p:cxnSp>
+        <p:cxnSp>
+          <p:nvCxnSpPr>
+            <p:cNvPr id="15" name="直線矢印コネクタ 14"/>
+            <p:cNvCxnSpPr/>
+            <p:nvPr/>
+          </p:nvCxnSpPr>
+          <p:spPr>
+            <a:xfrm flipH="1">
+              <a:off x="3758450" y="2564555"/>
+              <a:ext cx="1136427" cy="0"/>
+            </a:xfrm>
+            <a:prstGeom prst="straightConnector1">
+              <a:avLst/>
+            </a:prstGeom>
+            <a:ln w="57150">
+              <a:solidFill>
+                <a:schemeClr val="tx1"/>
+              </a:solidFill>
+              <a:tailEnd type="triangle"/>
+            </a:ln>
+          </p:spPr>
+          <p:style>
+            <a:lnRef idx="1">
+              <a:schemeClr val="accent1"/>
+            </a:lnRef>
+            <a:fillRef idx="0">
+              <a:schemeClr val="accent1"/>
+            </a:fillRef>
+            <a:effectRef idx="0">
+              <a:schemeClr val="accent1"/>
+            </a:effectRef>
+            <a:fontRef idx="minor">
+              <a:schemeClr val="tx1"/>
+            </a:fontRef>
+          </p:style>
+        </p:cxnSp>
+        <p:cxnSp>
+          <p:nvCxnSpPr>
+            <p:cNvPr id="16" name="直線矢印コネクタ 15"/>
+            <p:cNvCxnSpPr/>
+            <p:nvPr/>
+          </p:nvCxnSpPr>
+          <p:spPr>
+            <a:xfrm>
+              <a:off x="3762477" y="3271518"/>
+              <a:ext cx="1136428" cy="0"/>
+            </a:xfrm>
+            <a:prstGeom prst="straightConnector1">
+              <a:avLst/>
+            </a:prstGeom>
+            <a:ln w="57150">
+              <a:solidFill>
+                <a:schemeClr val="tx1"/>
+              </a:solidFill>
+              <a:tailEnd type="triangle"/>
+            </a:ln>
+          </p:spPr>
+          <p:style>
+            <a:lnRef idx="1">
+              <a:schemeClr val="accent1"/>
+            </a:lnRef>
+            <a:fillRef idx="0">
+              <a:schemeClr val="accent1"/>
+            </a:fillRef>
+            <a:effectRef idx="0">
+              <a:schemeClr val="accent1"/>
+            </a:effectRef>
+            <a:fontRef idx="minor">
+              <a:schemeClr val="tx1"/>
+            </a:fontRef>
+          </p:style>
+        </p:cxnSp>
+        <p:cxnSp>
+          <p:nvCxnSpPr>
+            <p:cNvPr id="17" name="直線矢印コネクタ 16"/>
+            <p:cNvCxnSpPr/>
+            <p:nvPr/>
+          </p:nvCxnSpPr>
+          <p:spPr>
+            <a:xfrm flipH="1">
+              <a:off x="3758452" y="3631558"/>
+              <a:ext cx="1136427" cy="0"/>
+            </a:xfrm>
+            <a:prstGeom prst="straightConnector1">
+              <a:avLst/>
+            </a:prstGeom>
+            <a:ln w="57150">
+              <a:solidFill>
+                <a:schemeClr val="tx1"/>
+              </a:solidFill>
+              <a:tailEnd type="triangle"/>
+            </a:ln>
+          </p:spPr>
+          <p:style>
+            <a:lnRef idx="1">
+              <a:schemeClr val="accent1"/>
+            </a:lnRef>
+            <a:fillRef idx="0">
+              <a:schemeClr val="accent1"/>
+            </a:fillRef>
+            <a:effectRef idx="0">
+              <a:schemeClr val="accent1"/>
+            </a:effectRef>
+            <a:fontRef idx="minor">
+              <a:schemeClr val="tx1"/>
+            </a:fontRef>
+          </p:style>
+        </p:cxnSp>
+        <p:cxnSp>
+          <p:nvCxnSpPr>
+            <p:cNvPr id="18" name="直線矢印コネクタ 17"/>
+            <p:cNvCxnSpPr/>
+            <p:nvPr/>
+          </p:nvCxnSpPr>
+          <p:spPr>
+            <a:xfrm>
+              <a:off x="3758451" y="4021542"/>
+              <a:ext cx="1136428" cy="0"/>
+            </a:xfrm>
+            <a:prstGeom prst="straightConnector1">
+              <a:avLst/>
+            </a:prstGeom>
+            <a:ln w="57150">
+              <a:solidFill>
+                <a:schemeClr val="tx1"/>
+              </a:solidFill>
+              <a:tailEnd type="triangle"/>
+            </a:ln>
+          </p:spPr>
+          <p:style>
+            <a:lnRef idx="1">
+              <a:schemeClr val="accent1"/>
+            </a:lnRef>
+            <a:fillRef idx="0">
+              <a:schemeClr val="accent1"/>
+            </a:fillRef>
+            <a:effectRef idx="0">
+              <a:schemeClr val="accent1"/>
+            </a:effectRef>
+            <a:fontRef idx="minor">
+              <a:schemeClr val="tx1"/>
+            </a:fontRef>
+          </p:style>
+        </p:cxnSp>
+        <p:sp>
+          <p:nvSpPr>
+            <p:cNvPr id="19" name="左右矢印 18"/>
+            <p:cNvSpPr/>
+            <p:nvPr/>
+          </p:nvSpPr>
+          <p:spPr>
+            <a:xfrm>
+              <a:off x="6041538" y="2474798"/>
+              <a:ext cx="940975" cy="979137"/>
+            </a:xfrm>
+            <a:prstGeom prst="leftRightArrow">
+              <a:avLst>
+                <a:gd name="adj1" fmla="val 58264"/>
+                <a:gd name="adj2" fmla="val 32159"/>
+              </a:avLst>
+            </a:prstGeom>
+            <a:solidFill>
+              <a:schemeClr val="bg1">
+                <a:lumMod val="85000"/>
+              </a:schemeClr>
+            </a:solidFill>
+            <a:ln w="6350">
+              <a:solidFill>
+                <a:schemeClr val="tx1"/>
+              </a:solidFill>
+            </a:ln>
+          </p:spPr>
+          <p:style>
+            <a:lnRef idx="2">
+              <a:schemeClr val="accent1">
+                <a:shade val="50000"/>
+              </a:schemeClr>
+            </a:lnRef>
+            <a:fillRef idx="1">
+              <a:schemeClr val="accent1"/>
+            </a:fillRef>
+            <a:effectRef idx="0">
+              <a:schemeClr val="accent1"/>
+            </a:effectRef>
+            <a:fontRef idx="minor">
+              <a:schemeClr val="lt1"/>
+            </a:fontRef>
+          </p:style>
+          <p:txBody>
+            <a:bodyPr rtlCol="0" anchor="ctr"/>
+            <a:lstStyle/>
+            <a:p>
+              <a:pPr algn="ctr"/>
+              <a:r>
+                <a:rPr kumimoji="1" lang="en-US" altLang="ja-JP" sz="2000" dirty="0" smtClean="0">
+                  <a:solidFill>
+                    <a:schemeClr val="tx1"/>
+                  </a:solidFill>
+                </a:rPr>
+                <a:t>AXI bus</a:t>
+              </a:r>
+              <a:endParaRPr kumimoji="1" lang="ja-JP" altLang="en-US" sz="2000" dirty="0">
+                <a:solidFill>
+                  <a:schemeClr val="tx1"/>
+                </a:solidFill>
+              </a:endParaRPr>
+            </a:p>
+          </p:txBody>
+        </p:sp>
+        <p:sp>
+          <p:nvSpPr>
+            <p:cNvPr id="20" name="テキスト ボックス 19"/>
+            <p:cNvSpPr txBox="1"/>
+            <p:nvPr/>
+          </p:nvSpPr>
+          <p:spPr>
+            <a:xfrm>
+              <a:off x="1727442" y="1405995"/>
+              <a:ext cx="936105" cy="369332"/>
+            </a:xfrm>
+            <a:prstGeom prst="rect">
+              <a:avLst/>
+            </a:prstGeom>
+            <a:noFill/>
+          </p:spPr>
+          <p:txBody>
+            <a:bodyPr wrap="square" rtlCol="0">
+              <a:spAutoFit/>
+            </a:bodyPr>
+            <a:lstStyle/>
+            <a:p>
+              <a:r>
+                <a:rPr lang="en-US" altLang="ja-JP" dirty="0" smtClean="0"/>
+                <a:t>empty</a:t>
+              </a:r>
+              <a:endParaRPr kumimoji="1" lang="en-US" altLang="ja-JP" dirty="0" smtClean="0"/>
+            </a:p>
+          </p:txBody>
+        </p:sp>
+        <p:sp>
+          <p:nvSpPr>
+            <p:cNvPr id="21" name="テキスト ボックス 20"/>
+            <p:cNvSpPr txBox="1"/>
+            <p:nvPr/>
+          </p:nvSpPr>
+          <p:spPr>
+            <a:xfrm>
+              <a:off x="1727442" y="1786695"/>
+              <a:ext cx="864096" cy="369332"/>
+            </a:xfrm>
+            <a:prstGeom prst="rect">
+              <a:avLst/>
+            </a:prstGeom>
+            <a:noFill/>
+          </p:spPr>
+          <p:txBody>
+            <a:bodyPr wrap="square" rtlCol="0">
+              <a:spAutoFit/>
+            </a:bodyPr>
+            <a:lstStyle/>
+            <a:p>
+              <a:r>
+                <a:rPr lang="en-US" altLang="ja-JP" dirty="0" err="1" smtClean="0"/>
+                <a:t>rd</a:t>
+              </a:r>
+              <a:r>
+                <a:rPr kumimoji="1" lang="en-US" altLang="ja-JP" dirty="0" err="1" smtClean="0"/>
+                <a:t>_en</a:t>
+              </a:r>
+              <a:endParaRPr kumimoji="1" lang="en-US" altLang="ja-JP" dirty="0" smtClean="0"/>
+            </a:p>
+          </p:txBody>
+        </p:sp>
+        <p:sp>
+          <p:nvSpPr>
+            <p:cNvPr id="22" name="テキスト ボックス 21"/>
+            <p:cNvSpPr txBox="1"/>
+            <p:nvPr/>
+          </p:nvSpPr>
+          <p:spPr>
+            <a:xfrm>
+              <a:off x="1727442" y="2186805"/>
+              <a:ext cx="864096" cy="369332"/>
+            </a:xfrm>
+            <a:prstGeom prst="rect">
+              <a:avLst/>
+            </a:prstGeom>
+            <a:noFill/>
+          </p:spPr>
+          <p:txBody>
+            <a:bodyPr wrap="square" rtlCol="0">
+              <a:spAutoFit/>
+            </a:bodyPr>
+            <a:lstStyle/>
+            <a:p>
+              <a:r>
+                <a:rPr lang="en-US" altLang="ja-JP" dirty="0" smtClean="0"/>
+                <a:t>data</a:t>
+              </a:r>
+              <a:endParaRPr kumimoji="1" lang="en-US" altLang="ja-JP" dirty="0" smtClean="0"/>
+            </a:p>
+          </p:txBody>
+        </p:sp>
+        <p:sp>
+          <p:nvSpPr>
+            <p:cNvPr id="23" name="テキスト ボックス 22"/>
+            <p:cNvSpPr txBox="1"/>
+            <p:nvPr/>
+          </p:nvSpPr>
+          <p:spPr>
+            <a:xfrm>
+              <a:off x="1727442" y="2877870"/>
+              <a:ext cx="720080" cy="369332"/>
+            </a:xfrm>
+            <a:prstGeom prst="rect">
+              <a:avLst/>
+            </a:prstGeom>
+            <a:noFill/>
+          </p:spPr>
+          <p:txBody>
+            <a:bodyPr wrap="square" rtlCol="0">
+              <a:spAutoFit/>
+            </a:bodyPr>
+            <a:lstStyle/>
+            <a:p>
+              <a:r>
+                <a:rPr lang="en-US" altLang="ja-JP" dirty="0"/>
+                <a:t>f</a:t>
+              </a:r>
+              <a:r>
+                <a:rPr kumimoji="1" lang="en-US" altLang="ja-JP" dirty="0" smtClean="0"/>
+                <a:t>ull</a:t>
+              </a:r>
+            </a:p>
+          </p:txBody>
+        </p:sp>
+        <p:cxnSp>
+          <p:nvCxnSpPr>
+            <p:cNvPr id="24" name="直線矢印コネクタ 23"/>
+            <p:cNvCxnSpPr/>
+            <p:nvPr/>
+          </p:nvCxnSpPr>
+          <p:spPr>
+            <a:xfrm>
+              <a:off x="1556747" y="1822074"/>
+              <a:ext cx="1142996" cy="0"/>
+            </a:xfrm>
+            <a:prstGeom prst="straightConnector1">
+              <a:avLst/>
+            </a:prstGeom>
+            <a:ln w="57150">
+              <a:solidFill>
+                <a:schemeClr val="tx1"/>
+              </a:solidFill>
+              <a:headEnd type="triangle" w="med" len="med"/>
+              <a:tailEnd type="none" w="med" len="med"/>
+            </a:ln>
+          </p:spPr>
+          <p:style>
+            <a:lnRef idx="1">
+              <a:schemeClr val="accent1"/>
+            </a:lnRef>
+            <a:fillRef idx="0">
+              <a:schemeClr val="accent1"/>
+            </a:fillRef>
+            <a:effectRef idx="0">
+              <a:schemeClr val="accent1"/>
+            </a:effectRef>
+            <a:fontRef idx="minor">
+              <a:schemeClr val="tx1"/>
+            </a:fontRef>
+          </p:style>
+        </p:cxnSp>
+        <p:cxnSp>
+          <p:nvCxnSpPr>
+            <p:cNvPr id="25" name="直線矢印コネクタ 24"/>
+            <p:cNvCxnSpPr/>
+            <p:nvPr/>
+          </p:nvCxnSpPr>
+          <p:spPr>
+            <a:xfrm flipH="1">
+              <a:off x="1552700" y="2182114"/>
+              <a:ext cx="1142995" cy="0"/>
+            </a:xfrm>
+            <a:prstGeom prst="straightConnector1">
+              <a:avLst/>
+            </a:prstGeom>
+            <a:ln w="57150">
+              <a:solidFill>
+                <a:schemeClr val="tx1"/>
+              </a:solidFill>
+              <a:headEnd type="triangle" w="med" len="med"/>
+              <a:tailEnd type="none" w="med" len="med"/>
+            </a:ln>
+          </p:spPr>
+          <p:style>
+            <a:lnRef idx="1">
+              <a:schemeClr val="accent1"/>
+            </a:lnRef>
+            <a:fillRef idx="0">
+              <a:schemeClr val="accent1"/>
+            </a:fillRef>
+            <a:effectRef idx="0">
+              <a:schemeClr val="accent1"/>
+            </a:effectRef>
+            <a:fontRef idx="minor">
+              <a:schemeClr val="tx1"/>
+            </a:fontRef>
+          </p:style>
+        </p:cxnSp>
+        <p:cxnSp>
+          <p:nvCxnSpPr>
+            <p:cNvPr id="26" name="直線矢印コネクタ 25"/>
+            <p:cNvCxnSpPr/>
+            <p:nvPr/>
+          </p:nvCxnSpPr>
+          <p:spPr>
+            <a:xfrm>
+              <a:off x="1552698" y="2572098"/>
+              <a:ext cx="1142996" cy="0"/>
+            </a:xfrm>
+            <a:prstGeom prst="straightConnector1">
+              <a:avLst/>
+            </a:prstGeom>
+            <a:ln w="57150">
+              <a:solidFill>
+                <a:schemeClr val="tx1"/>
+              </a:solidFill>
+              <a:headEnd type="triangle" w="med" len="med"/>
+              <a:tailEnd type="none" w="med" len="med"/>
+            </a:ln>
+          </p:spPr>
+          <p:style>
+            <a:lnRef idx="1">
+              <a:schemeClr val="accent1"/>
+            </a:lnRef>
+            <a:fillRef idx="0">
+              <a:schemeClr val="accent1"/>
+            </a:fillRef>
+            <a:effectRef idx="0">
+              <a:schemeClr val="accent1"/>
+            </a:effectRef>
+            <a:fontRef idx="minor">
+              <a:schemeClr val="tx1"/>
+            </a:fontRef>
+          </p:style>
+        </p:cxnSp>
+        <p:cxnSp>
+          <p:nvCxnSpPr>
+            <p:cNvPr id="27" name="直線矢印コネクタ 26"/>
+            <p:cNvCxnSpPr/>
+            <p:nvPr/>
+          </p:nvCxnSpPr>
+          <p:spPr>
+            <a:xfrm>
+              <a:off x="1556748" y="3293950"/>
+              <a:ext cx="1142996" cy="0"/>
+            </a:xfrm>
+            <a:prstGeom prst="straightConnector1">
+              <a:avLst/>
+            </a:prstGeom>
+            <a:ln w="57150">
+              <a:solidFill>
+                <a:schemeClr val="tx1"/>
+              </a:solidFill>
+              <a:headEnd type="triangle" w="med" len="med"/>
+              <a:tailEnd type="none" w="med" len="med"/>
+            </a:ln>
+          </p:spPr>
+          <p:style>
+            <a:lnRef idx="1">
+              <a:schemeClr val="accent1"/>
+            </a:lnRef>
+            <a:fillRef idx="0">
+              <a:schemeClr val="accent1"/>
+            </a:fillRef>
+            <a:effectRef idx="0">
+              <a:schemeClr val="accent1"/>
+            </a:effectRef>
+            <a:fontRef idx="minor">
+              <a:schemeClr val="tx1"/>
+            </a:fontRef>
+          </p:style>
+        </p:cxnSp>
+        <p:cxnSp>
+          <p:nvCxnSpPr>
+            <p:cNvPr id="28" name="直線矢印コネクタ 27"/>
+            <p:cNvCxnSpPr/>
+            <p:nvPr/>
+          </p:nvCxnSpPr>
+          <p:spPr>
+            <a:xfrm flipH="1">
+              <a:off x="1552700" y="3653990"/>
+              <a:ext cx="1142995" cy="0"/>
+            </a:xfrm>
+            <a:prstGeom prst="straightConnector1">
+              <a:avLst/>
+            </a:prstGeom>
+            <a:ln w="57150">
+              <a:solidFill>
+                <a:schemeClr val="tx1"/>
+              </a:solidFill>
+              <a:headEnd type="triangle" w="med" len="med"/>
+              <a:tailEnd type="none" w="med" len="med"/>
+            </a:ln>
+          </p:spPr>
+          <p:style>
+            <a:lnRef idx="1">
+              <a:schemeClr val="accent1"/>
+            </a:lnRef>
+            <a:fillRef idx="0">
+              <a:schemeClr val="accent1"/>
+            </a:fillRef>
+            <a:effectRef idx="0">
+              <a:schemeClr val="accent1"/>
+            </a:effectRef>
+            <a:fontRef idx="minor">
+              <a:schemeClr val="tx1"/>
+            </a:fontRef>
+          </p:style>
+        </p:cxnSp>
+        <p:cxnSp>
+          <p:nvCxnSpPr>
+            <p:cNvPr id="29" name="直線矢印コネクタ 28"/>
+            <p:cNvCxnSpPr/>
+            <p:nvPr/>
+          </p:nvCxnSpPr>
+          <p:spPr>
+            <a:xfrm flipH="1">
+              <a:off x="1552700" y="4014030"/>
+              <a:ext cx="1142995" cy="0"/>
+            </a:xfrm>
+            <a:prstGeom prst="straightConnector1">
+              <a:avLst/>
+            </a:prstGeom>
+            <a:ln w="57150">
+              <a:solidFill>
+                <a:schemeClr val="tx1"/>
+              </a:solidFill>
+              <a:headEnd type="triangle" w="med" len="med"/>
+              <a:tailEnd type="none" w="med" len="med"/>
+            </a:ln>
+          </p:spPr>
+          <p:style>
+            <a:lnRef idx="1">
+              <a:schemeClr val="accent1"/>
+            </a:lnRef>
+            <a:fillRef idx="0">
+              <a:schemeClr val="accent1"/>
+            </a:fillRef>
+            <a:effectRef idx="0">
+              <a:schemeClr val="accent1"/>
+            </a:effectRef>
+            <a:fontRef idx="minor">
+              <a:schemeClr val="tx1"/>
+            </a:fontRef>
+          </p:style>
+        </p:cxnSp>
+        <p:sp>
+          <p:nvSpPr>
+            <p:cNvPr id="30" name="テキスト ボックス 29"/>
+            <p:cNvSpPr txBox="1"/>
+            <p:nvPr/>
+          </p:nvSpPr>
+          <p:spPr>
+            <a:xfrm>
+              <a:off x="1727442" y="3253880"/>
+              <a:ext cx="864096" cy="369332"/>
+            </a:xfrm>
+            <a:prstGeom prst="rect">
+              <a:avLst/>
+            </a:prstGeom>
+            <a:noFill/>
+          </p:spPr>
+          <p:txBody>
+            <a:bodyPr wrap="square" rtlCol="0">
+              <a:spAutoFit/>
+            </a:bodyPr>
+            <a:lstStyle/>
+            <a:p>
+              <a:r>
+                <a:rPr lang="en-US" altLang="ja-JP" dirty="0" err="1" smtClean="0"/>
+                <a:t>wr</a:t>
+              </a:r>
+              <a:r>
+                <a:rPr kumimoji="1" lang="en-US" altLang="ja-JP" dirty="0" err="1" smtClean="0"/>
+                <a:t>_en</a:t>
+              </a:r>
+              <a:endParaRPr kumimoji="1" lang="en-US" altLang="ja-JP" dirty="0" smtClean="0"/>
+            </a:p>
+          </p:txBody>
+        </p:sp>
+        <p:sp>
+          <p:nvSpPr>
+            <p:cNvPr id="31" name="テキスト ボックス 30"/>
+            <p:cNvSpPr txBox="1"/>
+            <p:nvPr/>
+          </p:nvSpPr>
+          <p:spPr>
+            <a:xfrm>
+              <a:off x="1727442" y="3658680"/>
+              <a:ext cx="864096" cy="369332"/>
+            </a:xfrm>
+            <a:prstGeom prst="rect">
+              <a:avLst/>
+            </a:prstGeom>
+            <a:noFill/>
+          </p:spPr>
+          <p:txBody>
+            <a:bodyPr wrap="square" rtlCol="0">
+              <a:spAutoFit/>
+            </a:bodyPr>
+            <a:lstStyle/>
+            <a:p>
+              <a:r>
+                <a:rPr lang="en-US" altLang="ja-JP" dirty="0" smtClean="0"/>
+                <a:t>data</a:t>
+              </a:r>
+              <a:endParaRPr kumimoji="1" lang="en-US" altLang="ja-JP" dirty="0" smtClean="0"/>
+            </a:p>
+          </p:txBody>
+        </p:sp>
+        <p:sp>
+          <p:nvSpPr>
+            <p:cNvPr id="32" name="角丸四角形 31"/>
+            <p:cNvSpPr/>
+            <p:nvPr/>
+          </p:nvSpPr>
+          <p:spPr>
+            <a:xfrm>
+              <a:off x="457200" y="1318018"/>
+              <a:ext cx="1098040" cy="3133725"/>
+            </a:xfrm>
+            <a:prstGeom prst="roundRect">
+              <a:avLst/>
+            </a:prstGeom>
+            <a:solidFill>
+              <a:schemeClr val="bg1"/>
+            </a:solidFill>
+            <a:ln w="6350">
+              <a:solidFill>
+                <a:schemeClr val="tx1"/>
+              </a:solidFill>
+            </a:ln>
+          </p:spPr>
+          <p:style>
+            <a:lnRef idx="2">
+              <a:schemeClr val="accent1">
+                <a:shade val="50000"/>
+              </a:schemeClr>
+            </a:lnRef>
+            <a:fillRef idx="1">
+              <a:schemeClr val="accent1"/>
+            </a:fillRef>
+            <a:effectRef idx="0">
+              <a:schemeClr val="accent1"/>
+            </a:effectRef>
+            <a:fontRef idx="minor">
+              <a:schemeClr val="lt1"/>
+            </a:fontRef>
+          </p:style>
+          <p:txBody>
+            <a:bodyPr rtlCol="0" anchor="ctr"/>
+            <a:lstStyle/>
+            <a:p>
+              <a:pPr algn="ctr"/>
+              <a:r>
+                <a:rPr kumimoji="1" lang="en-US" altLang="ja-JP" dirty="0" smtClean="0">
+                  <a:solidFill>
+                    <a:schemeClr val="tx1"/>
+                  </a:solidFill>
+                </a:rPr>
+                <a:t>User</a:t>
+              </a:r>
+            </a:p>
+            <a:p>
+              <a:pPr algn="ctr"/>
+              <a:r>
+                <a:rPr lang="en-US" altLang="ja-JP" dirty="0" smtClean="0">
+                  <a:solidFill>
+                    <a:schemeClr val="tx1"/>
+                  </a:solidFill>
+                </a:rPr>
+                <a:t>Logic</a:t>
+              </a:r>
+              <a:endParaRPr kumimoji="1" lang="ja-JP" altLang="en-US" dirty="0">
+                <a:solidFill>
+                  <a:schemeClr val="tx1"/>
+                </a:solidFill>
+              </a:endParaRPr>
+            </a:p>
+          </p:txBody>
+        </p:sp>
+      </p:grpSp>
+    </p:spTree>
+    <p:extLst>
+      <p:ext uri="{BB962C8B-B14F-4D97-AF65-F5344CB8AC3E}">
+        <p14:creationId xmlns:p14="http://schemas.microsoft.com/office/powerpoint/2010/main" val="4115814125"/>
       </p:ext>
     </p:extLst>
   </p:cSld>
